--- a/sqlRelayCardiff2016.pptx
+++ b/sqlRelayCardiff2016.pptx
@@ -12,13 +12,11 @@
     <p:sldId id="265" r:id="rId6"/>
     <p:sldId id="266" r:id="rId7"/>
     <p:sldId id="269" r:id="rId8"/>
-    <p:sldId id="271" r:id="rId9"/>
-    <p:sldId id="267" r:id="rId10"/>
-    <p:sldId id="272" r:id="rId11"/>
-    <p:sldId id="273" r:id="rId12"/>
-    <p:sldId id="274" r:id="rId13"/>
-    <p:sldId id="275" r:id="rId14"/>
-    <p:sldId id="260" r:id="rId15"/>
+    <p:sldId id="272" r:id="rId9"/>
+    <p:sldId id="273" r:id="rId10"/>
+    <p:sldId id="274" r:id="rId11"/>
+    <p:sldId id="275" r:id="rId12"/>
+    <p:sldId id="260" r:id="rId13"/>
   </p:sldIdLst>
   <p:sldSz cx="12192000" cy="6858000"/>
   <p:notesSz cx="6858000" cy="9144000"/>
@@ -256,7 +254,7 @@
           <a:p>
             <a:fld id="{A5A5C35F-BEDD-4385-86E2-DE87914BDFD0}" type="datetimeFigureOut">
               <a:rPr lang="en-GB" smtClean="0"/>
-              <a:t>21/09/2016</a:t>
+              <a:t>23/09/2016</a:t>
             </a:fld>
             <a:endParaRPr lang="en-GB"/>
           </a:p>
@@ -426,7 +424,7 @@
           <a:p>
             <a:fld id="{A5A5C35F-BEDD-4385-86E2-DE87914BDFD0}" type="datetimeFigureOut">
               <a:rPr lang="en-GB" smtClean="0"/>
-              <a:t>21/09/2016</a:t>
+              <a:t>23/09/2016</a:t>
             </a:fld>
             <a:endParaRPr lang="en-GB"/>
           </a:p>
@@ -606,7 +604,7 @@
           <a:p>
             <a:fld id="{A5A5C35F-BEDD-4385-86E2-DE87914BDFD0}" type="datetimeFigureOut">
               <a:rPr lang="en-GB" smtClean="0"/>
-              <a:t>21/09/2016</a:t>
+              <a:t>23/09/2016</a:t>
             </a:fld>
             <a:endParaRPr lang="en-GB"/>
           </a:p>
@@ -776,7 +774,7 @@
           <a:p>
             <a:fld id="{A5A5C35F-BEDD-4385-86E2-DE87914BDFD0}" type="datetimeFigureOut">
               <a:rPr lang="en-GB" smtClean="0"/>
-              <a:t>21/09/2016</a:t>
+              <a:t>23/09/2016</a:t>
             </a:fld>
             <a:endParaRPr lang="en-GB"/>
           </a:p>
@@ -1022,7 +1020,7 @@
           <a:p>
             <a:fld id="{A5A5C35F-BEDD-4385-86E2-DE87914BDFD0}" type="datetimeFigureOut">
               <a:rPr lang="en-GB" smtClean="0"/>
-              <a:t>21/09/2016</a:t>
+              <a:t>23/09/2016</a:t>
             </a:fld>
             <a:endParaRPr lang="en-GB"/>
           </a:p>
@@ -1254,7 +1252,7 @@
           <a:p>
             <a:fld id="{A5A5C35F-BEDD-4385-86E2-DE87914BDFD0}" type="datetimeFigureOut">
               <a:rPr lang="en-GB" smtClean="0"/>
-              <a:t>21/09/2016</a:t>
+              <a:t>23/09/2016</a:t>
             </a:fld>
             <a:endParaRPr lang="en-GB"/>
           </a:p>
@@ -1621,7 +1619,7 @@
           <a:p>
             <a:fld id="{A5A5C35F-BEDD-4385-86E2-DE87914BDFD0}" type="datetimeFigureOut">
               <a:rPr lang="en-GB" smtClean="0"/>
-              <a:t>21/09/2016</a:t>
+              <a:t>23/09/2016</a:t>
             </a:fld>
             <a:endParaRPr lang="en-GB"/>
           </a:p>
@@ -1739,7 +1737,7 @@
           <a:p>
             <a:fld id="{A5A5C35F-BEDD-4385-86E2-DE87914BDFD0}" type="datetimeFigureOut">
               <a:rPr lang="en-GB" smtClean="0"/>
-              <a:t>21/09/2016</a:t>
+              <a:t>23/09/2016</a:t>
             </a:fld>
             <a:endParaRPr lang="en-GB"/>
           </a:p>
@@ -1834,7 +1832,7 @@
           <a:p>
             <a:fld id="{A5A5C35F-BEDD-4385-86E2-DE87914BDFD0}" type="datetimeFigureOut">
               <a:rPr lang="en-GB" smtClean="0"/>
-              <a:t>21/09/2016</a:t>
+              <a:t>23/09/2016</a:t>
             </a:fld>
             <a:endParaRPr lang="en-GB"/>
           </a:p>
@@ -2111,7 +2109,7 @@
           <a:p>
             <a:fld id="{A5A5C35F-BEDD-4385-86E2-DE87914BDFD0}" type="datetimeFigureOut">
               <a:rPr lang="en-GB" smtClean="0"/>
-              <a:t>21/09/2016</a:t>
+              <a:t>23/09/2016</a:t>
             </a:fld>
             <a:endParaRPr lang="en-GB"/>
           </a:p>
@@ -2364,7 +2362,7 @@
           <a:p>
             <a:fld id="{A5A5C35F-BEDD-4385-86E2-DE87914BDFD0}" type="datetimeFigureOut">
               <a:rPr lang="en-GB" smtClean="0"/>
-              <a:t>21/09/2016</a:t>
+              <a:t>23/09/2016</a:t>
             </a:fld>
             <a:endParaRPr lang="en-GB"/>
           </a:p>
@@ -2577,7 +2575,7 @@
           <a:p>
             <a:fld id="{A5A5C35F-BEDD-4385-86E2-DE87914BDFD0}" type="datetimeFigureOut">
               <a:rPr lang="en-GB" smtClean="0"/>
-              <a:t>21/09/2016</a:t>
+              <a:t>23/09/2016</a:t>
             </a:fld>
             <a:endParaRPr lang="en-GB"/>
           </a:p>
@@ -3114,13 +3112,6 @@
   <p:clrMapOvr>
     <a:masterClrMapping/>
   </p:clrMapOvr>
-  <p:timing>
-    <p:tnLst>
-      <p:par>
-        <p:cTn id="1" dur="indefinite" restart="never" nodeType="tmRoot"/>
-      </p:par>
-    </p:tnLst>
-  </p:timing>
 </p:sld>
 </file>
 
@@ -3150,7 +3141,7 @@
         <p:spPr>
           <a:xfrm>
             <a:off x="305354" y="928662"/>
-            <a:ext cx="9166420" cy="646331"/>
+            <a:ext cx="10037428" cy="646331"/>
           </a:xfrm>
           <a:prstGeom prst="rect">
             <a:avLst/>
@@ -3164,7 +3155,7 @@
           <a:lstStyle/>
           <a:p>
             <a:r>
-              <a:rPr lang="en-GB" dirty="0" smtClean="0">
+              <a:rPr lang="en-GB" dirty="0">
                 <a:solidFill>
                   <a:schemeClr val="tx1">
                     <a:lumMod val="65000"/>
@@ -3179,8 +3170,10 @@
                   </a:outerShdw>
                 </a:effectLst>
               </a:rPr>
-              <a:t>Predictive analysis is about forecasting </a:t>
-            </a:r>
+              <a:t>On its own, it can be difficult to derive value from geospatial data, yet it can offer a wealth of information</a:t>
+            </a:r>
+          </a:p>
+          <a:p>
             <a:r>
               <a:rPr lang="en-GB" dirty="0">
                 <a:solidFill>
@@ -3197,45 +3190,7 @@
                   </a:outerShdw>
                 </a:effectLst>
               </a:rPr>
-              <a:t>e</a:t>
-            </a:r>
-            <a:r>
-              <a:rPr lang="en-GB" dirty="0" smtClean="0">
-                <a:solidFill>
-                  <a:schemeClr val="tx1">
-                    <a:lumMod val="65000"/>
-                    <a:lumOff val="35000"/>
-                  </a:schemeClr>
-                </a:solidFill>
-                <a:effectLst>
-                  <a:outerShdw blurRad="38100" dist="38100" dir="2700000" algn="tl">
-                    <a:srgbClr val="000000">
-                      <a:alpha val="43137"/>
-                    </a:srgbClr>
-                  </a:outerShdw>
-                </a:effectLst>
-              </a:rPr>
-              <a:t>vents using a range of statistical and machine learning</a:t>
-            </a:r>
-          </a:p>
-          <a:p>
-            <a:r>
-              <a:rPr lang="en-GB" dirty="0" smtClean="0">
-                <a:solidFill>
-                  <a:schemeClr val="tx1">
-                    <a:lumMod val="65000"/>
-                    <a:lumOff val="35000"/>
-                  </a:schemeClr>
-                </a:solidFill>
-                <a:effectLst>
-                  <a:outerShdw blurRad="38100" dist="38100" dir="2700000" algn="tl">
-                    <a:srgbClr val="000000">
-                      <a:alpha val="43137"/>
-                    </a:srgbClr>
-                  </a:outerShdw>
-                </a:effectLst>
-              </a:rPr>
-              <a:t>techniques</a:t>
+              <a:t>when properly analysed</a:t>
             </a:r>
           </a:p>
         </p:txBody>
@@ -3352,14 +3307,14 @@
       </p:grpSp>
       <p:sp>
         <p:nvSpPr>
-          <p:cNvPr id="8" name="TextBox 7"/>
+          <p:cNvPr id="16" name="TextBox 15"/>
           <p:cNvSpPr txBox="1"/>
           <p:nvPr/>
         </p:nvSpPr>
         <p:spPr>
           <a:xfrm>
-            <a:off x="305354" y="1936718"/>
-            <a:ext cx="10013767" cy="646331"/>
+            <a:off x="0" y="7688"/>
+            <a:ext cx="2417650" cy="523220"/>
           </a:xfrm>
           <a:prstGeom prst="rect">
             <a:avLst/>
@@ -3367,13 +3322,14 @@
           <a:noFill/>
         </p:spPr>
         <p:txBody>
-          <a:bodyPr wrap="none" rtlCol="0">
+          <a:bodyPr wrap="none" rtlCol="0" anchor="ctr">
             <a:spAutoFit/>
           </a:bodyPr>
           <a:lstStyle/>
           <a:p>
-            <a:r>
-              <a:rPr lang="en-GB" dirty="0" smtClean="0">
+            <a:pPr algn="ctr"/>
+            <a:r>
+              <a:rPr lang="en-GB" sz="2800" dirty="0">
                 <a:solidFill>
                   <a:schemeClr val="tx1">
                     <a:lumMod val="65000"/>
@@ -3388,12 +3344,35 @@
                   </a:outerShdw>
                 </a:effectLst>
               </a:rPr>
-              <a:t>By highlighting and extracting certain traits from our data we can identify trends and use these to predict</a:t>
-            </a:r>
-          </a:p>
-          <a:p>
-            <a:r>
-              <a:rPr lang="en-GB" dirty="0" smtClean="0">
+              <a:t>Spatial Analysis</a:t>
+            </a:r>
+          </a:p>
+        </p:txBody>
+      </p:sp>
+      <p:sp>
+        <p:nvSpPr>
+          <p:cNvPr id="8" name="TextBox 7"/>
+          <p:cNvSpPr txBox="1"/>
+          <p:nvPr/>
+        </p:nvSpPr>
+        <p:spPr>
+          <a:xfrm>
+            <a:off x="305354" y="1972747"/>
+            <a:ext cx="9604360" cy="646331"/>
+          </a:xfrm>
+          <a:prstGeom prst="rect">
+            <a:avLst/>
+          </a:prstGeom>
+          <a:noFill/>
+        </p:spPr>
+        <p:txBody>
+          <a:bodyPr wrap="none" rtlCol="0">
+            <a:spAutoFit/>
+          </a:bodyPr>
+          <a:lstStyle/>
+          <a:p>
+            <a:r>
+              <a:rPr lang="en-GB" dirty="0">
                 <a:solidFill>
                   <a:schemeClr val="tx1">
                     <a:lumMod val="65000"/>
@@ -3408,36 +3387,12 @@
                   </a:outerShdw>
                 </a:effectLst>
               </a:rPr>
-              <a:t>behaviours which may occur / have occurred in the past, present or future</a:t>
-            </a:r>
-          </a:p>
-        </p:txBody>
-      </p:sp>
-      <p:sp>
-        <p:nvSpPr>
-          <p:cNvPr id="16" name="TextBox 15"/>
-          <p:cNvSpPr txBox="1"/>
-          <p:nvPr/>
-        </p:nvSpPr>
-        <p:spPr>
-          <a:xfrm>
-            <a:off x="68032" y="43717"/>
-            <a:ext cx="2885855" cy="523220"/>
-          </a:xfrm>
-          <a:prstGeom prst="rect">
-            <a:avLst/>
-          </a:prstGeom>
-          <a:noFill/>
-        </p:spPr>
-        <p:txBody>
-          <a:bodyPr wrap="none" rtlCol="0" anchor="ctr">
-            <a:spAutoFit/>
-          </a:bodyPr>
-          <a:lstStyle/>
-          <a:p>
-            <a:pPr algn="ctr"/>
-            <a:r>
-              <a:rPr lang="en-GB" sz="2800" dirty="0" smtClean="0">
+              <a:t>Designer helps you take advantage of spatial data through techniques such as drive-time, trade area,</a:t>
+            </a:r>
+          </a:p>
+          <a:p>
+            <a:r>
+              <a:rPr lang="en-GB" dirty="0">
                 <a:solidFill>
                   <a:schemeClr val="tx1">
                     <a:lumMod val="65000"/>
@@ -3452,113 +3407,29 @@
                   </a:outerShdw>
                 </a:effectLst>
               </a:rPr>
-              <a:t>Predictive Analysis</a:t>
-            </a:r>
-            <a:endParaRPr lang="en-GB" sz="2800" dirty="0">
-              <a:solidFill>
-                <a:schemeClr val="tx1">
-                  <a:lumMod val="65000"/>
-                  <a:lumOff val="35000"/>
-                </a:schemeClr>
-              </a:solidFill>
-              <a:effectLst>
-                <a:outerShdw blurRad="38100" dist="38100" dir="2700000" algn="tl">
-                  <a:srgbClr val="000000">
-                    <a:alpha val="43137"/>
-                  </a:srgbClr>
-                </a:outerShdw>
-              </a:effectLst>
-            </a:endParaRPr>
-          </a:p>
-        </p:txBody>
-      </p:sp>
-      <p:sp>
-        <p:nvSpPr>
-          <p:cNvPr id="15" name="TextBox 14"/>
-          <p:cNvSpPr txBox="1"/>
-          <p:nvPr/>
-        </p:nvSpPr>
-        <p:spPr>
-          <a:xfrm>
-            <a:off x="305354" y="2944774"/>
-            <a:ext cx="10207218" cy="646331"/>
-          </a:xfrm>
-          <a:prstGeom prst="rect">
-            <a:avLst/>
-          </a:prstGeom>
-          <a:noFill/>
-        </p:spPr>
-        <p:txBody>
-          <a:bodyPr wrap="none" rtlCol="0">
-            <a:spAutoFit/>
-          </a:bodyPr>
-          <a:lstStyle/>
-          <a:p>
-            <a:r>
-              <a:rPr lang="en-GB" dirty="0" smtClean="0">
-                <a:solidFill>
-                  <a:schemeClr val="tx1">
-                    <a:lumMod val="65000"/>
-                    <a:lumOff val="35000"/>
-                  </a:schemeClr>
-                </a:solidFill>
-                <a:effectLst>
-                  <a:outerShdw blurRad="38100" dist="38100" dir="2700000" algn="tl">
-                    <a:srgbClr val="000000">
-                      <a:alpha val="43137"/>
-                    </a:srgbClr>
-                  </a:outerShdw>
-                </a:effectLst>
-              </a:rPr>
-              <a:t>Alteryx Designer offers over 30 predictive tools based on the R statistical programming language.  Each tool</a:t>
-            </a:r>
-          </a:p>
-          <a:p>
-            <a:r>
-              <a:rPr lang="en-GB" dirty="0" smtClean="0">
-                <a:solidFill>
-                  <a:schemeClr val="tx1">
-                    <a:lumMod val="65000"/>
-                    <a:lumOff val="35000"/>
-                  </a:schemeClr>
-                </a:solidFill>
-                <a:effectLst>
-                  <a:outerShdw blurRad="38100" dist="38100" dir="2700000" algn="tl">
-                    <a:srgbClr val="000000">
-                      <a:alpha val="43137"/>
-                    </a:srgbClr>
-                  </a:outerShdw>
-                </a:effectLst>
-              </a:rPr>
-              <a:t>is highly customisable to meet your specific needs</a:t>
+              <a:t>spatial-matching and point creation</a:t>
             </a:r>
           </a:p>
         </p:txBody>
       </p:sp>
       <p:pic>
         <p:nvPicPr>
-          <p:cNvPr id="14" name="Picture 13"/>
+          <p:cNvPr id="2" name="Picture 1"/>
           <p:cNvPicPr>
             <a:picLocks noChangeAspect="1"/>
           </p:cNvPicPr>
           <p:nvPr/>
         </p:nvPicPr>
         <p:blipFill>
-          <a:blip r:embed="rId4">
-            <a:extLst>
-              <a:ext uri="{28A0092B-C50C-407E-A947-70E740481C1C}">
-                <a14:useLocalDpi xmlns:a14="http://schemas.microsoft.com/office/drawing/2010/main" val="0"/>
-              </a:ext>
-            </a:extLst>
-          </a:blip>
+          <a:blip r:embed="rId4"/>
           <a:stretch>
             <a:fillRect/>
           </a:stretch>
         </p:blipFill>
         <p:spPr>
           <a:xfrm>
-            <a:off x="283037" y="3952830"/>
-            <a:ext cx="10058400" cy="517058"/>
+            <a:off x="661076" y="3558706"/>
+            <a:ext cx="9820275" cy="1028700"/>
           </a:xfrm>
           <a:prstGeom prst="rect">
             <a:avLst/>
@@ -3568,20 +3439,13 @@
     </p:spTree>
     <p:extLst>
       <p:ext uri="{BB962C8B-B14F-4D97-AF65-F5344CB8AC3E}">
-        <p14:creationId xmlns:p14="http://schemas.microsoft.com/office/powerpoint/2010/main" val="862696307"/>
+        <p14:creationId xmlns:p14="http://schemas.microsoft.com/office/powerpoint/2010/main" val="628945371"/>
       </p:ext>
     </p:extLst>
   </p:cSld>
   <p:clrMapOvr>
     <a:masterClrMapping/>
   </p:clrMapOvr>
-  <p:timing>
-    <p:tnLst>
-      <p:par>
-        <p:cTn id="1" dur="indefinite" restart="never" nodeType="tmRoot"/>
-      </p:par>
-    </p:tnLst>
-  </p:timing>
 </p:sld>
 </file>
 
@@ -3602,16 +3466,149 @@
           <a:chExt cx="0" cy="0"/>
         </a:xfrm>
       </p:grpSpPr>
-      <p:sp>
-        <p:nvSpPr>
-          <p:cNvPr id="9" name="TextBox 8"/>
+      <p:grpSp>
+        <p:nvGrpSpPr>
+          <p:cNvPr id="13" name="Group 12"/>
+          <p:cNvGrpSpPr/>
+          <p:nvPr/>
+        </p:nvGrpSpPr>
+        <p:grpSpPr>
+          <a:xfrm>
+            <a:off x="8690753" y="6076841"/>
+            <a:ext cx="3439005" cy="781159"/>
+            <a:chOff x="4167739" y="5299927"/>
+            <a:chExt cx="3439005" cy="781159"/>
+          </a:xfrm>
+        </p:grpSpPr>
+        <p:pic>
+          <p:nvPicPr>
+            <p:cNvPr id="10" name="Picture 9"/>
+            <p:cNvPicPr>
+              <a:picLocks noChangeAspect="1"/>
+            </p:cNvPicPr>
+            <p:nvPr/>
+          </p:nvPicPr>
+          <p:blipFill>
+            <a:blip r:embed="rId2">
+              <a:extLst>
+                <a:ext uri="{28A0092B-C50C-407E-A947-70E740481C1C}">
+                  <a14:useLocalDpi xmlns:a14="http://schemas.microsoft.com/office/drawing/2010/main" val="0"/>
+                </a:ext>
+              </a:extLst>
+            </a:blip>
+            <a:stretch>
+              <a:fillRect/>
+            </a:stretch>
+          </p:blipFill>
+          <p:spPr>
+            <a:xfrm>
+              <a:off x="4167739" y="5299927"/>
+              <a:ext cx="1848108" cy="781159"/>
+            </a:xfrm>
+            <a:prstGeom prst="rect">
+              <a:avLst/>
+            </a:prstGeom>
+          </p:spPr>
+        </p:pic>
+        <p:pic>
+          <p:nvPicPr>
+            <p:cNvPr id="11" name="Picture 10"/>
+            <p:cNvPicPr>
+              <a:picLocks noChangeAspect="1"/>
+            </p:cNvPicPr>
+            <p:nvPr/>
+          </p:nvPicPr>
+          <p:blipFill>
+            <a:blip r:embed="rId3">
+              <a:extLst>
+                <a:ext uri="{28A0092B-C50C-407E-A947-70E740481C1C}">
+                  <a14:useLocalDpi xmlns:a14="http://schemas.microsoft.com/office/drawing/2010/main" val="0"/>
+                </a:ext>
+              </a:extLst>
+            </a:blip>
+            <a:stretch>
+              <a:fillRect/>
+            </a:stretch>
+          </p:blipFill>
+          <p:spPr>
+            <a:xfrm>
+              <a:off x="6015847" y="5390426"/>
+              <a:ext cx="1590897" cy="600159"/>
+            </a:xfrm>
+            <a:prstGeom prst="rect">
+              <a:avLst/>
+            </a:prstGeom>
+          </p:spPr>
+        </p:pic>
+        <p:sp>
+          <p:nvSpPr>
+            <p:cNvPr id="12" name="TextBox 11"/>
+            <p:cNvSpPr txBox="1"/>
+            <p:nvPr/>
+          </p:nvSpPr>
+          <p:spPr>
+            <a:xfrm>
+              <a:off x="5805693" y="5336562"/>
+              <a:ext cx="420308" cy="707886"/>
+            </a:xfrm>
+            <a:prstGeom prst="rect">
+              <a:avLst/>
+            </a:prstGeom>
+            <a:noFill/>
+          </p:spPr>
+          <p:txBody>
+            <a:bodyPr wrap="none" rtlCol="0">
+              <a:spAutoFit/>
+            </a:bodyPr>
+            <a:lstStyle/>
+            <a:p>
+              <a:pPr marL="0" marR="0" lvl="0" indent="0" defTabSz="914400" eaLnBrk="1" fontAlgn="auto" latinLnBrk="0" hangingPunct="1">
+                <a:lnSpc>
+                  <a:spcPct val="100000"/>
+                </a:lnSpc>
+                <a:spcBef>
+                  <a:spcPts val="0"/>
+                </a:spcBef>
+                <a:spcAft>
+                  <a:spcPts val="0"/>
+                </a:spcAft>
+                <a:buClrTx/>
+                <a:buSzTx/>
+                <a:buFontTx/>
+                <a:buNone/>
+                <a:tabLst/>
+                <a:defRPr/>
+              </a:pPr>
+              <a:r>
+                <a:rPr kumimoji="0" lang="en-GB" sz="4000" b="0" i="0" u="none" strike="noStrike" kern="0" cap="none" spc="0" normalizeH="0" baseline="0" noProof="0" dirty="0">
+                  <a:ln>
+                    <a:noFill/>
+                  </a:ln>
+                  <a:solidFill>
+                    <a:schemeClr val="bg2">
+                      <a:lumMod val="90000"/>
+                    </a:schemeClr>
+                  </a:solidFill>
+                  <a:effectLst/>
+                  <a:uLnTx/>
+                  <a:uFillTx/>
+                </a:rPr>
+                <a:t>|</a:t>
+              </a:r>
+            </a:p>
+          </p:txBody>
+        </p:sp>
+      </p:grpSp>
+      <p:sp>
+        <p:nvSpPr>
+          <p:cNvPr id="8" name="TextBox 7"/>
           <p:cNvSpPr txBox="1"/>
           <p:nvPr/>
         </p:nvSpPr>
         <p:spPr>
           <a:xfrm>
-            <a:off x="305354" y="928662"/>
-            <a:ext cx="5769208" cy="369332"/>
+            <a:off x="305354" y="930948"/>
+            <a:ext cx="11347978" cy="1200329"/>
           </a:xfrm>
           <a:prstGeom prst="rect">
             <a:avLst/>
@@ -3624,8 +3621,9 @@
           </a:bodyPr>
           <a:lstStyle/>
           <a:p>
-            <a:r>
-              <a:rPr lang="en-GB" dirty="0" smtClean="0">
+            <a:pPr lvl="0"/>
+            <a:r>
+              <a:rPr lang="en-GB" kern="0" dirty="0">
                 <a:solidFill>
                   <a:schemeClr val="tx1">
                     <a:lumMod val="65000"/>
@@ -3640,11 +3638,430 @@
                   </a:outerShdw>
                 </a:effectLst>
               </a:rPr>
-              <a:t>Before you can analyse your data you need to understand it</a:t>
-            </a:r>
-          </a:p>
-        </p:txBody>
-      </p:sp>
+              <a:t>You work at Twitter HQ in San Francisco.  On your way home you plan to go Pokémon hunting.</a:t>
+            </a:r>
+          </a:p>
+          <a:p>
+            <a:pPr lvl="0"/>
+            <a:r>
+              <a:rPr lang="en-GB" kern="0" dirty="0">
+                <a:solidFill>
+                  <a:schemeClr val="tx1">
+                    <a:lumMod val="65000"/>
+                    <a:lumOff val="35000"/>
+                  </a:schemeClr>
+                </a:solidFill>
+                <a:effectLst>
+                  <a:outerShdw blurRad="38100" dist="38100" dir="2700000" algn="tl">
+                    <a:srgbClr val="000000">
+                      <a:alpha val="43137"/>
+                    </a:srgbClr>
+                  </a:outerShdw>
+                </a:effectLst>
+              </a:rPr>
+              <a:t>You live North West or your office and only plan to search within a 2-mile radius.  You're hoping to find a good</a:t>
+            </a:r>
+          </a:p>
+          <a:p>
+            <a:pPr lvl="0"/>
+            <a:r>
+              <a:rPr lang="en-GB" kern="0" dirty="0">
+                <a:solidFill>
+                  <a:schemeClr val="tx1">
+                    <a:lumMod val="65000"/>
+                    <a:lumOff val="35000"/>
+                  </a:schemeClr>
+                </a:solidFill>
+                <a:effectLst>
+                  <a:outerShdw blurRad="38100" dist="38100" dir="2700000" algn="tl">
+                    <a:srgbClr val="000000">
+                      <a:alpha val="43137"/>
+                    </a:srgbClr>
+                  </a:outerShdw>
+                </a:effectLst>
+              </a:rPr>
+              <a:t>all-rounder with a fair attack and defence.  You're also hoping for a Pokémon that none of your friends have so it </a:t>
+            </a:r>
+          </a:p>
+          <a:p>
+            <a:pPr lvl="0"/>
+            <a:r>
+              <a:rPr lang="en-GB" kern="0" dirty="0">
+                <a:solidFill>
+                  <a:schemeClr val="tx1">
+                    <a:lumMod val="65000"/>
+                    <a:lumOff val="35000"/>
+                  </a:schemeClr>
+                </a:solidFill>
+                <a:effectLst>
+                  <a:outerShdw blurRad="38100" dist="38100" dir="2700000" algn="tl">
+                    <a:srgbClr val="000000">
+                      <a:alpha val="43137"/>
+                    </a:srgbClr>
+                  </a:outerShdw>
+                </a:effectLst>
+              </a:rPr>
+              <a:t>can't be a creature that spawns frequently.  In order to maximise your chances you've decided to use Data and Alteryx.</a:t>
+            </a:r>
+          </a:p>
+        </p:txBody>
+      </p:sp>
+      <p:sp>
+        <p:nvSpPr>
+          <p:cNvPr id="16" name="TextBox 15"/>
+          <p:cNvSpPr txBox="1"/>
+          <p:nvPr/>
+        </p:nvSpPr>
+        <p:spPr>
+          <a:xfrm>
+            <a:off x="0" y="0"/>
+            <a:ext cx="2387192" cy="523220"/>
+          </a:xfrm>
+          <a:prstGeom prst="rect">
+            <a:avLst/>
+          </a:prstGeom>
+          <a:noFill/>
+        </p:spPr>
+        <p:txBody>
+          <a:bodyPr wrap="none" rtlCol="0" anchor="ctr">
+            <a:spAutoFit/>
+          </a:bodyPr>
+          <a:lstStyle/>
+          <a:p>
+            <a:pPr marL="0" marR="0" lvl="0" indent="0" algn="ctr" defTabSz="914400" eaLnBrk="1" fontAlgn="auto" latinLnBrk="0" hangingPunct="1">
+              <a:lnSpc>
+                <a:spcPct val="100000"/>
+              </a:lnSpc>
+              <a:spcBef>
+                <a:spcPts val="0"/>
+              </a:spcBef>
+              <a:spcAft>
+                <a:spcPts val="0"/>
+              </a:spcAft>
+              <a:buClrTx/>
+              <a:buSzTx/>
+              <a:buFontTx/>
+              <a:buNone/>
+              <a:tabLst/>
+              <a:defRPr/>
+            </a:pPr>
+            <a:r>
+              <a:rPr kumimoji="0" lang="en-GB" sz="2800" b="0" i="0" u="none" strike="noStrike" kern="0" cap="none" spc="0" normalizeH="0" baseline="0" noProof="0" dirty="0">
+                <a:ln>
+                  <a:noFill/>
+                </a:ln>
+                <a:solidFill>
+                  <a:schemeClr val="tx1">
+                    <a:lumMod val="65000"/>
+                    <a:lumOff val="35000"/>
+                  </a:schemeClr>
+                </a:solidFill>
+                <a:effectLst>
+                  <a:outerShdw blurRad="38100" dist="38100" dir="2700000" algn="tl">
+                    <a:srgbClr val="000000">
+                      <a:alpha val="43137"/>
+                    </a:srgbClr>
+                  </a:outerShdw>
+                </a:effectLst>
+                <a:uLnTx/>
+                <a:uFillTx/>
+              </a:rPr>
+              <a:t>Demonstration</a:t>
+            </a:r>
+          </a:p>
+        </p:txBody>
+      </p:sp>
+      <p:sp>
+        <p:nvSpPr>
+          <p:cNvPr id="17" name="TextBox 16"/>
+          <p:cNvSpPr txBox="1"/>
+          <p:nvPr/>
+        </p:nvSpPr>
+        <p:spPr>
+          <a:xfrm>
+            <a:off x="305354" y="2539005"/>
+            <a:ext cx="10700365" cy="646331"/>
+          </a:xfrm>
+          <a:prstGeom prst="rect">
+            <a:avLst/>
+          </a:prstGeom>
+          <a:noFill/>
+        </p:spPr>
+        <p:txBody>
+          <a:bodyPr wrap="none" rtlCol="0">
+            <a:spAutoFit/>
+          </a:bodyPr>
+          <a:lstStyle/>
+          <a:p>
+            <a:pPr lvl="0"/>
+            <a:r>
+              <a:rPr lang="en-GB" kern="0" dirty="0">
+                <a:solidFill>
+                  <a:schemeClr val="tx1">
+                    <a:lumMod val="65000"/>
+                    <a:lumOff val="35000"/>
+                  </a:schemeClr>
+                </a:solidFill>
+                <a:effectLst>
+                  <a:outerShdw blurRad="38100" dist="38100" dir="2700000" algn="tl">
+                    <a:srgbClr val="000000">
+                      <a:alpha val="43137"/>
+                    </a:srgbClr>
+                  </a:outerShdw>
+                </a:effectLst>
+              </a:rPr>
+              <a:t>This demonstration will show some of the Data Prep, Blending, Statistical &amp; Spatial Analysis and Reporting tools </a:t>
+            </a:r>
+          </a:p>
+          <a:p>
+            <a:pPr lvl="0"/>
+            <a:r>
+              <a:rPr lang="en-GB" kern="0" dirty="0">
+                <a:solidFill>
+                  <a:schemeClr val="tx1">
+                    <a:lumMod val="65000"/>
+                    <a:lumOff val="35000"/>
+                  </a:schemeClr>
+                </a:solidFill>
+                <a:effectLst>
+                  <a:outerShdw blurRad="38100" dist="38100" dir="2700000" algn="tl">
+                    <a:srgbClr val="000000">
+                      <a:alpha val="43137"/>
+                    </a:srgbClr>
+                  </a:outerShdw>
+                </a:effectLst>
+              </a:rPr>
+              <a:t>available with Alteryx Designer.</a:t>
+            </a:r>
+          </a:p>
+        </p:txBody>
+      </p:sp>
+      <p:sp>
+        <p:nvSpPr>
+          <p:cNvPr id="18" name="TextBox 17"/>
+          <p:cNvSpPr txBox="1"/>
+          <p:nvPr/>
+        </p:nvSpPr>
+        <p:spPr>
+          <a:xfrm>
+            <a:off x="305354" y="3593064"/>
+            <a:ext cx="5649303" cy="923330"/>
+          </a:xfrm>
+          <a:prstGeom prst="rect">
+            <a:avLst/>
+          </a:prstGeom>
+          <a:noFill/>
+        </p:spPr>
+        <p:txBody>
+          <a:bodyPr wrap="none" rtlCol="0">
+            <a:spAutoFit/>
+          </a:bodyPr>
+          <a:lstStyle/>
+          <a:p>
+            <a:pPr lvl="0"/>
+            <a:r>
+              <a:rPr lang="en-GB" kern="0" dirty="0">
+                <a:solidFill>
+                  <a:schemeClr val="tx1">
+                    <a:lumMod val="65000"/>
+                    <a:lumOff val="35000"/>
+                  </a:schemeClr>
+                </a:solidFill>
+                <a:effectLst>
+                  <a:outerShdw blurRad="38100" dist="38100" dir="2700000" algn="tl">
+                    <a:srgbClr val="000000">
+                      <a:alpha val="43137"/>
+                    </a:srgbClr>
+                  </a:outerShdw>
+                </a:effectLst>
+              </a:rPr>
+              <a:t>These datasets are available in CSV format from Kaggle at:</a:t>
+            </a:r>
+          </a:p>
+          <a:p>
+            <a:pPr lvl="0"/>
+            <a:r>
+              <a:rPr lang="en-GB" kern="0" dirty="0">
+                <a:solidFill>
+                  <a:schemeClr val="tx1">
+                    <a:lumMod val="65000"/>
+                    <a:lumOff val="35000"/>
+                  </a:schemeClr>
+                </a:solidFill>
+                <a:effectLst>
+                  <a:outerShdw blurRad="38100" dist="38100" dir="2700000" algn="tl">
+                    <a:srgbClr val="000000">
+                      <a:alpha val="43137"/>
+                    </a:srgbClr>
+                  </a:outerShdw>
+                </a:effectLst>
+                <a:hlinkClick r:id="rId4"/>
+              </a:rPr>
+              <a:t>http://bit.ly/2d9IXLS</a:t>
+            </a:r>
+            <a:endParaRPr lang="en-GB" kern="0" dirty="0">
+              <a:solidFill>
+                <a:schemeClr val="tx1">
+                  <a:lumMod val="65000"/>
+                  <a:lumOff val="35000"/>
+                </a:schemeClr>
+              </a:solidFill>
+              <a:effectLst>
+                <a:outerShdw blurRad="38100" dist="38100" dir="2700000" algn="tl">
+                  <a:srgbClr val="000000">
+                    <a:alpha val="43137"/>
+                  </a:srgbClr>
+                </a:outerShdw>
+              </a:effectLst>
+            </a:endParaRPr>
+          </a:p>
+          <a:p>
+            <a:pPr lvl="0"/>
+            <a:r>
+              <a:rPr lang="en-GB" kern="0" dirty="0">
+                <a:solidFill>
+                  <a:schemeClr val="tx1">
+                    <a:lumMod val="65000"/>
+                    <a:lumOff val="35000"/>
+                  </a:schemeClr>
+                </a:solidFill>
+                <a:effectLst>
+                  <a:outerShdw blurRad="38100" dist="38100" dir="2700000" algn="tl">
+                    <a:srgbClr val="000000">
+                      <a:alpha val="43137"/>
+                    </a:srgbClr>
+                  </a:outerShdw>
+                </a:effectLst>
+                <a:hlinkClick r:id="rId5"/>
+              </a:rPr>
+              <a:t>http://bit.ly/2c2ZJt2</a:t>
+            </a:r>
+            <a:endParaRPr lang="en-GB" kern="0" dirty="0">
+              <a:solidFill>
+                <a:schemeClr val="tx1">
+                  <a:lumMod val="65000"/>
+                  <a:lumOff val="35000"/>
+                </a:schemeClr>
+              </a:solidFill>
+              <a:effectLst>
+                <a:outerShdw blurRad="38100" dist="38100" dir="2700000" algn="tl">
+                  <a:srgbClr val="000000">
+                    <a:alpha val="43137"/>
+                  </a:srgbClr>
+                </a:outerShdw>
+              </a:effectLst>
+            </a:endParaRPr>
+          </a:p>
+        </p:txBody>
+      </p:sp>
+      <p:sp>
+        <p:nvSpPr>
+          <p:cNvPr id="14" name="TextBox 13"/>
+          <p:cNvSpPr txBox="1"/>
+          <p:nvPr/>
+        </p:nvSpPr>
+        <p:spPr>
+          <a:xfrm>
+            <a:off x="305354" y="4924122"/>
+            <a:ext cx="9793065" cy="369332"/>
+          </a:xfrm>
+          <a:prstGeom prst="rect">
+            <a:avLst/>
+          </a:prstGeom>
+          <a:noFill/>
+        </p:spPr>
+        <p:txBody>
+          <a:bodyPr wrap="none" rtlCol="0">
+            <a:spAutoFit/>
+          </a:bodyPr>
+          <a:lstStyle/>
+          <a:p>
+            <a:pPr lvl="0"/>
+            <a:r>
+              <a:rPr lang="en-GB" kern="0" dirty="0">
+                <a:solidFill>
+                  <a:schemeClr val="tx1">
+                    <a:lumMod val="65000"/>
+                    <a:lumOff val="35000"/>
+                  </a:schemeClr>
+                </a:solidFill>
+                <a:effectLst>
+                  <a:outerShdw blurRad="38100" dist="38100" dir="2700000" algn="tl">
+                    <a:srgbClr val="000000">
+                      <a:alpha val="43137"/>
+                    </a:srgbClr>
+                  </a:outerShdw>
+                </a:effectLst>
+              </a:rPr>
+              <a:t>They are also available, along with the demonstration workflow, from GitHub at </a:t>
+            </a:r>
+            <a:r>
+              <a:rPr lang="en-GB" kern="0" dirty="0">
+                <a:solidFill>
+                  <a:schemeClr val="tx1">
+                    <a:lumMod val="65000"/>
+                    <a:lumOff val="35000"/>
+                  </a:schemeClr>
+                </a:solidFill>
+                <a:effectLst>
+                  <a:outerShdw blurRad="38100" dist="38100" dir="2700000" algn="tl">
+                    <a:srgbClr val="000000">
+                      <a:alpha val="43137"/>
+                    </a:srgbClr>
+                  </a:outerShdw>
+                </a:effectLst>
+                <a:hlinkClick r:id="rId6"/>
+              </a:rPr>
+              <a:t>http://bit.ly/2cWoGI2</a:t>
+            </a:r>
+            <a:endParaRPr lang="en-GB" kern="0" dirty="0">
+              <a:solidFill>
+                <a:schemeClr val="tx1">
+                  <a:lumMod val="65000"/>
+                  <a:lumOff val="35000"/>
+                </a:schemeClr>
+              </a:solidFill>
+              <a:effectLst>
+                <a:outerShdw blurRad="38100" dist="38100" dir="2700000" algn="tl">
+                  <a:srgbClr val="000000">
+                    <a:alpha val="43137"/>
+                  </a:srgbClr>
+                </a:outerShdw>
+              </a:effectLst>
+            </a:endParaRPr>
+          </a:p>
+        </p:txBody>
+      </p:sp>
+    </p:spTree>
+    <p:extLst>
+      <p:ext uri="{BB962C8B-B14F-4D97-AF65-F5344CB8AC3E}">
+        <p14:creationId xmlns:p14="http://schemas.microsoft.com/office/powerpoint/2010/main" val="1916590937"/>
+      </p:ext>
+    </p:extLst>
+  </p:cSld>
+  <p:clrMapOvr>
+    <a:masterClrMapping/>
+  </p:clrMapOvr>
+</p:sld>
+</file>
+
+<file path=ppt/slides/slide12.xml><?xml version="1.0" encoding="utf-8"?>
+<p:sld xmlns:a="http://schemas.openxmlformats.org/drawingml/2006/main" xmlns:r="http://schemas.openxmlformats.org/officeDocument/2006/relationships" xmlns:p="http://schemas.openxmlformats.org/presentationml/2006/main">
+  <p:cSld>
+    <p:spTree>
+      <p:nvGrpSpPr>
+        <p:cNvPr id="1" name=""/>
+        <p:cNvGrpSpPr/>
+        <p:nvPr/>
+      </p:nvGrpSpPr>
+      <p:grpSpPr>
+        <a:xfrm>
+          <a:off x="0" y="0"/>
+          <a:ext cx="0" cy="0"/>
+          <a:chOff x="0" y="0"/>
+          <a:chExt cx="0" cy="0"/>
+        </a:xfrm>
+      </p:grpSpPr>
       <p:grpSp>
         <p:nvGrpSpPr>
           <p:cNvPr id="13" name="Group 12"/>
@@ -3757,14 +4174,14 @@
       </p:grpSp>
       <p:sp>
         <p:nvSpPr>
-          <p:cNvPr id="16" name="TextBox 15"/>
+          <p:cNvPr id="14" name="TextBox 13"/>
           <p:cNvSpPr txBox="1"/>
           <p:nvPr/>
         </p:nvSpPr>
         <p:spPr>
           <a:xfrm>
-            <a:off x="0" y="35042"/>
-            <a:ext cx="2832891" cy="523220"/>
+            <a:off x="0" y="-55071"/>
+            <a:ext cx="1877950" cy="523220"/>
           </a:xfrm>
           <a:prstGeom prst="rect">
             <a:avLst/>
@@ -3779,7 +4196,7 @@
           <a:p>
             <a:pPr algn="ctr"/>
             <a:r>
-              <a:rPr lang="en-GB" sz="2800" dirty="0" smtClean="0">
+              <a:rPr lang="en-GB" sz="2800" dirty="0">
                 <a:solidFill>
                   <a:schemeClr val="tx1">
                     <a:lumMod val="65000"/>
@@ -3794,9 +4211,115 @@
                   </a:outerShdw>
                 </a:effectLst>
               </a:rPr>
-              <a:t>Statistical Analysis</a:t>
-            </a:r>
-            <a:endParaRPr lang="en-GB" sz="2800" dirty="0">
+              <a:t>Contact Me</a:t>
+            </a:r>
+          </a:p>
+        </p:txBody>
+      </p:sp>
+      <p:pic>
+        <p:nvPicPr>
+          <p:cNvPr id="2" name="Picture 1"/>
+          <p:cNvPicPr>
+            <a:picLocks noChangeAspect="1"/>
+          </p:cNvPicPr>
+          <p:nvPr/>
+        </p:nvPicPr>
+        <p:blipFill>
+          <a:blip r:embed="rId4"/>
+          <a:stretch>
+            <a:fillRect/>
+          </a:stretch>
+        </p:blipFill>
+        <p:spPr>
+          <a:xfrm>
+            <a:off x="716771" y="918206"/>
+            <a:ext cx="6870700" cy="2705100"/>
+          </a:xfrm>
+          <a:prstGeom prst="rect">
+            <a:avLst/>
+          </a:prstGeom>
+        </p:spPr>
+      </p:pic>
+      <p:sp>
+        <p:nvSpPr>
+          <p:cNvPr id="23" name="TextBox 22"/>
+          <p:cNvSpPr txBox="1"/>
+          <p:nvPr/>
+        </p:nvSpPr>
+        <p:spPr>
+          <a:xfrm>
+            <a:off x="716771" y="4073363"/>
+            <a:ext cx="9126039" cy="1138773"/>
+          </a:xfrm>
+          <a:prstGeom prst="rect">
+            <a:avLst/>
+          </a:prstGeom>
+          <a:noFill/>
+        </p:spPr>
+        <p:txBody>
+          <a:bodyPr wrap="square" rtlCol="0" anchor="ctr">
+            <a:spAutoFit/>
+          </a:bodyPr>
+          <a:lstStyle/>
+          <a:p>
+            <a:r>
+              <a:rPr lang="en-GB" sz="3400" dirty="0">
+                <a:solidFill>
+                  <a:schemeClr val="tx1">
+                    <a:lumMod val="65000"/>
+                    <a:lumOff val="35000"/>
+                  </a:schemeClr>
+                </a:solidFill>
+                <a:effectLst>
+                  <a:outerShdw blurRad="38100" dist="38100" dir="2700000" algn="tl">
+                    <a:srgbClr val="000000">
+                      <a:alpha val="43137"/>
+                    </a:srgbClr>
+                  </a:outerShdw>
+                </a:effectLst>
+              </a:rPr>
+              <a:t>Why not try Alteryx free for 14-days?</a:t>
+            </a:r>
+          </a:p>
+          <a:p>
+            <a:r>
+              <a:rPr lang="en-GB" sz="3400" dirty="0">
+                <a:solidFill>
+                  <a:schemeClr val="tx1">
+                    <a:lumMod val="65000"/>
+                    <a:lumOff val="35000"/>
+                  </a:schemeClr>
+                </a:solidFill>
+                <a:effectLst>
+                  <a:outerShdw blurRad="38100" dist="38100" dir="2700000" algn="tl">
+                    <a:srgbClr val="000000">
+                      <a:alpha val="43137"/>
+                    </a:srgbClr>
+                  </a:outerShdw>
+                </a:effectLst>
+              </a:rPr>
+              <a:t>Just visit </a:t>
+            </a:r>
+            <a:r>
+              <a:rPr lang="en-GB" sz="3400" dirty="0">
+                <a:solidFill>
+                  <a:schemeClr val="tx1">
+                    <a:lumMod val="65000"/>
+                    <a:lumOff val="35000"/>
+                  </a:schemeClr>
+                </a:solidFill>
+                <a:effectLst>
+                  <a:outerShdw blurRad="38100" dist="38100" dir="2700000" algn="tl">
+                    <a:srgbClr val="000000">
+                      <a:alpha val="43137"/>
+                    </a:srgbClr>
+                  </a:outerShdw>
+                </a:effectLst>
+                <a:hlinkClick r:id="rId5"/>
+              </a:rPr>
+              <a:t>http://bit.ly/2dancf8</a:t>
+            </a:r>
+            <a:endParaRPr lang="en-GB" sz="3400" dirty="0">
               <a:solidFill>
                 <a:schemeClr val="tx1">
                   <a:lumMod val="65000"/>
@@ -3814,226 +4337,20 @@
           </a:p>
         </p:txBody>
       </p:sp>
-      <p:sp>
-        <p:nvSpPr>
-          <p:cNvPr id="14" name="TextBox 13"/>
-          <p:cNvSpPr txBox="1"/>
-          <p:nvPr/>
-        </p:nvSpPr>
-        <p:spPr>
-          <a:xfrm>
-            <a:off x="305354" y="1668394"/>
-            <a:ext cx="9700989" cy="646331"/>
-          </a:xfrm>
-          <a:prstGeom prst="rect">
-            <a:avLst/>
-          </a:prstGeom>
-          <a:noFill/>
-        </p:spPr>
-        <p:txBody>
-          <a:bodyPr wrap="none" rtlCol="0">
-            <a:spAutoFit/>
-          </a:bodyPr>
-          <a:lstStyle/>
-          <a:p>
-            <a:r>
-              <a:rPr lang="en-GB" dirty="0" smtClean="0">
-                <a:solidFill>
-                  <a:schemeClr val="tx1">
-                    <a:lumMod val="65000"/>
-                    <a:lumOff val="35000"/>
-                  </a:schemeClr>
-                </a:solidFill>
-                <a:effectLst>
-                  <a:outerShdw blurRad="38100" dist="38100" dir="2700000" algn="tl">
-                    <a:srgbClr val="000000">
-                      <a:alpha val="43137"/>
-                    </a:srgbClr>
-                  </a:outerShdw>
-                </a:effectLst>
-              </a:rPr>
-              <a:t>Statistical Analysis is about scrutinising and summarising your data to understand its nature and make</a:t>
-            </a:r>
-          </a:p>
-          <a:p>
-            <a:r>
-              <a:rPr lang="en-GB" dirty="0" smtClean="0">
-                <a:solidFill>
-                  <a:schemeClr val="tx1">
-                    <a:lumMod val="65000"/>
-                    <a:lumOff val="35000"/>
-                  </a:schemeClr>
-                </a:solidFill>
-                <a:effectLst>
-                  <a:outerShdw blurRad="38100" dist="38100" dir="2700000" algn="tl">
-                    <a:srgbClr val="000000">
-                      <a:alpha val="43137"/>
-                    </a:srgbClr>
-                  </a:outerShdw>
-                </a:effectLst>
-              </a:rPr>
-              <a:t>inferences from your sample about the larger population</a:t>
-            </a:r>
-          </a:p>
-        </p:txBody>
-      </p:sp>
-      <p:sp>
-        <p:nvSpPr>
-          <p:cNvPr id="15" name="TextBox 14"/>
-          <p:cNvSpPr txBox="1"/>
-          <p:nvPr/>
-        </p:nvSpPr>
-        <p:spPr>
-          <a:xfrm>
-            <a:off x="305354" y="2685125"/>
-            <a:ext cx="10219336" cy="646331"/>
-          </a:xfrm>
-          <a:prstGeom prst="rect">
-            <a:avLst/>
-          </a:prstGeom>
-          <a:noFill/>
-        </p:spPr>
-        <p:txBody>
-          <a:bodyPr wrap="none" rtlCol="0">
-            <a:spAutoFit/>
-          </a:bodyPr>
-          <a:lstStyle/>
-          <a:p>
-            <a:r>
-              <a:rPr lang="en-GB" dirty="0" smtClean="0">
-                <a:solidFill>
-                  <a:schemeClr val="tx1">
-                    <a:lumMod val="65000"/>
-                    <a:lumOff val="35000"/>
-                  </a:schemeClr>
-                </a:solidFill>
-                <a:effectLst>
-                  <a:outerShdw blurRad="38100" dist="38100" dir="2700000" algn="tl">
-                    <a:srgbClr val="000000">
-                      <a:alpha val="43137"/>
-                    </a:srgbClr>
-                  </a:outerShdw>
-                </a:effectLst>
-              </a:rPr>
-              <a:t>Identifying trends in your dataset is the best and easiest way to gain insights about your business and is the</a:t>
-            </a:r>
-          </a:p>
-          <a:p>
-            <a:r>
-              <a:rPr lang="en-GB" dirty="0" smtClean="0">
-                <a:solidFill>
-                  <a:schemeClr val="tx1">
-                    <a:lumMod val="65000"/>
-                    <a:lumOff val="35000"/>
-                  </a:schemeClr>
-                </a:solidFill>
-                <a:effectLst>
-                  <a:outerShdw blurRad="38100" dist="38100" dir="2700000" algn="tl">
-                    <a:srgbClr val="000000">
-                      <a:alpha val="43137"/>
-                    </a:srgbClr>
-                  </a:outerShdw>
-                </a:effectLst>
-              </a:rPr>
-              <a:t>first step in building predictive models</a:t>
-            </a:r>
-          </a:p>
-        </p:txBody>
-      </p:sp>
-      <p:sp>
-        <p:nvSpPr>
-          <p:cNvPr id="17" name="TextBox 16"/>
-          <p:cNvSpPr txBox="1"/>
-          <p:nvPr/>
-        </p:nvSpPr>
-        <p:spPr>
-          <a:xfrm>
-            <a:off x="305354" y="3701856"/>
-            <a:ext cx="7244740" cy="369332"/>
-          </a:xfrm>
-          <a:prstGeom prst="rect">
-            <a:avLst/>
-          </a:prstGeom>
-          <a:noFill/>
-        </p:spPr>
-        <p:txBody>
-          <a:bodyPr wrap="none" rtlCol="0">
-            <a:spAutoFit/>
-          </a:bodyPr>
-          <a:lstStyle/>
-          <a:p>
-            <a:r>
-              <a:rPr lang="en-GB" dirty="0" smtClean="0">
-                <a:solidFill>
-                  <a:schemeClr val="tx1">
-                    <a:lumMod val="65000"/>
-                    <a:lumOff val="35000"/>
-                  </a:schemeClr>
-                </a:solidFill>
-                <a:effectLst>
-                  <a:outerShdw blurRad="38100" dist="38100" dir="2700000" algn="tl">
-                    <a:srgbClr val="000000">
-                      <a:alpha val="43137"/>
-                    </a:srgbClr>
-                  </a:outerShdw>
-                </a:effectLst>
-              </a:rPr>
-              <a:t>Alteryx offers an array of statistical tools for carrying out data investigations</a:t>
-            </a:r>
-          </a:p>
-        </p:txBody>
-      </p:sp>
-      <p:pic>
-        <p:nvPicPr>
-          <p:cNvPr id="18" name="Picture 17"/>
-          <p:cNvPicPr>
-            <a:picLocks noChangeAspect="1"/>
-          </p:cNvPicPr>
-          <p:nvPr/>
-        </p:nvPicPr>
-        <p:blipFill>
-          <a:blip r:embed="rId4">
-            <a:extLst>
-              <a:ext uri="{28A0092B-C50C-407E-A947-70E740481C1C}">
-                <a14:useLocalDpi xmlns:a14="http://schemas.microsoft.com/office/drawing/2010/main" val="0"/>
-              </a:ext>
-            </a:extLst>
-          </a:blip>
-          <a:stretch>
-            <a:fillRect/>
-          </a:stretch>
-        </p:blipFill>
-        <p:spPr>
-          <a:xfrm>
-            <a:off x="305354" y="4441588"/>
-            <a:ext cx="7108466" cy="515807"/>
-          </a:xfrm>
-          <a:prstGeom prst="rect">
-            <a:avLst/>
-          </a:prstGeom>
-        </p:spPr>
-      </p:pic>
     </p:spTree>
     <p:extLst>
       <p:ext uri="{BB962C8B-B14F-4D97-AF65-F5344CB8AC3E}">
-        <p14:creationId xmlns:p14="http://schemas.microsoft.com/office/powerpoint/2010/main" val="628945371"/>
+        <p14:creationId xmlns:p14="http://schemas.microsoft.com/office/powerpoint/2010/main" val="148948394"/>
       </p:ext>
     </p:extLst>
   </p:cSld>
   <p:clrMapOvr>
     <a:masterClrMapping/>
   </p:clrMapOvr>
-  <p:timing>
-    <p:tnLst>
-      <p:par>
-        <p:cTn id="1" dur="indefinite" restart="never" nodeType="tmRoot"/>
-      </p:par>
-    </p:tnLst>
-  </p:timing>
 </p:sld>
 </file>
 
-<file path=ppt/slides/slide12.xml><?xml version="1.0" encoding="utf-8"?>
+<file path=ppt/slides/slide2.xml><?xml version="1.0" encoding="utf-8"?>
 <p:sld xmlns:a="http://schemas.openxmlformats.org/drawingml/2006/main" xmlns:r="http://schemas.openxmlformats.org/officeDocument/2006/relationships" xmlns:p="http://schemas.openxmlformats.org/presentationml/2006/main">
   <p:cSld>
     <p:spTree>
@@ -4059,7 +4376,7 @@
         <p:spPr>
           <a:xfrm>
             <a:off x="305354" y="928662"/>
-            <a:ext cx="10037428" cy="646331"/>
+            <a:ext cx="10233507" cy="923330"/>
           </a:xfrm>
           <a:prstGeom prst="rect">
             <a:avLst/>
@@ -4073,7 +4390,7 @@
           <a:lstStyle/>
           <a:p>
             <a:r>
-              <a:rPr lang="en-GB" dirty="0" smtClean="0">
+              <a:rPr lang="en-GB" dirty="0">
                 <a:solidFill>
                   <a:schemeClr val="tx1">
                     <a:lumMod val="65000"/>
@@ -4088,12 +4405,12 @@
                   </a:outerShdw>
                 </a:effectLst>
               </a:rPr>
-              <a:t>On its own, it can be difficult to derive value from geospatial data, yet it can offer a wealth of information</a:t>
-            </a:r>
-          </a:p>
-          <a:p>
-            <a:r>
-              <a:rPr lang="en-GB" dirty="0" smtClean="0">
+              <a:t>I am the Operations Analyst at Vista Retail Support, an EPOS Maintenance and Support-Service provider.</a:t>
+            </a:r>
+          </a:p>
+          <a:p>
+            <a:r>
+              <a:rPr lang="en-GB" dirty="0">
                 <a:solidFill>
                   <a:schemeClr val="tx1">
                     <a:lumMod val="65000"/>
@@ -4108,7 +4425,27 @@
                   </a:outerShdw>
                 </a:effectLst>
               </a:rPr>
-              <a:t>when properly analysed</a:t>
+              <a:t>I lead a small team responsible for developing practical and actionable solutions to challenges facing the</a:t>
+            </a:r>
+          </a:p>
+          <a:p>
+            <a:r>
+              <a:rPr lang="en-GB" dirty="0">
+                <a:solidFill>
+                  <a:schemeClr val="tx1">
+                    <a:lumMod val="65000"/>
+                    <a:lumOff val="35000"/>
+                  </a:schemeClr>
+                </a:solidFill>
+                <a:effectLst>
+                  <a:outerShdw blurRad="38100" dist="38100" dir="2700000" algn="tl">
+                    <a:srgbClr val="000000">
+                      <a:alpha val="43137"/>
+                    </a:srgbClr>
+                  </a:outerShdw>
+                </a:effectLst>
+              </a:rPr>
+              <a:t>business through the analysis of operational trends</a:t>
             </a:r>
           </a:p>
         </p:txBody>
@@ -4225,14 +4562,14 @@
       </p:grpSp>
       <p:sp>
         <p:nvSpPr>
-          <p:cNvPr id="16" name="TextBox 15"/>
+          <p:cNvPr id="7" name="TextBox 6"/>
           <p:cNvSpPr txBox="1"/>
           <p:nvPr/>
         </p:nvSpPr>
         <p:spPr>
           <a:xfrm>
-            <a:off x="0" y="7688"/>
-            <a:ext cx="2417650" cy="523220"/>
+            <a:off x="0" y="0"/>
+            <a:ext cx="1936749" cy="523220"/>
           </a:xfrm>
           <a:prstGeom prst="rect">
             <a:avLst/>
@@ -4247,7 +4584,7 @@
           <a:p>
             <a:pPr algn="ctr"/>
             <a:r>
-              <a:rPr lang="en-GB" sz="2800" dirty="0" smtClean="0">
+              <a:rPr lang="en-GB" sz="2800" dirty="0">
                 <a:solidFill>
                   <a:schemeClr val="tx1">
                     <a:lumMod val="65000"/>
@@ -4262,9 +4599,219 @@
                   </a:outerShdw>
                 </a:effectLst>
               </a:rPr>
-              <a:t>Spatial Analysis</a:t>
-            </a:r>
-            <a:endParaRPr lang="en-GB" sz="2800" dirty="0">
+              <a:t>"About Me"</a:t>
+            </a:r>
+          </a:p>
+        </p:txBody>
+      </p:sp>
+      <p:sp>
+        <p:nvSpPr>
+          <p:cNvPr id="8" name="TextBox 7"/>
+          <p:cNvSpPr txBox="1"/>
+          <p:nvPr/>
+        </p:nvSpPr>
+        <p:spPr>
+          <a:xfrm>
+            <a:off x="305354" y="2257434"/>
+            <a:ext cx="10882595" cy="923330"/>
+          </a:xfrm>
+          <a:prstGeom prst="rect">
+            <a:avLst/>
+          </a:prstGeom>
+          <a:noFill/>
+        </p:spPr>
+        <p:txBody>
+          <a:bodyPr wrap="none" rtlCol="0">
+            <a:spAutoFit/>
+          </a:bodyPr>
+          <a:lstStyle/>
+          <a:p>
+            <a:r>
+              <a:rPr lang="en-GB" dirty="0">
+                <a:solidFill>
+                  <a:schemeClr val="tx1">
+                    <a:lumMod val="65000"/>
+                    <a:lumOff val="35000"/>
+                  </a:schemeClr>
+                </a:solidFill>
+                <a:effectLst>
+                  <a:outerShdw blurRad="38100" dist="38100" dir="2700000" algn="tl">
+                    <a:srgbClr val="000000">
+                      <a:alpha val="43137"/>
+                    </a:srgbClr>
+                  </a:outerShdw>
+                </a:effectLst>
+              </a:rPr>
+              <a:t>I started using Alteryx over a year ago after looking for a new product to replace Excel as our primary analysis tool.</a:t>
+            </a:r>
+          </a:p>
+          <a:p>
+            <a:r>
+              <a:rPr lang="en-GB" dirty="0">
+                <a:solidFill>
+                  <a:schemeClr val="tx1">
+                    <a:lumMod val="65000"/>
+                    <a:lumOff val="35000"/>
+                  </a:schemeClr>
+                </a:solidFill>
+                <a:effectLst>
+                  <a:outerShdw blurRad="38100" dist="38100" dir="2700000" algn="tl">
+                    <a:srgbClr val="000000">
+                      <a:alpha val="43137"/>
+                    </a:srgbClr>
+                  </a:outerShdw>
+                </a:effectLst>
+              </a:rPr>
+              <a:t>During the free-trial period I was amazed at how easy the product was to use and was quickly able to automate</a:t>
+            </a:r>
+          </a:p>
+          <a:p>
+            <a:r>
+              <a:rPr lang="en-GB" dirty="0">
+                <a:solidFill>
+                  <a:schemeClr val="tx1">
+                    <a:lumMod val="65000"/>
+                    <a:lumOff val="35000"/>
+                  </a:schemeClr>
+                </a:solidFill>
+                <a:effectLst>
+                  <a:outerShdw blurRad="38100" dist="38100" dir="2700000" algn="tl">
+                    <a:srgbClr val="000000">
+                      <a:alpha val="43137"/>
+                    </a:srgbClr>
+                  </a:outerShdw>
+                </a:effectLst>
+              </a:rPr>
+              <a:t>many of our recurring MI reports, saving considerable resource hours as a result.</a:t>
+            </a:r>
+          </a:p>
+        </p:txBody>
+      </p:sp>
+      <p:sp>
+        <p:nvSpPr>
+          <p:cNvPr id="14" name="TextBox 13"/>
+          <p:cNvSpPr txBox="1"/>
+          <p:nvPr/>
+        </p:nvSpPr>
+        <p:spPr>
+          <a:xfrm>
+            <a:off x="305353" y="3586206"/>
+            <a:ext cx="10272364" cy="646331"/>
+          </a:xfrm>
+          <a:prstGeom prst="rect">
+            <a:avLst/>
+          </a:prstGeom>
+          <a:noFill/>
+        </p:spPr>
+        <p:txBody>
+          <a:bodyPr wrap="none" rtlCol="0">
+            <a:spAutoFit/>
+          </a:bodyPr>
+          <a:lstStyle/>
+          <a:p>
+            <a:r>
+              <a:rPr lang="en-GB" dirty="0">
+                <a:solidFill>
+                  <a:schemeClr val="tx1">
+                    <a:lumMod val="65000"/>
+                    <a:lumOff val="35000"/>
+                  </a:schemeClr>
+                </a:solidFill>
+                <a:effectLst>
+                  <a:outerShdw blurRad="38100" dist="38100" dir="2700000" algn="tl">
+                    <a:srgbClr val="000000">
+                      <a:alpha val="43137"/>
+                    </a:srgbClr>
+                  </a:outerShdw>
+                </a:effectLst>
+              </a:rPr>
+              <a:t>Since then Alteryx has become a crucial BI tool with many departments relying on it for ongoing operations.</a:t>
+            </a:r>
+          </a:p>
+          <a:p>
+            <a:r>
+              <a:rPr lang="en-GB" dirty="0">
+                <a:solidFill>
+                  <a:schemeClr val="tx1">
+                    <a:lumMod val="65000"/>
+                    <a:lumOff val="35000"/>
+                  </a:schemeClr>
+                </a:solidFill>
+                <a:effectLst>
+                  <a:outerShdw blurRad="38100" dist="38100" dir="2700000" algn="tl">
+                    <a:srgbClr val="000000">
+                      <a:alpha val="43137"/>
+                    </a:srgbClr>
+                  </a:outerShdw>
+                </a:effectLst>
+              </a:rPr>
+              <a:t>Alteryx has helped us save resources, increase productivity, reduce costs and reclaim lost revenue.</a:t>
+            </a:r>
+          </a:p>
+        </p:txBody>
+      </p:sp>
+      <p:sp>
+        <p:nvSpPr>
+          <p:cNvPr id="15" name="TextBox 14"/>
+          <p:cNvSpPr txBox="1"/>
+          <p:nvPr/>
+        </p:nvSpPr>
+        <p:spPr>
+          <a:xfrm>
+            <a:off x="305353" y="4637979"/>
+            <a:ext cx="9531455" cy="646331"/>
+          </a:xfrm>
+          <a:prstGeom prst="rect">
+            <a:avLst/>
+          </a:prstGeom>
+          <a:noFill/>
+        </p:spPr>
+        <p:txBody>
+          <a:bodyPr wrap="none" rtlCol="0">
+            <a:spAutoFit/>
+          </a:bodyPr>
+          <a:lstStyle/>
+          <a:p>
+            <a:r>
+              <a:rPr lang="en-GB" dirty="0">
+                <a:solidFill>
+                  <a:schemeClr val="tx1">
+                    <a:lumMod val="65000"/>
+                    <a:lumOff val="35000"/>
+                  </a:schemeClr>
+                </a:solidFill>
+                <a:effectLst>
+                  <a:outerShdw blurRad="38100" dist="38100" dir="2700000" algn="tl">
+                    <a:srgbClr val="000000">
+                      <a:alpha val="43137"/>
+                    </a:srgbClr>
+                  </a:outerShdw>
+                </a:effectLst>
+              </a:rPr>
+              <a:t>You can read more about how we're using Alteryx at Vista Retail Support in the DataIQ case study at</a:t>
+            </a:r>
+          </a:p>
+          <a:p>
+            <a:r>
+              <a:rPr lang="en-GB" dirty="0">
+                <a:solidFill>
+                  <a:schemeClr val="tx1">
+                    <a:lumMod val="65000"/>
+                    <a:lumOff val="35000"/>
+                  </a:schemeClr>
+                </a:solidFill>
+                <a:effectLst>
+                  <a:outerShdw blurRad="38100" dist="38100" dir="2700000" algn="tl">
+                    <a:srgbClr val="000000">
+                      <a:alpha val="43137"/>
+                    </a:srgbClr>
+                  </a:outerShdw>
+                </a:effectLst>
+                <a:hlinkClick r:id="rId4"/>
+              </a:rPr>
+              <a:t>http://bit.ly/2cCq2oe</a:t>
+            </a:r>
+            <a:endParaRPr lang="en-GB" dirty="0">
               <a:solidFill>
                 <a:schemeClr val="tx1">
                   <a:lumMod val="65000"/>
@@ -4282,120 +4829,20 @@
           </a:p>
         </p:txBody>
       </p:sp>
-      <p:sp>
-        <p:nvSpPr>
-          <p:cNvPr id="8" name="TextBox 7"/>
-          <p:cNvSpPr txBox="1"/>
-          <p:nvPr/>
-        </p:nvSpPr>
-        <p:spPr>
-          <a:xfrm>
-            <a:off x="305354" y="1972747"/>
-            <a:ext cx="9604360" cy="646331"/>
-          </a:xfrm>
-          <a:prstGeom prst="rect">
-            <a:avLst/>
-          </a:prstGeom>
-          <a:noFill/>
-        </p:spPr>
-        <p:txBody>
-          <a:bodyPr wrap="none" rtlCol="0">
-            <a:spAutoFit/>
-          </a:bodyPr>
-          <a:lstStyle/>
-          <a:p>
-            <a:r>
-              <a:rPr lang="en-GB" dirty="0" smtClean="0">
-                <a:solidFill>
-                  <a:schemeClr val="tx1">
-                    <a:lumMod val="65000"/>
-                    <a:lumOff val="35000"/>
-                  </a:schemeClr>
-                </a:solidFill>
-                <a:effectLst>
-                  <a:outerShdw blurRad="38100" dist="38100" dir="2700000" algn="tl">
-                    <a:srgbClr val="000000">
-                      <a:alpha val="43137"/>
-                    </a:srgbClr>
-                  </a:outerShdw>
-                </a:effectLst>
-              </a:rPr>
-              <a:t>Designer helps you take advantage of spatial data through techniques such as drive-time, trade area,</a:t>
-            </a:r>
-          </a:p>
-          <a:p>
-            <a:r>
-              <a:rPr lang="en-GB" dirty="0" smtClean="0">
-                <a:solidFill>
-                  <a:schemeClr val="tx1">
-                    <a:lumMod val="65000"/>
-                    <a:lumOff val="35000"/>
-                  </a:schemeClr>
-                </a:solidFill>
-                <a:effectLst>
-                  <a:outerShdw blurRad="38100" dist="38100" dir="2700000" algn="tl">
-                    <a:srgbClr val="000000">
-                      <a:alpha val="43137"/>
-                    </a:srgbClr>
-                  </a:outerShdw>
-                </a:effectLst>
-              </a:rPr>
-              <a:t>spatial-matching and point creation</a:t>
-            </a:r>
-          </a:p>
-        </p:txBody>
-      </p:sp>
-      <p:pic>
-        <p:nvPicPr>
-          <p:cNvPr id="14" name="Picture 13"/>
-          <p:cNvPicPr>
-            <a:picLocks noChangeAspect="1"/>
-          </p:cNvPicPr>
-          <p:nvPr/>
-        </p:nvPicPr>
-        <p:blipFill>
-          <a:blip r:embed="rId4">
-            <a:extLst>
-              <a:ext uri="{28A0092B-C50C-407E-A947-70E740481C1C}">
-                <a14:useLocalDpi xmlns:a14="http://schemas.microsoft.com/office/drawing/2010/main" val="0"/>
-              </a:ext>
-            </a:extLst>
-          </a:blip>
-          <a:stretch>
-            <a:fillRect/>
-          </a:stretch>
-        </p:blipFill>
-        <p:spPr>
-          <a:xfrm>
-            <a:off x="305354" y="3016832"/>
-            <a:ext cx="8372723" cy="504969"/>
-          </a:xfrm>
-          <a:prstGeom prst="rect">
-            <a:avLst/>
-          </a:prstGeom>
-        </p:spPr>
-      </p:pic>
     </p:spTree>
     <p:extLst>
       <p:ext uri="{BB962C8B-B14F-4D97-AF65-F5344CB8AC3E}">
-        <p14:creationId xmlns:p14="http://schemas.microsoft.com/office/powerpoint/2010/main" val="628945371"/>
+        <p14:creationId xmlns:p14="http://schemas.microsoft.com/office/powerpoint/2010/main" val="1182353052"/>
       </p:ext>
     </p:extLst>
   </p:cSld>
   <p:clrMapOvr>
     <a:masterClrMapping/>
   </p:clrMapOvr>
-  <p:timing>
-    <p:tnLst>
-      <p:par>
-        <p:cTn id="1" dur="indefinite" restart="never" nodeType="tmRoot"/>
-      </p:par>
-    </p:tnLst>
-  </p:timing>
 </p:sld>
 </file>
 
-<file path=ppt/slides/slide13.xml><?xml version="1.0" encoding="utf-8"?>
+<file path=ppt/slides/slide3.xml><?xml version="1.0" encoding="utf-8"?>
 <p:sld xmlns:a="http://schemas.openxmlformats.org/drawingml/2006/main" xmlns:r="http://schemas.openxmlformats.org/officeDocument/2006/relationships" xmlns:p="http://schemas.openxmlformats.org/presentationml/2006/main">
   <p:cSld>
     <p:spTree>
@@ -4412,6 +4859,69 @@
           <a:chExt cx="0" cy="0"/>
         </a:xfrm>
       </p:grpSpPr>
+      <p:sp>
+        <p:nvSpPr>
+          <p:cNvPr id="9" name="TextBox 8"/>
+          <p:cNvSpPr txBox="1"/>
+          <p:nvPr/>
+        </p:nvSpPr>
+        <p:spPr>
+          <a:xfrm>
+            <a:off x="305354" y="928662"/>
+            <a:ext cx="8984896" cy="646331"/>
+          </a:xfrm>
+          <a:prstGeom prst="rect">
+            <a:avLst/>
+          </a:prstGeom>
+          <a:noFill/>
+        </p:spPr>
+        <p:txBody>
+          <a:bodyPr wrap="none" rtlCol="0">
+            <a:spAutoFit/>
+          </a:bodyPr>
+          <a:lstStyle/>
+          <a:p>
+            <a:r>
+              <a:rPr lang="en-GB" dirty="0">
+                <a:solidFill>
+                  <a:schemeClr val="tx1">
+                    <a:lumMod val="65000"/>
+                    <a:lumOff val="35000"/>
+                  </a:schemeClr>
+                </a:solidFill>
+                <a:effectLst>
+                  <a:outerShdw blurRad="38100" dist="38100" dir="2700000" algn="tl">
+                    <a:srgbClr val="000000">
+                      <a:alpha val="43137"/>
+                    </a:srgbClr>
+                  </a:outerShdw>
+                </a:effectLst>
+              </a:rPr>
+              <a:t>Alteryx is a self-service data analytics platform which combines data preparation and blending</a:t>
+            </a:r>
+          </a:p>
+          <a:p>
+            <a:r>
+              <a:rPr lang="en-GB" dirty="0">
+                <a:solidFill>
+                  <a:schemeClr val="tx1">
+                    <a:lumMod val="65000"/>
+                    <a:lumOff val="35000"/>
+                  </a:schemeClr>
+                </a:solidFill>
+                <a:effectLst>
+                  <a:outerShdw blurRad="38100" dist="38100" dir="2700000" algn="tl">
+                    <a:srgbClr val="000000">
+                      <a:alpha val="43137"/>
+                    </a:srgbClr>
+                  </a:outerShdw>
+                </a:effectLst>
+              </a:rPr>
+              <a:t>with predictive, statistical and spatial analytics, all in one intuitive user interface</a:t>
+            </a:r>
+          </a:p>
+        </p:txBody>
+      </p:sp>
       <p:grpSp>
         <p:nvGrpSpPr>
           <p:cNvPr id="13" name="Group 12"/>
@@ -4524,14 +5034,14 @@
       </p:grpSp>
       <p:sp>
         <p:nvSpPr>
-          <p:cNvPr id="14" name="TextBox 13"/>
+          <p:cNvPr id="7" name="TextBox 6"/>
           <p:cNvSpPr txBox="1"/>
           <p:nvPr/>
         </p:nvSpPr>
         <p:spPr>
           <a:xfrm>
-            <a:off x="4480497" y="2175406"/>
-            <a:ext cx="2537874" cy="1169551"/>
+            <a:off x="0" y="0"/>
+            <a:ext cx="2562946" cy="523220"/>
           </a:xfrm>
           <a:prstGeom prst="rect">
             <a:avLst/>
@@ -4539,13 +5049,14 @@
           <a:noFill/>
         </p:spPr>
         <p:txBody>
-          <a:bodyPr wrap="none" rtlCol="0">
+          <a:bodyPr wrap="none" rtlCol="0" anchor="ctr">
             <a:spAutoFit/>
           </a:bodyPr>
           <a:lstStyle/>
           <a:p>
-            <a:r>
-              <a:rPr lang="en-GB" sz="7000" dirty="0" smtClean="0">
+            <a:pPr algn="ctr"/>
+            <a:r>
+              <a:rPr lang="en-GB" sz="2800">
                 <a:solidFill>
                   <a:schemeClr val="tx1">
                     <a:lumMod val="65000"/>
@@ -4560,71 +5071,9 @@
                   </a:outerShdw>
                 </a:effectLst>
               </a:rPr>
-              <a:t>DEMO</a:t>
-            </a:r>
-          </a:p>
-        </p:txBody>
-      </p:sp>
-      <p:sp>
-        <p:nvSpPr>
-          <p:cNvPr id="15" name="TextBox 14"/>
-          <p:cNvSpPr txBox="1"/>
-          <p:nvPr/>
-        </p:nvSpPr>
-        <p:spPr>
-          <a:xfrm>
-            <a:off x="3417417" y="3683097"/>
-            <a:ext cx="4664034" cy="369332"/>
-          </a:xfrm>
-          <a:prstGeom prst="rect">
-            <a:avLst/>
-          </a:prstGeom>
-          <a:noFill/>
-        </p:spPr>
-        <p:txBody>
-          <a:bodyPr wrap="none" rtlCol="0">
-            <a:spAutoFit/>
-          </a:bodyPr>
-          <a:lstStyle/>
-          <a:p>
-            <a:pPr algn="ctr"/>
-            <a:r>
-              <a:rPr lang="en-GB" dirty="0" smtClean="0">
-                <a:solidFill>
-                  <a:schemeClr val="tx1">
-                    <a:lumMod val="65000"/>
-                    <a:lumOff val="35000"/>
-                  </a:schemeClr>
-                </a:solidFill>
-                <a:effectLst>
-                  <a:outerShdw blurRad="38100" dist="38100" dir="2700000" algn="tl">
-                    <a:srgbClr val="000000">
-                      <a:alpha val="43137"/>
-                    </a:srgbClr>
-                  </a:outerShdw>
-                </a:effectLst>
-              </a:rPr>
-              <a:t>Example workflow can be found on GitHub at </a:t>
-            </a:r>
-            <a:r>
-              <a:rPr lang="is-IS" dirty="0" smtClean="0">
-                <a:solidFill>
-                  <a:schemeClr val="tx1">
-                    <a:lumMod val="65000"/>
-                    <a:lumOff val="35000"/>
-                  </a:schemeClr>
-                </a:solidFill>
-                <a:effectLst>
-                  <a:outerShdw blurRad="38100" dist="38100" dir="2700000" algn="tl">
-                    <a:srgbClr val="000000">
-                      <a:alpha val="43137"/>
-                    </a:srgbClr>
-                  </a:outerShdw>
-                </a:effectLst>
-              </a:rPr>
-              <a:t>…</a:t>
-            </a:r>
-            <a:endParaRPr lang="en-GB" dirty="0" smtClean="0">
+              <a:t>What is Alteryx?</a:t>
+            </a:r>
+            <a:endParaRPr lang="en-GB" sz="2800" dirty="0">
               <a:solidFill>
                 <a:schemeClr val="tx1">
                   <a:lumMod val="65000"/>
@@ -4642,27 +5091,87 @@
           </a:p>
         </p:txBody>
       </p:sp>
+      <p:sp>
+        <p:nvSpPr>
+          <p:cNvPr id="8" name="TextBox 7"/>
+          <p:cNvSpPr txBox="1"/>
+          <p:nvPr/>
+        </p:nvSpPr>
+        <p:spPr>
+          <a:xfrm>
+            <a:off x="305354" y="1980435"/>
+            <a:ext cx="3816622" cy="369332"/>
+          </a:xfrm>
+          <a:prstGeom prst="rect">
+            <a:avLst/>
+          </a:prstGeom>
+          <a:noFill/>
+        </p:spPr>
+        <p:txBody>
+          <a:bodyPr wrap="none" rtlCol="0">
+            <a:spAutoFit/>
+          </a:bodyPr>
+          <a:lstStyle/>
+          <a:p>
+            <a:r>
+              <a:rPr lang="en-GB" dirty="0">
+                <a:solidFill>
+                  <a:schemeClr val="tx1">
+                    <a:lumMod val="65000"/>
+                    <a:lumOff val="35000"/>
+                  </a:schemeClr>
+                </a:solidFill>
+                <a:effectLst>
+                  <a:outerShdw blurRad="38100" dist="38100" dir="2700000" algn="tl">
+                    <a:srgbClr val="000000">
+                      <a:alpha val="43137"/>
+                    </a:srgbClr>
+                  </a:outerShdw>
+                </a:effectLst>
+              </a:rPr>
+              <a:t>Alteryx comprises three core products:</a:t>
+            </a:r>
+          </a:p>
+        </p:txBody>
+      </p:sp>
+      <p:pic>
+        <p:nvPicPr>
+          <p:cNvPr id="2" name="Picture 1"/>
+          <p:cNvPicPr>
+            <a:picLocks noChangeAspect="1"/>
+          </p:cNvPicPr>
+          <p:nvPr/>
+        </p:nvPicPr>
+        <p:blipFill>
+          <a:blip r:embed="rId4"/>
+          <a:stretch>
+            <a:fillRect/>
+          </a:stretch>
+        </p:blipFill>
+        <p:spPr>
+          <a:xfrm>
+            <a:off x="480461" y="2755209"/>
+            <a:ext cx="10058400" cy="2586601"/>
+          </a:xfrm>
+          <a:prstGeom prst="rect">
+            <a:avLst/>
+          </a:prstGeom>
+        </p:spPr>
+      </p:pic>
     </p:spTree>
     <p:extLst>
       <p:ext uri="{BB962C8B-B14F-4D97-AF65-F5344CB8AC3E}">
-        <p14:creationId xmlns:p14="http://schemas.microsoft.com/office/powerpoint/2010/main" val="385160009"/>
+        <p14:creationId xmlns:p14="http://schemas.microsoft.com/office/powerpoint/2010/main" val="596215772"/>
       </p:ext>
     </p:extLst>
   </p:cSld>
   <p:clrMapOvr>
     <a:masterClrMapping/>
   </p:clrMapOvr>
-  <p:timing>
-    <p:tnLst>
-      <p:par>
-        <p:cTn id="1" dur="indefinite" restart="never" nodeType="tmRoot"/>
-      </p:par>
-    </p:tnLst>
-  </p:timing>
 </p:sld>
 </file>
 
-<file path=ppt/slides/slide14.xml><?xml version="1.0" encoding="utf-8"?>
+<file path=ppt/slides/slide4.xml><?xml version="1.0" encoding="utf-8"?>
 <p:sld xmlns:a="http://schemas.openxmlformats.org/drawingml/2006/main" xmlns:r="http://schemas.openxmlformats.org/officeDocument/2006/relationships" xmlns:p="http://schemas.openxmlformats.org/presentationml/2006/main">
   <p:cSld>
     <p:spTree>
@@ -4679,6 +5188,89 @@
           <a:chExt cx="0" cy="0"/>
         </a:xfrm>
       </p:grpSpPr>
+      <p:sp>
+        <p:nvSpPr>
+          <p:cNvPr id="9" name="TextBox 8"/>
+          <p:cNvSpPr txBox="1"/>
+          <p:nvPr/>
+        </p:nvSpPr>
+        <p:spPr>
+          <a:xfrm>
+            <a:off x="305354" y="928662"/>
+            <a:ext cx="10992433" cy="923330"/>
+          </a:xfrm>
+          <a:prstGeom prst="rect">
+            <a:avLst/>
+          </a:prstGeom>
+          <a:noFill/>
+        </p:spPr>
+        <p:txBody>
+          <a:bodyPr wrap="none" rtlCol="0">
+            <a:spAutoFit/>
+          </a:bodyPr>
+          <a:lstStyle/>
+          <a:p>
+            <a:r>
+              <a:rPr lang="en-GB" dirty="0">
+                <a:solidFill>
+                  <a:schemeClr val="tx1">
+                    <a:lumMod val="65000"/>
+                    <a:lumOff val="35000"/>
+                  </a:schemeClr>
+                </a:solidFill>
+                <a:effectLst>
+                  <a:outerShdw blurRad="38100" dist="38100" dir="2700000" algn="tl">
+                    <a:srgbClr val="000000">
+                      <a:alpha val="43137"/>
+                    </a:srgbClr>
+                  </a:outerShdw>
+                </a:effectLst>
+              </a:rPr>
+              <a:t>With Alteryx Designer you can connect to and cleanse data from a variety of sources with specially designed tools.</a:t>
+            </a:r>
+          </a:p>
+          <a:p>
+            <a:r>
+              <a:rPr lang="en-GB" dirty="0">
+                <a:solidFill>
+                  <a:schemeClr val="tx1">
+                    <a:lumMod val="65000"/>
+                    <a:lumOff val="35000"/>
+                  </a:schemeClr>
+                </a:solidFill>
+                <a:effectLst>
+                  <a:outerShdw blurRad="38100" dist="38100" dir="2700000" algn="tl">
+                    <a:srgbClr val="000000">
+                      <a:alpha val="43137"/>
+                    </a:srgbClr>
+                  </a:outerShdw>
+                </a:effectLst>
+              </a:rPr>
+              <a:t>Alteryx works by creating a 'pipeline' connecting your data from an input to an output.  Along the way you can drop</a:t>
+            </a:r>
+          </a:p>
+          <a:p>
+            <a:r>
+              <a:rPr lang="en-GB" dirty="0">
+                <a:solidFill>
+                  <a:schemeClr val="tx1">
+                    <a:lumMod val="65000"/>
+                    <a:lumOff val="35000"/>
+                  </a:schemeClr>
+                </a:solidFill>
+                <a:effectLst>
+                  <a:outerShdw blurRad="38100" dist="38100" dir="2700000" algn="tl">
+                    <a:srgbClr val="000000">
+                      <a:alpha val="43137"/>
+                    </a:srgbClr>
+                  </a:outerShdw>
+                </a:effectLst>
+              </a:rPr>
+              <a:t>tools in the path of your data to manipulate it</a:t>
+            </a:r>
+          </a:p>
+        </p:txBody>
+      </p:sp>
       <p:grpSp>
         <p:nvGrpSpPr>
           <p:cNvPr id="13" name="Group 12"/>
@@ -4791,14 +5383,14 @@
       </p:grpSp>
       <p:sp>
         <p:nvSpPr>
-          <p:cNvPr id="14" name="TextBox 13"/>
+          <p:cNvPr id="7" name="TextBox 6"/>
           <p:cNvSpPr txBox="1"/>
           <p:nvPr/>
         </p:nvSpPr>
         <p:spPr>
           <a:xfrm>
-            <a:off x="0" y="-55071"/>
-            <a:ext cx="1877950" cy="523220"/>
+            <a:off x="0" y="0"/>
+            <a:ext cx="2562946" cy="523220"/>
           </a:xfrm>
           <a:prstGeom prst="rect">
             <a:avLst/>
@@ -4813,7 +5405,7 @@
           <a:p>
             <a:pPr algn="ctr"/>
             <a:r>
-              <a:rPr lang="en-GB" sz="2800" dirty="0" smtClean="0">
+              <a:rPr lang="en-GB" sz="2800">
                 <a:solidFill>
                   <a:schemeClr val="tx1">
                     <a:lumMod val="65000"/>
@@ -4828,7 +5420,7 @@
                   </a:outerShdw>
                 </a:effectLst>
               </a:rPr>
-              <a:t>Contact Me</a:t>
+              <a:t>What is Alteryx?</a:t>
             </a:r>
             <a:endParaRPr lang="en-GB" sz="2800" dirty="0">
               <a:solidFill>
@@ -4850,22 +5442,28 @@
       </p:sp>
       <p:pic>
         <p:nvPicPr>
-          <p:cNvPr id="2" name="Picture 1"/>
+          <p:cNvPr id="14" name="Picture 13"/>
           <p:cNvPicPr>
             <a:picLocks noChangeAspect="1"/>
           </p:cNvPicPr>
           <p:nvPr/>
         </p:nvPicPr>
         <p:blipFill>
-          <a:blip r:embed="rId4"/>
+          <a:blip r:embed="rId4">
+            <a:extLst>
+              <a:ext uri="{28A0092B-C50C-407E-A947-70E740481C1C}">
+                <a14:useLocalDpi xmlns:a14="http://schemas.microsoft.com/office/drawing/2010/main" val="0"/>
+              </a:ext>
+            </a:extLst>
+          </a:blip>
           <a:stretch>
             <a:fillRect/>
           </a:stretch>
         </p:blipFill>
         <p:spPr>
           <a:xfrm>
-            <a:off x="716771" y="918206"/>
-            <a:ext cx="6870700" cy="2705100"/>
+            <a:off x="2562946" y="2257434"/>
+            <a:ext cx="5925377" cy="1190791"/>
           </a:xfrm>
           <a:prstGeom prst="rect">
             <a:avLst/>
@@ -4874,14 +5472,14 @@
       </p:pic>
       <p:sp>
         <p:nvSpPr>
-          <p:cNvPr id="23" name="TextBox 22"/>
+          <p:cNvPr id="15" name="TextBox 14"/>
           <p:cNvSpPr txBox="1"/>
           <p:nvPr/>
         </p:nvSpPr>
         <p:spPr>
           <a:xfrm>
-            <a:off x="716771" y="4073363"/>
-            <a:ext cx="9126039" cy="1138773"/>
+            <a:off x="305354" y="3864190"/>
+            <a:ext cx="9370450" cy="369332"/>
           </a:xfrm>
           <a:prstGeom prst="rect">
             <a:avLst/>
@@ -4889,13 +5487,13 @@
           <a:noFill/>
         </p:spPr>
         <p:txBody>
-          <a:bodyPr wrap="square" rtlCol="0" anchor="ctr">
+          <a:bodyPr wrap="none" rtlCol="0">
             <a:spAutoFit/>
           </a:bodyPr>
           <a:lstStyle/>
           <a:p>
             <a:r>
-              <a:rPr lang="en-GB" sz="3400" dirty="0" smtClean="0">
+              <a:rPr lang="en-GB" dirty="0">
                 <a:solidFill>
                   <a:schemeClr val="tx1">
                     <a:lumMod val="65000"/>
@@ -4910,27 +5508,35 @@
                   </a:outerShdw>
                 </a:effectLst>
               </a:rPr>
-              <a:t>Why not try Alteryx free for 14-days?</a:t>
-            </a:r>
-            <a:endParaRPr lang="en-GB" sz="3400" dirty="0">
-              <a:solidFill>
-                <a:schemeClr val="tx1">
-                  <a:lumMod val="65000"/>
-                  <a:lumOff val="35000"/>
-                </a:schemeClr>
-              </a:solidFill>
-              <a:effectLst>
-                <a:outerShdw blurRad="38100" dist="38100" dir="2700000" algn="tl">
-                  <a:srgbClr val="000000">
-                    <a:alpha val="43137"/>
-                  </a:srgbClr>
-                </a:outerShdw>
-              </a:effectLst>
-            </a:endParaRPr>
-          </a:p>
-          <a:p>
-            <a:r>
-              <a:rPr lang="en-GB" sz="3400" dirty="0" smtClean="0">
+              <a:t>The use of the tool palette means no coding experience is required whilst retaining reproducibility</a:t>
+            </a:r>
+          </a:p>
+        </p:txBody>
+      </p:sp>
+      <p:sp>
+        <p:nvSpPr>
+          <p:cNvPr id="16" name="TextBox 15"/>
+          <p:cNvSpPr txBox="1"/>
+          <p:nvPr/>
+        </p:nvSpPr>
+        <p:spPr>
+          <a:xfrm>
+            <a:off x="305354" y="4649487"/>
+            <a:ext cx="9590767" cy="369332"/>
+          </a:xfrm>
+          <a:prstGeom prst="rect">
+            <a:avLst/>
+          </a:prstGeom>
+          <a:noFill/>
+        </p:spPr>
+        <p:txBody>
+          <a:bodyPr wrap="none" rtlCol="0">
+            <a:spAutoFit/>
+          </a:bodyPr>
+          <a:lstStyle/>
+          <a:p>
+            <a:r>
+              <a:rPr lang="en-GB" dirty="0">
                 <a:solidFill>
                   <a:schemeClr val="tx1">
                     <a:lumMod val="65000"/>
@@ -4945,119 +5551,25 @@
                   </a:outerShdw>
                 </a:effectLst>
               </a:rPr>
-              <a:t>Just visit </a:t>
-            </a:r>
-            <a:r>
-              <a:rPr lang="en-GB" sz="3400" dirty="0">
-                <a:solidFill>
-                  <a:schemeClr val="tx1">
-                    <a:lumMod val="65000"/>
-                    <a:lumOff val="35000"/>
-                  </a:schemeClr>
-                </a:solidFill>
-                <a:effectLst>
-                  <a:outerShdw blurRad="38100" dist="38100" dir="2700000" algn="tl">
-                    <a:srgbClr val="000000">
-                      <a:alpha val="43137"/>
-                    </a:srgbClr>
-                  </a:outerShdw>
-                </a:effectLst>
-              </a:rPr>
-              <a:t>http://</a:t>
-            </a:r>
-            <a:r>
-              <a:rPr lang="en-GB" sz="3400" dirty="0" err="1">
-                <a:solidFill>
-                  <a:schemeClr val="tx1">
-                    <a:lumMod val="65000"/>
-                    <a:lumOff val="35000"/>
-                  </a:schemeClr>
-                </a:solidFill>
-                <a:effectLst>
-                  <a:outerShdw blurRad="38100" dist="38100" dir="2700000" algn="tl">
-                    <a:srgbClr val="000000">
-                      <a:alpha val="43137"/>
-                    </a:srgbClr>
-                  </a:outerShdw>
-                </a:effectLst>
-              </a:rPr>
-              <a:t>bit.ly</a:t>
-            </a:r>
-            <a:r>
-              <a:rPr lang="en-GB" sz="3400" dirty="0">
-                <a:solidFill>
-                  <a:schemeClr val="tx1">
-                    <a:lumMod val="65000"/>
-                    <a:lumOff val="35000"/>
-                  </a:schemeClr>
-                </a:solidFill>
-                <a:effectLst>
-                  <a:outerShdw blurRad="38100" dist="38100" dir="2700000" algn="tl">
-                    <a:srgbClr val="000000">
-                      <a:alpha val="43137"/>
-                    </a:srgbClr>
-                  </a:outerShdw>
-                </a:effectLst>
-              </a:rPr>
-              <a:t>/</a:t>
-            </a:r>
-            <a:r>
-              <a:rPr lang="en-GB" sz="3400" dirty="0" err="1">
-                <a:solidFill>
-                  <a:schemeClr val="tx1">
-                    <a:lumMod val="65000"/>
-                    <a:lumOff val="35000"/>
-                  </a:schemeClr>
-                </a:solidFill>
-                <a:effectLst>
-                  <a:outerShdw blurRad="38100" dist="38100" dir="2700000" algn="tl">
-                    <a:srgbClr val="000000">
-                      <a:alpha val="43137"/>
-                    </a:srgbClr>
-                  </a:outerShdw>
-                </a:effectLst>
-              </a:rPr>
-              <a:t>2dancf8</a:t>
-            </a:r>
-            <a:endParaRPr lang="en-GB" sz="3400" dirty="0">
-              <a:solidFill>
-                <a:schemeClr val="tx1">
-                  <a:lumMod val="65000"/>
-                  <a:lumOff val="35000"/>
-                </a:schemeClr>
-              </a:solidFill>
-              <a:effectLst>
-                <a:outerShdw blurRad="38100" dist="38100" dir="2700000" algn="tl">
-                  <a:srgbClr val="000000">
-                    <a:alpha val="43137"/>
-                  </a:srgbClr>
-                </a:outerShdw>
-              </a:effectLst>
-            </a:endParaRPr>
+              <a:t>Alteryx empowers data analysts and subject-matter experts alike to find deeper insights in just hours!</a:t>
+            </a:r>
           </a:p>
         </p:txBody>
       </p:sp>
     </p:spTree>
     <p:extLst>
       <p:ext uri="{BB962C8B-B14F-4D97-AF65-F5344CB8AC3E}">
-        <p14:creationId xmlns:p14="http://schemas.microsoft.com/office/powerpoint/2010/main" val="148948394"/>
+        <p14:creationId xmlns:p14="http://schemas.microsoft.com/office/powerpoint/2010/main" val="400598427"/>
       </p:ext>
     </p:extLst>
   </p:cSld>
   <p:clrMapOvr>
     <a:masterClrMapping/>
   </p:clrMapOvr>
-  <p:timing>
-    <p:tnLst>
-      <p:par>
-        <p:cTn id="1" dur="indefinite" restart="never" nodeType="tmRoot"/>
-      </p:par>
-    </p:tnLst>
-  </p:timing>
 </p:sld>
 </file>
 
-<file path=ppt/slides/slide2.xml><?xml version="1.0" encoding="utf-8"?>
+<file path=ppt/slides/slide5.xml><?xml version="1.0" encoding="utf-8"?>
 <p:sld xmlns:a="http://schemas.openxmlformats.org/drawingml/2006/main" xmlns:r="http://schemas.openxmlformats.org/officeDocument/2006/relationships" xmlns:p="http://schemas.openxmlformats.org/presentationml/2006/main">
   <p:cSld>
     <p:spTree>
@@ -5083,7 +5595,7 @@
         <p:spPr>
           <a:xfrm>
             <a:off x="305354" y="928662"/>
-            <a:ext cx="10233507" cy="923330"/>
+            <a:ext cx="11599586" cy="1200329"/>
           </a:xfrm>
           <a:prstGeom prst="rect">
             <a:avLst/>
@@ -5096,8 +5608,12 @@
           </a:bodyPr>
           <a:lstStyle/>
           <a:p>
-            <a:r>
-              <a:rPr lang="en-GB" dirty="0" smtClean="0">
+            <a:pPr marL="285750" indent="-285750">
+              <a:buFont typeface="Arial" charset="0"/>
+              <a:buChar char="•"/>
+            </a:pPr>
+            <a:r>
+              <a:rPr lang="en-GB" dirty="0">
                 <a:solidFill>
                   <a:schemeClr val="tx1">
                     <a:lumMod val="65000"/>
@@ -5112,8 +5628,10 @@
                   </a:outerShdw>
                 </a:effectLst>
               </a:rPr>
-              <a:t>I am </a:t>
-            </a:r>
+              <a:t>Data Analysts</a:t>
+            </a:r>
+          </a:p>
+          <a:p>
             <a:r>
               <a:rPr lang="en-GB" dirty="0">
                 <a:solidFill>
@@ -5130,10 +5648,12 @@
                   </a:outerShdw>
                 </a:effectLst>
               </a:rPr>
-              <a:t>the Operations Analyst at Vista Retail Support, an EPOS Maintenance and Support-Service provider</a:t>
-            </a:r>
-            <a:r>
-              <a:rPr lang="en-GB" dirty="0" smtClean="0">
+              <a:t>Analysts need to prep and blend data from databases, warehouses, spreadsheets, the cloud and many other sources.  The</a:t>
+            </a:r>
+          </a:p>
+          <a:p>
+            <a:r>
+              <a:rPr lang="en-GB" dirty="0">
                 <a:solidFill>
                   <a:schemeClr val="tx1">
                     <a:lumMod val="65000"/>
@@ -5148,12 +5668,12 @@
                   </a:outerShdw>
                 </a:effectLst>
               </a:rPr>
-              <a:t>.</a:t>
-            </a:r>
-          </a:p>
-          <a:p>
-            <a:r>
-              <a:rPr lang="en-GB" dirty="0" smtClean="0">
+              <a:t>mix of data blending, preparation, investigation and predictive modelling tools all under one hat make Alteryx the perfect</a:t>
+            </a:r>
+          </a:p>
+          <a:p>
+            <a:r>
+              <a:rPr lang="en-GB" dirty="0">
                 <a:solidFill>
                   <a:schemeClr val="tx1">
                     <a:lumMod val="65000"/>
@@ -5168,81 +5688,7 @@
                   </a:outerShdw>
                 </a:effectLst>
               </a:rPr>
-              <a:t>I lead a </a:t>
-            </a:r>
-            <a:r>
-              <a:rPr lang="en-GB" dirty="0">
-                <a:solidFill>
-                  <a:schemeClr val="tx1">
-                    <a:lumMod val="65000"/>
-                    <a:lumOff val="35000"/>
-                  </a:schemeClr>
-                </a:solidFill>
-                <a:effectLst>
-                  <a:outerShdw blurRad="38100" dist="38100" dir="2700000" algn="tl">
-                    <a:srgbClr val="000000">
-                      <a:alpha val="43137"/>
-                    </a:srgbClr>
-                  </a:outerShdw>
-                </a:effectLst>
-              </a:rPr>
-              <a:t>small team responsible for developing practical and actionable solutions to challenges facing </a:t>
-            </a:r>
-            <a:r>
-              <a:rPr lang="en-GB" dirty="0" smtClean="0">
-                <a:solidFill>
-                  <a:schemeClr val="tx1">
-                    <a:lumMod val="65000"/>
-                    <a:lumOff val="35000"/>
-                  </a:schemeClr>
-                </a:solidFill>
-                <a:effectLst>
-                  <a:outerShdw blurRad="38100" dist="38100" dir="2700000" algn="tl">
-                    <a:srgbClr val="000000">
-                      <a:alpha val="43137"/>
-                    </a:srgbClr>
-                  </a:outerShdw>
-                </a:effectLst>
-              </a:rPr>
-              <a:t>the</a:t>
-            </a:r>
-          </a:p>
-          <a:p>
-            <a:r>
-              <a:rPr lang="en-GB" dirty="0" smtClean="0">
-                <a:solidFill>
-                  <a:schemeClr val="tx1">
-                    <a:lumMod val="65000"/>
-                    <a:lumOff val="35000"/>
-                  </a:schemeClr>
-                </a:solidFill>
-                <a:effectLst>
-                  <a:outerShdw blurRad="38100" dist="38100" dir="2700000" algn="tl">
-                    <a:srgbClr val="000000">
-                      <a:alpha val="43137"/>
-                    </a:srgbClr>
-                  </a:outerShdw>
-                </a:effectLst>
-              </a:rPr>
-              <a:t>business </a:t>
-            </a:r>
-            <a:r>
-              <a:rPr lang="en-GB" dirty="0">
-                <a:solidFill>
-                  <a:schemeClr val="tx1">
-                    <a:lumMod val="65000"/>
-                    <a:lumOff val="35000"/>
-                  </a:schemeClr>
-                </a:solidFill>
-                <a:effectLst>
-                  <a:outerShdw blurRad="38100" dist="38100" dir="2700000" algn="tl">
-                    <a:srgbClr val="000000">
-                      <a:alpha val="43137"/>
-                    </a:srgbClr>
-                  </a:outerShdw>
-                </a:effectLst>
-              </a:rPr>
-              <a:t>through the analysis of operational trends</a:t>
+              <a:t>companion for any analyst</a:t>
             </a:r>
           </a:p>
         </p:txBody>
@@ -5359,14 +5805,14 @@
       </p:grpSp>
       <p:sp>
         <p:nvSpPr>
-          <p:cNvPr id="7" name="TextBox 6"/>
+          <p:cNvPr id="8" name="TextBox 7"/>
           <p:cNvSpPr txBox="1"/>
           <p:nvPr/>
         </p:nvSpPr>
         <p:spPr>
           <a:xfrm>
-            <a:off x="0" y="0"/>
-            <a:ext cx="1936749" cy="523220"/>
+            <a:off x="305354" y="2534433"/>
+            <a:ext cx="11014425" cy="923330"/>
           </a:xfrm>
           <a:prstGeom prst="rect">
             <a:avLst/>
@@ -5374,14 +5820,17 @@
           <a:noFill/>
         </p:spPr>
         <p:txBody>
-          <a:bodyPr wrap="none" rtlCol="0" anchor="ctr">
+          <a:bodyPr wrap="none" rtlCol="0">
             <a:spAutoFit/>
           </a:bodyPr>
           <a:lstStyle/>
           <a:p>
-            <a:pPr algn="ctr"/>
-            <a:r>
-              <a:rPr lang="en-GB" sz="2800" dirty="0" smtClean="0">
+            <a:pPr marL="285750" indent="-285750">
+              <a:buFont typeface="Arial" charset="0"/>
+              <a:buChar char="•"/>
+            </a:pPr>
+            <a:r>
+              <a:rPr lang="en-GB" dirty="0">
                 <a:solidFill>
                   <a:schemeClr val="tx1">
                     <a:lumMod val="65000"/>
@@ -5396,9 +5845,201 @@
                   </a:outerShdw>
                 </a:effectLst>
               </a:rPr>
-              <a:t>"About Me"</a:t>
-            </a:r>
-            <a:endParaRPr lang="en-GB" sz="2800" dirty="0">
+              <a:t>BI Developers</a:t>
+            </a:r>
+          </a:p>
+          <a:p>
+            <a:r>
+              <a:rPr lang="en-GB" dirty="0">
+                <a:solidFill>
+                  <a:schemeClr val="tx1">
+                    <a:lumMod val="65000"/>
+                    <a:lumOff val="35000"/>
+                  </a:schemeClr>
+                </a:solidFill>
+                <a:effectLst>
+                  <a:outerShdw blurRad="38100" dist="38100" dir="2700000" algn="tl">
+                    <a:srgbClr val="000000">
+                      <a:alpha val="43137"/>
+                    </a:srgbClr>
+                  </a:outerShdw>
+                </a:effectLst>
+              </a:rPr>
+              <a:t>Again the ability to easily prepare and blend data, coupled with tools for integrating into more traditional front-end </a:t>
+            </a:r>
+          </a:p>
+          <a:p>
+            <a:r>
+              <a:rPr lang="en-GB" dirty="0">
+                <a:solidFill>
+                  <a:schemeClr val="tx1">
+                    <a:lumMod val="65000"/>
+                    <a:lumOff val="35000"/>
+                  </a:schemeClr>
+                </a:solidFill>
+                <a:effectLst>
+                  <a:outerShdw blurRad="38100" dist="38100" dir="2700000" algn="tl">
+                    <a:srgbClr val="000000">
+                      <a:alpha val="43137"/>
+                    </a:srgbClr>
+                  </a:outerShdw>
+                </a:effectLst>
+              </a:rPr>
+              <a:t>visualisation packages such as Tableau, Qlik and Power BI make Alteryx an ideal Business Intelligence package.</a:t>
+            </a:r>
+          </a:p>
+        </p:txBody>
+      </p:sp>
+      <p:sp>
+        <p:nvSpPr>
+          <p:cNvPr id="16" name="TextBox 15"/>
+          <p:cNvSpPr txBox="1"/>
+          <p:nvPr/>
+        </p:nvSpPr>
+        <p:spPr>
+          <a:xfrm>
+            <a:off x="0" y="0"/>
+            <a:ext cx="4204357" cy="523220"/>
+          </a:xfrm>
+          <a:prstGeom prst="rect">
+            <a:avLst/>
+          </a:prstGeom>
+          <a:noFill/>
+        </p:spPr>
+        <p:txBody>
+          <a:bodyPr wrap="none" rtlCol="0" anchor="ctr">
+            <a:spAutoFit/>
+          </a:bodyPr>
+          <a:lstStyle/>
+          <a:p>
+            <a:pPr algn="ctr"/>
+            <a:r>
+              <a:rPr lang="en-GB" sz="2800" dirty="0">
+                <a:solidFill>
+                  <a:schemeClr val="tx1">
+                    <a:lumMod val="65000"/>
+                    <a:lumOff val="35000"/>
+                  </a:schemeClr>
+                </a:solidFill>
+                <a:effectLst>
+                  <a:outerShdw blurRad="38100" dist="38100" dir="2700000" algn="tl">
+                    <a:srgbClr val="000000">
+                      <a:alpha val="43137"/>
+                    </a:srgbClr>
+                  </a:outerShdw>
+                </a:effectLst>
+              </a:rPr>
+              <a:t>Who uses Alteryx and why?</a:t>
+            </a:r>
+          </a:p>
+        </p:txBody>
+      </p:sp>
+      <p:sp>
+        <p:nvSpPr>
+          <p:cNvPr id="17" name="TextBox 16"/>
+          <p:cNvSpPr txBox="1"/>
+          <p:nvPr/>
+        </p:nvSpPr>
+        <p:spPr>
+          <a:xfrm>
+            <a:off x="305354" y="3858210"/>
+            <a:ext cx="10714600" cy="1200329"/>
+          </a:xfrm>
+          <a:prstGeom prst="rect">
+            <a:avLst/>
+          </a:prstGeom>
+          <a:noFill/>
+        </p:spPr>
+        <p:txBody>
+          <a:bodyPr wrap="none" rtlCol="0">
+            <a:spAutoFit/>
+          </a:bodyPr>
+          <a:lstStyle/>
+          <a:p>
+            <a:pPr marL="285750" indent="-285750">
+              <a:buFont typeface="Arial" charset="0"/>
+              <a:buChar char="•"/>
+            </a:pPr>
+            <a:r>
+              <a:rPr lang="en-GB" dirty="0">
+                <a:solidFill>
+                  <a:schemeClr val="tx1">
+                    <a:lumMod val="65000"/>
+                    <a:lumOff val="35000"/>
+                  </a:schemeClr>
+                </a:solidFill>
+                <a:effectLst>
+                  <a:outerShdw blurRad="38100" dist="38100" dir="2700000" algn="tl">
+                    <a:srgbClr val="000000">
+                      <a:alpha val="43137"/>
+                    </a:srgbClr>
+                  </a:outerShdw>
+                </a:effectLst>
+              </a:rPr>
+              <a:t>DBA's</a:t>
+            </a:r>
+          </a:p>
+          <a:p>
+            <a:r>
+              <a:rPr lang="en-GB" dirty="0">
+                <a:solidFill>
+                  <a:schemeClr val="tx1">
+                    <a:lumMod val="65000"/>
+                    <a:lumOff val="35000"/>
+                  </a:schemeClr>
+                </a:solidFill>
+                <a:effectLst>
+                  <a:outerShdw blurRad="38100" dist="38100" dir="2700000" algn="tl">
+                    <a:srgbClr val="000000">
+                      <a:alpha val="43137"/>
+                    </a:srgbClr>
+                  </a:outerShdw>
+                </a:effectLst>
+              </a:rPr>
+              <a:t>The ability to integrate with multiple data sources and a range of in-database tools makes creating ETL processes</a:t>
+            </a:r>
+          </a:p>
+          <a:p>
+            <a:r>
+              <a:rPr lang="en-GB" dirty="0">
+                <a:solidFill>
+                  <a:schemeClr val="tx1">
+                    <a:lumMod val="65000"/>
+                    <a:lumOff val="35000"/>
+                  </a:schemeClr>
+                </a:solidFill>
+                <a:effectLst>
+                  <a:outerShdw blurRad="38100" dist="38100" dir="2700000" algn="tl">
+                    <a:srgbClr val="000000">
+                      <a:alpha val="43137"/>
+                    </a:srgbClr>
+                  </a:outerShdw>
+                </a:effectLst>
+              </a:rPr>
+              <a:t>a breeze.  On a Stack Overflow post several users stated they've never gone back to SSIS since acquiring Alteryx</a:t>
+            </a:r>
+          </a:p>
+          <a:p>
+            <a:r>
+              <a:rPr lang="en-GB" dirty="0">
+                <a:solidFill>
+                  <a:schemeClr val="tx1">
+                    <a:lumMod val="65000"/>
+                    <a:lumOff val="35000"/>
+                  </a:schemeClr>
+                </a:solidFill>
+                <a:effectLst>
+                  <a:outerShdw blurRad="38100" dist="38100" dir="2700000" algn="tl">
+                    <a:srgbClr val="000000">
+                      <a:alpha val="43137"/>
+                    </a:srgbClr>
+                  </a:outerShdw>
+                </a:effectLst>
+                <a:hlinkClick r:id="rId4"/>
+              </a:rPr>
+              <a:t>http://bit.ly/2cPCHHg</a:t>
+            </a:r>
+            <a:endParaRPr lang="en-GB" dirty="0">
               <a:solidFill>
                 <a:schemeClr val="tx1">
                   <a:lumMod val="65000"/>
@@ -5418,14 +6059,14 @@
       </p:sp>
       <p:sp>
         <p:nvSpPr>
-          <p:cNvPr id="8" name="TextBox 7"/>
+          <p:cNvPr id="18" name="TextBox 17"/>
           <p:cNvSpPr txBox="1"/>
           <p:nvPr/>
         </p:nvSpPr>
         <p:spPr>
           <a:xfrm>
-            <a:off x="305354" y="2257434"/>
-            <a:ext cx="10882595" cy="923330"/>
+            <a:off x="305354" y="5458986"/>
+            <a:ext cx="11291617" cy="923330"/>
           </a:xfrm>
           <a:prstGeom prst="rect">
             <a:avLst/>
@@ -5438,8 +6079,12 @@
           </a:bodyPr>
           <a:lstStyle/>
           <a:p>
-            <a:r>
-              <a:rPr lang="en-GB" dirty="0" smtClean="0">
+            <a:pPr marL="285750" indent="-285750">
+              <a:buFont typeface="Arial" charset="0"/>
+              <a:buChar char="•"/>
+            </a:pPr>
+            <a:r>
+              <a:rPr lang="en-GB" dirty="0">
                 <a:solidFill>
                   <a:schemeClr val="tx1">
                     <a:lumMod val="65000"/>
@@ -5454,12 +6099,12 @@
                   </a:outerShdw>
                 </a:effectLst>
               </a:rPr>
-              <a:t>I started using Alteryx over a year ago after looking for a new product to replace Excel as our primary analysis tool.</a:t>
-            </a:r>
-          </a:p>
-          <a:p>
-            <a:r>
-              <a:rPr lang="en-GB" dirty="0" smtClean="0">
+              <a:t>You!</a:t>
+            </a:r>
+          </a:p>
+          <a:p>
+            <a:r>
+              <a:rPr lang="en-GB" dirty="0">
                 <a:solidFill>
                   <a:schemeClr val="tx1">
                     <a:lumMod val="65000"/>
@@ -5474,12 +6119,12 @@
                   </a:outerShdw>
                 </a:effectLst>
               </a:rPr>
-              <a:t>During the free-trial period I was amazed at how easy the product was to use and was quickly able to automate</a:t>
-            </a:r>
-          </a:p>
-          <a:p>
-            <a:r>
-              <a:rPr lang="en-GB" dirty="0" smtClean="0">
+              <a:t>Who knows their data better than the data-owners?  Alteryx simple and intuitive interface means you can gain insights</a:t>
+            </a:r>
+          </a:p>
+          <a:p>
+            <a:r>
+              <a:rPr lang="en-GB" dirty="0">
                 <a:solidFill>
                   <a:schemeClr val="tx1">
                     <a:lumMod val="65000"/>
@@ -5494,227 +6139,25 @@
                   </a:outerShdw>
                 </a:effectLst>
               </a:rPr>
-              <a:t>many of our recurring MI reports, saving considerable resource hours as a result.</a:t>
-            </a:r>
-          </a:p>
-        </p:txBody>
-      </p:sp>
-      <p:sp>
-        <p:nvSpPr>
-          <p:cNvPr id="14" name="TextBox 13"/>
-          <p:cNvSpPr txBox="1"/>
-          <p:nvPr/>
-        </p:nvSpPr>
-        <p:spPr>
-          <a:xfrm>
-            <a:off x="305353" y="3586206"/>
-            <a:ext cx="10272364" cy="646331"/>
-          </a:xfrm>
-          <a:prstGeom prst="rect">
-            <a:avLst/>
-          </a:prstGeom>
-          <a:noFill/>
-        </p:spPr>
-        <p:txBody>
-          <a:bodyPr wrap="none" rtlCol="0">
-            <a:spAutoFit/>
-          </a:bodyPr>
-          <a:lstStyle/>
-          <a:p>
-            <a:r>
-              <a:rPr lang="en-GB" dirty="0" smtClean="0">
-                <a:solidFill>
-                  <a:schemeClr val="tx1">
-                    <a:lumMod val="65000"/>
-                    <a:lumOff val="35000"/>
-                  </a:schemeClr>
-                </a:solidFill>
-                <a:effectLst>
-                  <a:outerShdw blurRad="38100" dist="38100" dir="2700000" algn="tl">
-                    <a:srgbClr val="000000">
-                      <a:alpha val="43137"/>
-                    </a:srgbClr>
-                  </a:outerShdw>
-                </a:effectLst>
-              </a:rPr>
-              <a:t>Since then Alteryx has become a crucial BI tool with many departments relying on it for ongoing operations.</a:t>
-            </a:r>
-          </a:p>
-          <a:p>
-            <a:r>
-              <a:rPr lang="en-GB" dirty="0" smtClean="0">
-                <a:solidFill>
-                  <a:schemeClr val="tx1">
-                    <a:lumMod val="65000"/>
-                    <a:lumOff val="35000"/>
-                  </a:schemeClr>
-                </a:solidFill>
-                <a:effectLst>
-                  <a:outerShdw blurRad="38100" dist="38100" dir="2700000" algn="tl">
-                    <a:srgbClr val="000000">
-                      <a:alpha val="43137"/>
-                    </a:srgbClr>
-                  </a:outerShdw>
-                </a:effectLst>
-              </a:rPr>
-              <a:t>Alteryx has helped us save resources, increase productivity, reduce costs and reclaim lost revenue.</a:t>
-            </a:r>
-          </a:p>
-        </p:txBody>
-      </p:sp>
-      <p:sp>
-        <p:nvSpPr>
-          <p:cNvPr id="15" name="TextBox 14"/>
-          <p:cNvSpPr txBox="1"/>
-          <p:nvPr/>
-        </p:nvSpPr>
-        <p:spPr>
-          <a:xfrm>
-            <a:off x="305353" y="4637979"/>
-            <a:ext cx="9532674" cy="646331"/>
-          </a:xfrm>
-          <a:prstGeom prst="rect">
-            <a:avLst/>
-          </a:prstGeom>
-          <a:noFill/>
-        </p:spPr>
-        <p:txBody>
-          <a:bodyPr wrap="none" rtlCol="0">
-            <a:spAutoFit/>
-          </a:bodyPr>
-          <a:lstStyle/>
-          <a:p>
-            <a:r>
-              <a:rPr lang="en-GB" dirty="0" smtClean="0">
-                <a:solidFill>
-                  <a:schemeClr val="tx1">
-                    <a:lumMod val="65000"/>
-                    <a:lumOff val="35000"/>
-                  </a:schemeClr>
-                </a:solidFill>
-                <a:effectLst>
-                  <a:outerShdw blurRad="38100" dist="38100" dir="2700000" algn="tl">
-                    <a:srgbClr val="000000">
-                      <a:alpha val="43137"/>
-                    </a:srgbClr>
-                  </a:outerShdw>
-                </a:effectLst>
-              </a:rPr>
-              <a:t>You can read more about how we're using Alteryx at Vista Retail Support in the DataIQ case study at</a:t>
-            </a:r>
-          </a:p>
-          <a:p>
-            <a:r>
-              <a:rPr lang="en-GB" dirty="0" smtClean="0">
-                <a:solidFill>
-                  <a:schemeClr val="tx1">
-                    <a:lumMod val="65000"/>
-                    <a:lumOff val="35000"/>
-                  </a:schemeClr>
-                </a:solidFill>
-                <a:effectLst>
-                  <a:outerShdw blurRad="38100" dist="38100" dir="2700000" algn="tl">
-                    <a:srgbClr val="000000">
-                      <a:alpha val="43137"/>
-                    </a:srgbClr>
-                  </a:outerShdw>
-                </a:effectLst>
-              </a:rPr>
-              <a:t>http://</a:t>
-            </a:r>
-            <a:r>
-              <a:rPr lang="en-GB" dirty="0" err="1" smtClean="0">
-                <a:solidFill>
-                  <a:schemeClr val="tx1">
-                    <a:lumMod val="65000"/>
-                    <a:lumOff val="35000"/>
-                  </a:schemeClr>
-                </a:solidFill>
-                <a:effectLst>
-                  <a:outerShdw blurRad="38100" dist="38100" dir="2700000" algn="tl">
-                    <a:srgbClr val="000000">
-                      <a:alpha val="43137"/>
-                    </a:srgbClr>
-                  </a:outerShdw>
-                </a:effectLst>
-              </a:rPr>
-              <a:t>bit.ly</a:t>
-            </a:r>
-            <a:r>
-              <a:rPr lang="en-GB" dirty="0" smtClean="0">
-                <a:solidFill>
-                  <a:schemeClr val="tx1">
-                    <a:lumMod val="65000"/>
-                    <a:lumOff val="35000"/>
-                  </a:schemeClr>
-                </a:solidFill>
-                <a:effectLst>
-                  <a:outerShdw blurRad="38100" dist="38100" dir="2700000" algn="tl">
-                    <a:srgbClr val="000000">
-                      <a:alpha val="43137"/>
-                    </a:srgbClr>
-                  </a:outerShdw>
-                </a:effectLst>
-              </a:rPr>
-              <a:t>/</a:t>
-            </a:r>
-            <a:r>
-              <a:rPr lang="en-GB" dirty="0" err="1" smtClean="0">
-                <a:solidFill>
-                  <a:schemeClr val="tx1">
-                    <a:lumMod val="65000"/>
-                    <a:lumOff val="35000"/>
-                  </a:schemeClr>
-                </a:solidFill>
-                <a:effectLst>
-                  <a:outerShdw blurRad="38100" dist="38100" dir="2700000" algn="tl">
-                    <a:srgbClr val="000000">
-                      <a:alpha val="43137"/>
-                    </a:srgbClr>
-                  </a:outerShdw>
-                </a:effectLst>
-              </a:rPr>
-              <a:t>2cCq2oe</a:t>
-            </a:r>
-            <a:endParaRPr lang="en-GB" dirty="0" smtClean="0">
-              <a:solidFill>
-                <a:schemeClr val="tx1">
-                  <a:lumMod val="65000"/>
-                  <a:lumOff val="35000"/>
-                </a:schemeClr>
-              </a:solidFill>
-              <a:effectLst>
-                <a:outerShdw blurRad="38100" dist="38100" dir="2700000" algn="tl">
-                  <a:srgbClr val="000000">
-                    <a:alpha val="43137"/>
-                  </a:srgbClr>
-                </a:outerShdw>
-              </a:effectLst>
-            </a:endParaRPr>
+              <a:t>whatever your background.</a:t>
+            </a:r>
           </a:p>
         </p:txBody>
       </p:sp>
     </p:spTree>
     <p:extLst>
       <p:ext uri="{BB962C8B-B14F-4D97-AF65-F5344CB8AC3E}">
-        <p14:creationId xmlns:p14="http://schemas.microsoft.com/office/powerpoint/2010/main" val="1182353052"/>
+        <p14:creationId xmlns:p14="http://schemas.microsoft.com/office/powerpoint/2010/main" val="135275109"/>
       </p:ext>
     </p:extLst>
   </p:cSld>
   <p:clrMapOvr>
     <a:masterClrMapping/>
   </p:clrMapOvr>
-  <p:timing>
-    <p:tnLst>
-      <p:par>
-        <p:cTn id="1" dur="indefinite" restart="never" nodeType="tmRoot"/>
-      </p:par>
-    </p:tnLst>
-  </p:timing>
 </p:sld>
 </file>
 
-<file path=ppt/slides/slide3.xml><?xml version="1.0" encoding="utf-8"?>
+<file path=ppt/slides/slide6.xml><?xml version="1.0" encoding="utf-8"?>
 <p:sld xmlns:a="http://schemas.openxmlformats.org/drawingml/2006/main" xmlns:r="http://schemas.openxmlformats.org/officeDocument/2006/relationships" xmlns:p="http://schemas.openxmlformats.org/presentationml/2006/main">
   <p:cSld>
     <p:spTree>
@@ -5740,7 +6183,7 @@
         <p:spPr>
           <a:xfrm>
             <a:off x="305354" y="928662"/>
-            <a:ext cx="8984896" cy="646331"/>
+            <a:ext cx="7235955" cy="369332"/>
           </a:xfrm>
           <a:prstGeom prst="rect">
             <a:avLst/>
@@ -5769,27 +6212,7 @@
                   </a:outerShdw>
                 </a:effectLst>
               </a:rPr>
-              <a:t>Alteryx is a self-service data analytics platform which combines data preparation and blending</a:t>
-            </a:r>
-          </a:p>
-          <a:p>
-            <a:r>
-              <a:rPr lang="en-GB" dirty="0">
-                <a:solidFill>
-                  <a:schemeClr val="tx1">
-                    <a:lumMod val="65000"/>
-                    <a:lumOff val="35000"/>
-                  </a:schemeClr>
-                </a:solidFill>
-                <a:effectLst>
-                  <a:outerShdw blurRad="38100" dist="38100" dir="2700000" algn="tl">
-                    <a:srgbClr val="000000">
-                      <a:alpha val="43137"/>
-                    </a:srgbClr>
-                  </a:outerShdw>
-                </a:effectLst>
-              </a:rPr>
-              <a:t>with predictive, statistical and spatial analytics, all in one intuitive user interface</a:t>
+              <a:t>It is often said Analysts spend 80% of their time prepping and cleaning data</a:t>
             </a:r>
           </a:p>
         </p:txBody>
@@ -5906,14 +6329,14 @@
       </p:grpSp>
       <p:sp>
         <p:nvSpPr>
-          <p:cNvPr id="7" name="TextBox 6"/>
+          <p:cNvPr id="8" name="TextBox 7"/>
           <p:cNvSpPr txBox="1"/>
           <p:nvPr/>
         </p:nvSpPr>
         <p:spPr>
           <a:xfrm>
-            <a:off x="0" y="0"/>
-            <a:ext cx="2562946" cy="523220"/>
+            <a:off x="305354" y="1680359"/>
+            <a:ext cx="9761327" cy="646331"/>
           </a:xfrm>
           <a:prstGeom prst="rect">
             <a:avLst/>
@@ -5921,14 +6344,13 @@
           <a:noFill/>
         </p:spPr>
         <p:txBody>
-          <a:bodyPr wrap="none" rtlCol="0" anchor="ctr">
+          <a:bodyPr wrap="none" rtlCol="0">
             <a:spAutoFit/>
           </a:bodyPr>
           <a:lstStyle/>
           <a:p>
-            <a:pPr algn="ctr"/>
-            <a:r>
-              <a:rPr lang="en-GB" sz="2800">
+            <a:r>
+              <a:rPr lang="en-GB" dirty="0">
                 <a:solidFill>
                   <a:schemeClr val="tx1">
                     <a:lumMod val="65000"/>
@@ -5943,50 +6365,12 @@
                   </a:outerShdw>
                 </a:effectLst>
               </a:rPr>
-              <a:t>What is Alteryx?</a:t>
-            </a:r>
-            <a:endParaRPr lang="en-GB" sz="2800" dirty="0">
-              <a:solidFill>
-                <a:schemeClr val="tx1">
-                  <a:lumMod val="65000"/>
-                  <a:lumOff val="35000"/>
-                </a:schemeClr>
-              </a:solidFill>
-              <a:effectLst>
-                <a:outerShdw blurRad="38100" dist="38100" dir="2700000" algn="tl">
-                  <a:srgbClr val="000000">
-                    <a:alpha val="43137"/>
-                  </a:srgbClr>
-                </a:outerShdw>
-              </a:effectLst>
-            </a:endParaRPr>
-          </a:p>
-        </p:txBody>
-      </p:sp>
-      <p:sp>
-        <p:nvSpPr>
-          <p:cNvPr id="8" name="TextBox 7"/>
-          <p:cNvSpPr txBox="1"/>
-          <p:nvPr/>
-        </p:nvSpPr>
-        <p:spPr>
-          <a:xfrm>
-            <a:off x="305354" y="1980435"/>
-            <a:ext cx="3816622" cy="369332"/>
-          </a:xfrm>
-          <a:prstGeom prst="rect">
-            <a:avLst/>
-          </a:prstGeom>
-          <a:noFill/>
-        </p:spPr>
-        <p:txBody>
-          <a:bodyPr wrap="none" rtlCol="0">
-            <a:spAutoFit/>
-          </a:bodyPr>
-          <a:lstStyle/>
-          <a:p>
-            <a:r>
-              <a:rPr lang="en-GB" dirty="0" smtClean="0">
+              <a:t>According to users of Alteryx, Designer cuts data prep by 30% leaving more time for testing hypothesis</a:t>
+            </a:r>
+          </a:p>
+          <a:p>
+            <a:r>
+              <a:rPr lang="en-GB" dirty="0">
                 <a:solidFill>
                   <a:schemeClr val="tx1">
                     <a:lumMod val="65000"/>
@@ -6001,14 +6385,101 @@
                   </a:outerShdw>
                 </a:effectLst>
               </a:rPr>
-              <a:t>Alteryx comprises three core products:</a:t>
+              <a:t>and evaluating models</a:t>
+            </a:r>
+          </a:p>
+        </p:txBody>
+      </p:sp>
+      <p:sp>
+        <p:nvSpPr>
+          <p:cNvPr id="16" name="TextBox 15"/>
+          <p:cNvSpPr txBox="1"/>
+          <p:nvPr/>
+        </p:nvSpPr>
+        <p:spPr>
+          <a:xfrm>
+            <a:off x="0" y="23077"/>
+            <a:ext cx="2661178" cy="523220"/>
+          </a:xfrm>
+          <a:prstGeom prst="rect">
+            <a:avLst/>
+          </a:prstGeom>
+          <a:noFill/>
+        </p:spPr>
+        <p:txBody>
+          <a:bodyPr wrap="none" rtlCol="0" anchor="ctr">
+            <a:spAutoFit/>
+          </a:bodyPr>
+          <a:lstStyle/>
+          <a:p>
+            <a:pPr algn="ctr"/>
+            <a:r>
+              <a:rPr lang="en-GB" sz="2800" dirty="0">
+                <a:solidFill>
+                  <a:schemeClr val="tx1">
+                    <a:lumMod val="65000"/>
+                    <a:lumOff val="35000"/>
+                  </a:schemeClr>
+                </a:solidFill>
+                <a:effectLst>
+                  <a:outerShdw blurRad="38100" dist="38100" dir="2700000" algn="tl">
+                    <a:srgbClr val="000000">
+                      <a:alpha val="43137"/>
+                    </a:srgbClr>
+                  </a:outerShdw>
+                </a:effectLst>
+              </a:rPr>
+              <a:t>Data Preparation</a:t>
+            </a:r>
+          </a:p>
+        </p:txBody>
+      </p:sp>
+      <p:sp>
+        <p:nvSpPr>
+          <p:cNvPr id="18" name="TextBox 17"/>
+          <p:cNvSpPr txBox="1"/>
+          <p:nvPr/>
+        </p:nvSpPr>
+        <p:spPr>
+          <a:xfrm>
+            <a:off x="305353" y="2709055"/>
+            <a:ext cx="8000845" cy="369332"/>
+          </a:xfrm>
+          <a:prstGeom prst="rect">
+            <a:avLst/>
+          </a:prstGeom>
+          <a:noFill/>
+        </p:spPr>
+        <p:txBody>
+          <a:bodyPr wrap="none" rtlCol="0">
+            <a:spAutoFit/>
+          </a:bodyPr>
+          <a:lstStyle/>
+          <a:p>
+            <a:r>
+              <a:rPr lang="en-GB" dirty="0">
+                <a:solidFill>
+                  <a:schemeClr val="tx1">
+                    <a:lumMod val="65000"/>
+                    <a:lumOff val="35000"/>
+                  </a:schemeClr>
+                </a:solidFill>
+                <a:effectLst>
+                  <a:outerShdw blurRad="38100" dist="38100" dir="2700000" algn="tl">
+                    <a:srgbClr val="000000">
+                      <a:alpha val="43137"/>
+                    </a:srgbClr>
+                  </a:outerShdw>
+                </a:effectLst>
+              </a:rPr>
+              <a:t>The Data Preparation palette offers 20 standard tools with a range of capabilities</a:t>
             </a:r>
           </a:p>
         </p:txBody>
       </p:sp>
       <p:pic>
         <p:nvPicPr>
-          <p:cNvPr id="2" name="Picture 1"/>
+          <p:cNvPr id="3" name="Picture 2"/>
           <p:cNvPicPr>
             <a:picLocks noChangeAspect="1"/>
           </p:cNvPicPr>
@@ -6022,8 +6493,8 @@
         </p:blipFill>
         <p:spPr>
           <a:xfrm>
-            <a:off x="480461" y="2755209"/>
-            <a:ext cx="10058400" cy="2586601"/>
+            <a:off x="771179" y="3498070"/>
+            <a:ext cx="8829675" cy="1743075"/>
           </a:xfrm>
           <a:prstGeom prst="rect">
             <a:avLst/>
@@ -6033,24 +6504,17 @@
     </p:spTree>
     <p:extLst>
       <p:ext uri="{BB962C8B-B14F-4D97-AF65-F5344CB8AC3E}">
-        <p14:creationId xmlns:p14="http://schemas.microsoft.com/office/powerpoint/2010/main" val="596215772"/>
+        <p14:creationId xmlns:p14="http://schemas.microsoft.com/office/powerpoint/2010/main" val="1298574701"/>
       </p:ext>
     </p:extLst>
   </p:cSld>
   <p:clrMapOvr>
     <a:masterClrMapping/>
   </p:clrMapOvr>
-  <p:timing>
-    <p:tnLst>
-      <p:par>
-        <p:cTn id="1" dur="indefinite" restart="never" nodeType="tmRoot"/>
-      </p:par>
-    </p:tnLst>
-  </p:timing>
 </p:sld>
 </file>
 
-<file path=ppt/slides/slide4.xml><?xml version="1.0" encoding="utf-8"?>
+<file path=ppt/slides/slide7.xml><?xml version="1.0" encoding="utf-8"?>
 <p:sld xmlns:a="http://schemas.openxmlformats.org/drawingml/2006/main" xmlns:r="http://schemas.openxmlformats.org/officeDocument/2006/relationships" xmlns:p="http://schemas.openxmlformats.org/presentationml/2006/main">
   <p:cSld>
     <p:spTree>
@@ -6076,7 +6540,7 @@
         <p:spPr>
           <a:xfrm>
             <a:off x="305354" y="928662"/>
-            <a:ext cx="10992433" cy="923330"/>
+            <a:ext cx="10757047" cy="646331"/>
           </a:xfrm>
           <a:prstGeom prst="rect">
             <a:avLst/>
@@ -6105,7 +6569,7 @@
                   </a:outerShdw>
                 </a:effectLst>
               </a:rPr>
-              <a:t>With Alteryx Designer you can connect to and cleanse data from a variety of sources with specially designed tools.</a:t>
+              <a:t>Many of us face the reality that our data is not stored in just one system.  Accessing and blending that data is just</a:t>
             </a:r>
           </a:p>
           <a:p>
@@ -6125,27 +6589,7 @@
                   </a:outerShdw>
                 </a:effectLst>
               </a:rPr>
-              <a:t>Alteryx works by creating a 'pipeline' connecting your data from an input to an output.  Along the way you can drop</a:t>
-            </a:r>
-          </a:p>
-          <a:p>
-            <a:r>
-              <a:rPr lang="en-GB" dirty="0">
-                <a:solidFill>
-                  <a:schemeClr val="tx1">
-                    <a:lumMod val="65000"/>
-                    <a:lumOff val="35000"/>
-                  </a:schemeClr>
-                </a:solidFill>
-                <a:effectLst>
-                  <a:outerShdw blurRad="38100" dist="38100" dir="2700000" algn="tl">
-                    <a:srgbClr val="000000">
-                      <a:alpha val="43137"/>
-                    </a:srgbClr>
-                  </a:outerShdw>
-                </a:effectLst>
-              </a:rPr>
-              <a:t>tools in the path of your data to manipulate it</a:t>
+              <a:t>one step in the analytic workflow</a:t>
             </a:r>
           </a:p>
         </p:txBody>
@@ -6262,14 +6706,14 @@
       </p:grpSp>
       <p:sp>
         <p:nvSpPr>
-          <p:cNvPr id="7" name="TextBox 6"/>
+          <p:cNvPr id="8" name="TextBox 7"/>
           <p:cNvSpPr txBox="1"/>
           <p:nvPr/>
         </p:nvSpPr>
         <p:spPr>
           <a:xfrm>
-            <a:off x="0" y="0"/>
-            <a:ext cx="2562946" cy="523220"/>
+            <a:off x="305354" y="1827672"/>
+            <a:ext cx="10924081" cy="646331"/>
           </a:xfrm>
           <a:prstGeom prst="rect">
             <a:avLst/>
@@ -6277,14 +6721,13 @@
           <a:noFill/>
         </p:spPr>
         <p:txBody>
-          <a:bodyPr wrap="none" rtlCol="0" anchor="ctr">
+          <a:bodyPr wrap="none" rtlCol="0">
             <a:spAutoFit/>
           </a:bodyPr>
           <a:lstStyle/>
           <a:p>
-            <a:pPr algn="ctr"/>
-            <a:r>
-              <a:rPr lang="en-GB" sz="2800">
+            <a:r>
+              <a:rPr lang="en-GB" dirty="0">
                 <a:solidFill>
                   <a:schemeClr val="tx1">
                     <a:lumMod val="65000"/>
@@ -6299,80 +6742,12 @@
                   </a:outerShdw>
                 </a:effectLst>
               </a:rPr>
-              <a:t>What is Alteryx?</a:t>
-            </a:r>
-            <a:endParaRPr lang="en-GB" sz="2800" dirty="0">
-              <a:solidFill>
-                <a:schemeClr val="tx1">
-                  <a:lumMod val="65000"/>
-                  <a:lumOff val="35000"/>
-                </a:schemeClr>
-              </a:solidFill>
-              <a:effectLst>
-                <a:outerShdw blurRad="38100" dist="38100" dir="2700000" algn="tl">
-                  <a:srgbClr val="000000">
-                    <a:alpha val="43137"/>
-                  </a:srgbClr>
-                </a:outerShdw>
-              </a:effectLst>
-            </a:endParaRPr>
-          </a:p>
-        </p:txBody>
-      </p:sp>
-      <p:pic>
-        <p:nvPicPr>
-          <p:cNvPr id="14" name="Picture 13"/>
-          <p:cNvPicPr>
-            <a:picLocks noChangeAspect="1"/>
-          </p:cNvPicPr>
-          <p:nvPr/>
-        </p:nvPicPr>
-        <p:blipFill>
-          <a:blip r:embed="rId4">
-            <a:extLst>
-              <a:ext uri="{28A0092B-C50C-407E-A947-70E740481C1C}">
-                <a14:useLocalDpi xmlns:a14="http://schemas.microsoft.com/office/drawing/2010/main" val="0"/>
-              </a:ext>
-            </a:extLst>
-          </a:blip>
-          <a:stretch>
-            <a:fillRect/>
-          </a:stretch>
-        </p:blipFill>
-        <p:spPr>
-          <a:xfrm>
-            <a:off x="2562946" y="2257434"/>
-            <a:ext cx="5925377" cy="1190791"/>
-          </a:xfrm>
-          <a:prstGeom prst="rect">
-            <a:avLst/>
-          </a:prstGeom>
-        </p:spPr>
-      </p:pic>
-      <p:sp>
-        <p:nvSpPr>
-          <p:cNvPr id="15" name="TextBox 14"/>
-          <p:cNvSpPr txBox="1"/>
-          <p:nvPr/>
-        </p:nvSpPr>
-        <p:spPr>
-          <a:xfrm>
-            <a:off x="305354" y="3864190"/>
-            <a:ext cx="9370450" cy="369332"/>
-          </a:xfrm>
-          <a:prstGeom prst="rect">
-            <a:avLst/>
-          </a:prstGeom>
-          <a:noFill/>
-        </p:spPr>
-        <p:txBody>
-          <a:bodyPr wrap="none" rtlCol="0">
-            <a:spAutoFit/>
-          </a:bodyPr>
-          <a:lstStyle/>
-          <a:p>
-            <a:r>
-              <a:rPr lang="en-GB" dirty="0" smtClean="0">
+              <a:t>With Alteryx Designer, blending data from multiple sources is easily accomplished, regardless of data structure and</a:t>
+            </a:r>
+          </a:p>
+          <a:p>
+            <a:r>
+              <a:rPr lang="en-GB" dirty="0">
                 <a:solidFill>
                   <a:schemeClr val="tx1">
                     <a:lumMod val="65000"/>
@@ -6387,7 +6762,7 @@
                   </a:outerShdw>
                 </a:effectLst>
               </a:rPr>
-              <a:t>The use of the tool palette means no coding experience is required whilst retaining reproducibility</a:t>
+              <a:t>format</a:t>
             </a:r>
           </a:p>
         </p:txBody>
@@ -6400,8 +6775,8 @@
         </p:nvSpPr>
         <p:spPr>
           <a:xfrm>
-            <a:off x="305354" y="4649487"/>
-            <a:ext cx="9590767" cy="369332"/>
+            <a:off x="0" y="23077"/>
+            <a:ext cx="2216184" cy="523220"/>
           </a:xfrm>
           <a:prstGeom prst="rect">
             <a:avLst/>
@@ -6409,13 +6784,14 @@
           <a:noFill/>
         </p:spPr>
         <p:txBody>
-          <a:bodyPr wrap="none" rtlCol="0">
+          <a:bodyPr wrap="none" rtlCol="0" anchor="ctr">
             <a:spAutoFit/>
           </a:bodyPr>
           <a:lstStyle/>
           <a:p>
-            <a:r>
-              <a:rPr lang="en-GB" dirty="0" smtClean="0">
+            <a:pPr algn="ctr"/>
+            <a:r>
+              <a:rPr lang="en-GB" sz="2800" dirty="0">
                 <a:solidFill>
                   <a:schemeClr val="tx1">
                     <a:lumMod val="65000"/>
@@ -6430,32 +6806,630 @@
                   </a:outerShdw>
                 </a:effectLst>
               </a:rPr>
-              <a:t>Alteryx empowers data analysts and subject-matter experts alike to find deeper insights in just hours!</a:t>
-            </a:r>
-          </a:p>
-        </p:txBody>
-      </p:sp>
+              <a:t>Data Blending</a:t>
+            </a:r>
+          </a:p>
+        </p:txBody>
+      </p:sp>
+      <p:grpSp>
+        <p:nvGrpSpPr>
+          <p:cNvPr id="17" name="Group 16"/>
+          <p:cNvGrpSpPr/>
+          <p:nvPr/>
+        </p:nvGrpSpPr>
+        <p:grpSpPr>
+          <a:xfrm>
+            <a:off x="5410022" y="2363898"/>
+            <a:ext cx="5652379" cy="3704708"/>
+            <a:chOff x="223976" y="546863"/>
+            <a:chExt cx="5652379" cy="3704708"/>
+          </a:xfrm>
+        </p:grpSpPr>
+        <p:grpSp>
+          <p:nvGrpSpPr>
+            <p:cNvPr id="19" name="Group 18"/>
+            <p:cNvGrpSpPr/>
+            <p:nvPr/>
+          </p:nvGrpSpPr>
+          <p:grpSpPr>
+            <a:xfrm>
+              <a:off x="223976" y="798305"/>
+              <a:ext cx="5652379" cy="3453266"/>
+              <a:chOff x="223976" y="798305"/>
+              <a:chExt cx="5652379" cy="3453266"/>
+            </a:xfrm>
+          </p:grpSpPr>
+          <p:grpSp>
+            <p:nvGrpSpPr>
+              <p:cNvPr id="21" name="Group 20"/>
+              <p:cNvGrpSpPr/>
+              <p:nvPr/>
+            </p:nvGrpSpPr>
+            <p:grpSpPr>
+              <a:xfrm>
+                <a:off x="223976" y="798305"/>
+                <a:ext cx="5652379" cy="3270806"/>
+                <a:chOff x="112657" y="623376"/>
+                <a:chExt cx="5652379" cy="3270806"/>
+              </a:xfrm>
+            </p:grpSpPr>
+            <p:pic>
+              <p:nvPicPr>
+                <p:cNvPr id="23" name="Picture 22"/>
+                <p:cNvPicPr>
+                  <a:picLocks noChangeAspect="1"/>
+                </p:cNvPicPr>
+                <p:nvPr/>
+              </p:nvPicPr>
+              <p:blipFill>
+                <a:blip r:embed="rId4">
+                  <a:extLst>
+                    <a:ext uri="{28A0092B-C50C-407E-A947-70E740481C1C}">
+                      <a14:useLocalDpi xmlns:a14="http://schemas.microsoft.com/office/drawing/2010/main" val="0"/>
+                    </a:ext>
+                  </a:extLst>
+                </a:blip>
+                <a:stretch>
+                  <a:fillRect/>
+                </a:stretch>
+              </p:blipFill>
+              <p:spPr>
+                <a:xfrm>
+                  <a:off x="341485" y="640481"/>
+                  <a:ext cx="601483" cy="527920"/>
+                </a:xfrm>
+                <a:prstGeom prst="rect">
+                  <a:avLst/>
+                </a:prstGeom>
+              </p:spPr>
+            </p:pic>
+            <p:pic>
+              <p:nvPicPr>
+                <p:cNvPr id="24" name="Picture 23"/>
+                <p:cNvPicPr>
+                  <a:picLocks noChangeAspect="1"/>
+                </p:cNvPicPr>
+                <p:nvPr/>
+              </p:nvPicPr>
+              <p:blipFill>
+                <a:blip r:embed="rId5">
+                  <a:extLst>
+                    <a:ext uri="{28A0092B-C50C-407E-A947-70E740481C1C}">
+                      <a14:useLocalDpi xmlns:a14="http://schemas.microsoft.com/office/drawing/2010/main" val="0"/>
+                    </a:ext>
+                  </a:extLst>
+                </a:blip>
+                <a:stretch>
+                  <a:fillRect/>
+                </a:stretch>
+              </p:blipFill>
+              <p:spPr>
+                <a:xfrm>
+                  <a:off x="188411" y="1606299"/>
+                  <a:ext cx="368126" cy="429892"/>
+                </a:xfrm>
+                <a:prstGeom prst="rect">
+                  <a:avLst/>
+                </a:prstGeom>
+              </p:spPr>
+            </p:pic>
+            <p:pic>
+              <p:nvPicPr>
+                <p:cNvPr id="25" name="Picture 24"/>
+                <p:cNvPicPr>
+                  <a:picLocks noChangeAspect="1"/>
+                </p:cNvPicPr>
+                <p:nvPr/>
+              </p:nvPicPr>
+              <p:blipFill>
+                <a:blip r:embed="rId6">
+                  <a:extLst>
+                    <a:ext uri="{28A0092B-C50C-407E-A947-70E740481C1C}">
+                      <a14:useLocalDpi xmlns:a14="http://schemas.microsoft.com/office/drawing/2010/main" val="0"/>
+                    </a:ext>
+                  </a:extLst>
+                </a:blip>
+                <a:stretch>
+                  <a:fillRect/>
+                </a:stretch>
+              </p:blipFill>
+              <p:spPr>
+                <a:xfrm>
+                  <a:off x="1337771" y="623376"/>
+                  <a:ext cx="791855" cy="764070"/>
+                </a:xfrm>
+                <a:prstGeom prst="rect">
+                  <a:avLst/>
+                </a:prstGeom>
+              </p:spPr>
+            </p:pic>
+            <p:pic>
+              <p:nvPicPr>
+                <p:cNvPr id="26" name="Picture 25"/>
+                <p:cNvPicPr>
+                  <a:picLocks noChangeAspect="1"/>
+                </p:cNvPicPr>
+                <p:nvPr/>
+              </p:nvPicPr>
+              <p:blipFill>
+                <a:blip r:embed="rId7">
+                  <a:extLst>
+                    <a:ext uri="{28A0092B-C50C-407E-A947-70E740481C1C}">
+                      <a14:useLocalDpi xmlns:a14="http://schemas.microsoft.com/office/drawing/2010/main" val="0"/>
+                    </a:ext>
+                  </a:extLst>
+                </a:blip>
+                <a:stretch>
+                  <a:fillRect/>
+                </a:stretch>
+              </p:blipFill>
+              <p:spPr>
+                <a:xfrm>
+                  <a:off x="4165196" y="1097157"/>
+                  <a:ext cx="1599840" cy="1125311"/>
+                </a:xfrm>
+                <a:prstGeom prst="rect">
+                  <a:avLst/>
+                </a:prstGeom>
+              </p:spPr>
+            </p:pic>
+            <p:pic>
+              <p:nvPicPr>
+                <p:cNvPr id="27" name="Picture 26"/>
+                <p:cNvPicPr>
+                  <a:picLocks noChangeAspect="1"/>
+                </p:cNvPicPr>
+                <p:nvPr/>
+              </p:nvPicPr>
+              <p:blipFill>
+                <a:blip r:embed="rId8">
+                  <a:extLst>
+                    <a:ext uri="{28A0092B-C50C-407E-A947-70E740481C1C}">
+                      <a14:useLocalDpi xmlns:a14="http://schemas.microsoft.com/office/drawing/2010/main" val="0"/>
+                    </a:ext>
+                  </a:extLst>
+                </a:blip>
+                <a:stretch>
+                  <a:fillRect/>
+                </a:stretch>
+              </p:blipFill>
+              <p:spPr>
+                <a:xfrm>
+                  <a:off x="648627" y="1387446"/>
+                  <a:ext cx="3348460" cy="959843"/>
+                </a:xfrm>
+                <a:prstGeom prst="rect">
+                  <a:avLst/>
+                </a:prstGeom>
+              </p:spPr>
+            </p:pic>
+            <p:pic>
+              <p:nvPicPr>
+                <p:cNvPr id="28" name="Picture 27"/>
+                <p:cNvPicPr>
+                  <a:picLocks noChangeAspect="1"/>
+                </p:cNvPicPr>
+                <p:nvPr/>
+              </p:nvPicPr>
+              <p:blipFill>
+                <a:blip r:embed="rId9">
+                  <a:extLst>
+                    <a:ext uri="{28A0092B-C50C-407E-A947-70E740481C1C}">
+                      <a14:useLocalDpi xmlns:a14="http://schemas.microsoft.com/office/drawing/2010/main" val="0"/>
+                    </a:ext>
+                  </a:extLst>
+                </a:blip>
+                <a:stretch>
+                  <a:fillRect/>
+                </a:stretch>
+              </p:blipFill>
+              <p:spPr>
+                <a:xfrm>
+                  <a:off x="3460782" y="801176"/>
+                  <a:ext cx="634939" cy="631332"/>
+                </a:xfrm>
+                <a:prstGeom prst="rect">
+                  <a:avLst/>
+                </a:prstGeom>
+              </p:spPr>
+            </p:pic>
+            <p:pic>
+              <p:nvPicPr>
+                <p:cNvPr id="29" name="Picture 28"/>
+                <p:cNvPicPr>
+                  <a:picLocks noChangeAspect="1"/>
+                </p:cNvPicPr>
+                <p:nvPr/>
+              </p:nvPicPr>
+              <p:blipFill>
+                <a:blip r:embed="rId10">
+                  <a:extLst>
+                    <a:ext uri="{28A0092B-C50C-407E-A947-70E740481C1C}">
+                      <a14:useLocalDpi xmlns:a14="http://schemas.microsoft.com/office/drawing/2010/main" val="0"/>
+                    </a:ext>
+                  </a:extLst>
+                </a:blip>
+                <a:stretch>
+                  <a:fillRect/>
+                </a:stretch>
+              </p:blipFill>
+              <p:spPr>
+                <a:xfrm>
+                  <a:off x="2463577" y="686417"/>
+                  <a:ext cx="947625" cy="919882"/>
+                </a:xfrm>
+                <a:prstGeom prst="rect">
+                  <a:avLst/>
+                </a:prstGeom>
+              </p:spPr>
+            </p:pic>
+            <p:pic>
+              <p:nvPicPr>
+                <p:cNvPr id="30" name="Picture 29"/>
+                <p:cNvPicPr>
+                  <a:picLocks noChangeAspect="1"/>
+                </p:cNvPicPr>
+                <p:nvPr/>
+              </p:nvPicPr>
+              <p:blipFill>
+                <a:blip r:embed="rId11">
+                  <a:extLst>
+                    <a:ext uri="{28A0092B-C50C-407E-A947-70E740481C1C}">
+                      <a14:useLocalDpi xmlns:a14="http://schemas.microsoft.com/office/drawing/2010/main" val="0"/>
+                    </a:ext>
+                  </a:extLst>
+                </a:blip>
+                <a:stretch>
+                  <a:fillRect/>
+                </a:stretch>
+              </p:blipFill>
+              <p:spPr>
+                <a:xfrm>
+                  <a:off x="2555667" y="2274912"/>
+                  <a:ext cx="905115" cy="835901"/>
+                </a:xfrm>
+                <a:prstGeom prst="rect">
+                  <a:avLst/>
+                </a:prstGeom>
+              </p:spPr>
+            </p:pic>
+            <p:pic>
+              <p:nvPicPr>
+                <p:cNvPr id="31" name="Picture 30"/>
+                <p:cNvPicPr>
+                  <a:picLocks noChangeAspect="1"/>
+                </p:cNvPicPr>
+                <p:nvPr/>
+              </p:nvPicPr>
+              <p:blipFill>
+                <a:blip r:embed="rId12">
+                  <a:extLst>
+                    <a:ext uri="{28A0092B-C50C-407E-A947-70E740481C1C}">
+                      <a14:useLocalDpi xmlns:a14="http://schemas.microsoft.com/office/drawing/2010/main" val="0"/>
+                    </a:ext>
+                  </a:extLst>
+                </a:blip>
+                <a:stretch>
+                  <a:fillRect/>
+                </a:stretch>
+              </p:blipFill>
+              <p:spPr>
+                <a:xfrm>
+                  <a:off x="3137841" y="2982883"/>
+                  <a:ext cx="1800476" cy="457264"/>
+                </a:xfrm>
+                <a:prstGeom prst="rect">
+                  <a:avLst/>
+                </a:prstGeom>
+              </p:spPr>
+            </p:pic>
+            <p:pic>
+              <p:nvPicPr>
+                <p:cNvPr id="32" name="Picture 31"/>
+                <p:cNvPicPr>
+                  <a:picLocks noChangeAspect="1"/>
+                </p:cNvPicPr>
+                <p:nvPr/>
+              </p:nvPicPr>
+              <p:blipFill>
+                <a:blip r:embed="rId13">
+                  <a:extLst>
+                    <a:ext uri="{28A0092B-C50C-407E-A947-70E740481C1C}">
+                      <a14:useLocalDpi xmlns:a14="http://schemas.microsoft.com/office/drawing/2010/main" val="0"/>
+                    </a:ext>
+                  </a:extLst>
+                </a:blip>
+                <a:stretch>
+                  <a:fillRect/>
+                </a:stretch>
+              </p:blipFill>
+              <p:spPr>
+                <a:xfrm>
+                  <a:off x="112657" y="2237808"/>
+                  <a:ext cx="1148684" cy="873550"/>
+                </a:xfrm>
+                <a:prstGeom prst="rect">
+                  <a:avLst/>
+                </a:prstGeom>
+              </p:spPr>
+            </p:pic>
+            <p:pic>
+              <p:nvPicPr>
+                <p:cNvPr id="33" name="Picture 32"/>
+                <p:cNvPicPr>
+                  <a:picLocks noChangeAspect="1"/>
+                </p:cNvPicPr>
+                <p:nvPr/>
+              </p:nvPicPr>
+              <p:blipFill>
+                <a:blip r:embed="rId14">
+                  <a:extLst>
+                    <a:ext uri="{28A0092B-C50C-407E-A947-70E740481C1C}">
+                      <a14:useLocalDpi xmlns:a14="http://schemas.microsoft.com/office/drawing/2010/main" val="0"/>
+                    </a:ext>
+                  </a:extLst>
+                </a:blip>
+                <a:stretch>
+                  <a:fillRect/>
+                </a:stretch>
+              </p:blipFill>
+              <p:spPr>
+                <a:xfrm>
+                  <a:off x="262393" y="3099415"/>
+                  <a:ext cx="2875448" cy="794767"/>
+                </a:xfrm>
+                <a:prstGeom prst="rect">
+                  <a:avLst/>
+                </a:prstGeom>
+              </p:spPr>
+            </p:pic>
+            <p:pic>
+              <p:nvPicPr>
+                <p:cNvPr id="34" name="Picture 33"/>
+                <p:cNvPicPr>
+                  <a:picLocks noChangeAspect="1"/>
+                </p:cNvPicPr>
+                <p:nvPr/>
+              </p:nvPicPr>
+              <p:blipFill>
+                <a:blip r:embed="rId15">
+                  <a:extLst>
+                    <a:ext uri="{28A0092B-C50C-407E-A947-70E740481C1C}">
+                      <a14:useLocalDpi xmlns:a14="http://schemas.microsoft.com/office/drawing/2010/main" val="0"/>
+                    </a:ext>
+                  </a:extLst>
+                </a:blip>
+                <a:stretch>
+                  <a:fillRect/>
+                </a:stretch>
+              </p:blipFill>
+              <p:spPr>
+                <a:xfrm>
+                  <a:off x="3538747" y="2171919"/>
+                  <a:ext cx="1690353" cy="890862"/>
+                </a:xfrm>
+                <a:prstGeom prst="rect">
+                  <a:avLst/>
+                </a:prstGeom>
+              </p:spPr>
+            </p:pic>
+            <p:pic>
+              <p:nvPicPr>
+                <p:cNvPr id="35" name="Picture 34"/>
+                <p:cNvPicPr>
+                  <a:picLocks noChangeAspect="1"/>
+                </p:cNvPicPr>
+                <p:nvPr/>
+              </p:nvPicPr>
+              <p:blipFill>
+                <a:blip r:embed="rId16">
+                  <a:extLst>
+                    <a:ext uri="{28A0092B-C50C-407E-A947-70E740481C1C}">
+                      <a14:useLocalDpi xmlns:a14="http://schemas.microsoft.com/office/drawing/2010/main" val="0"/>
+                    </a:ext>
+                  </a:extLst>
+                </a:blip>
+                <a:stretch>
+                  <a:fillRect/>
+                </a:stretch>
+              </p:blipFill>
+              <p:spPr>
+                <a:xfrm>
+                  <a:off x="1452723" y="2347289"/>
+                  <a:ext cx="1010854" cy="842378"/>
+                </a:xfrm>
+                <a:prstGeom prst="rect">
+                  <a:avLst/>
+                </a:prstGeom>
+              </p:spPr>
+            </p:pic>
+          </p:grpSp>
+          <p:pic>
+            <p:nvPicPr>
+              <p:cNvPr id="22" name="Picture 21"/>
+              <p:cNvPicPr>
+                <a:picLocks noChangeAspect="1"/>
+              </p:cNvPicPr>
+              <p:nvPr/>
+            </p:nvPicPr>
+            <p:blipFill>
+              <a:blip r:embed="rId17">
+                <a:extLst>
+                  <a:ext uri="{28A0092B-C50C-407E-A947-70E740481C1C}">
+                    <a14:useLocalDpi xmlns:a14="http://schemas.microsoft.com/office/drawing/2010/main" val="0"/>
+                  </a:ext>
+                </a:extLst>
+              </a:blip>
+              <a:stretch>
+                <a:fillRect/>
+              </a:stretch>
+            </p:blipFill>
+            <p:spPr>
+              <a:xfrm>
+                <a:off x="3180907" y="3591100"/>
+                <a:ext cx="1082740" cy="660471"/>
+              </a:xfrm>
+              <a:prstGeom prst="rect">
+                <a:avLst/>
+              </a:prstGeom>
+            </p:spPr>
+          </p:pic>
+        </p:grpSp>
+        <p:pic>
+          <p:nvPicPr>
+            <p:cNvPr id="20" name="Picture 19"/>
+            <p:cNvPicPr>
+              <a:picLocks noChangeAspect="1"/>
+            </p:cNvPicPr>
+            <p:nvPr/>
+          </p:nvPicPr>
+          <p:blipFill>
+            <a:blip r:embed="rId18">
+              <a:extLst>
+                <a:ext uri="{28A0092B-C50C-407E-A947-70E740481C1C}">
+                  <a14:useLocalDpi xmlns:a14="http://schemas.microsoft.com/office/drawing/2010/main" val="0"/>
+                </a:ext>
+              </a:extLst>
+            </a:blip>
+            <a:stretch>
+              <a:fillRect/>
+            </a:stretch>
+          </p:blipFill>
+          <p:spPr>
+            <a:xfrm>
+              <a:off x="4319898" y="546863"/>
+              <a:ext cx="819362" cy="725223"/>
+            </a:xfrm>
+            <a:prstGeom prst="rect">
+              <a:avLst/>
+            </a:prstGeom>
+          </p:spPr>
+        </p:pic>
+      </p:grpSp>
+      <p:sp>
+        <p:nvSpPr>
+          <p:cNvPr id="36" name="TextBox 35"/>
+          <p:cNvSpPr txBox="1"/>
+          <p:nvPr/>
+        </p:nvSpPr>
+        <p:spPr>
+          <a:xfrm>
+            <a:off x="305354" y="2828886"/>
+            <a:ext cx="4576766" cy="369332"/>
+          </a:xfrm>
+          <a:prstGeom prst="rect">
+            <a:avLst/>
+          </a:prstGeom>
+          <a:noFill/>
+        </p:spPr>
+        <p:txBody>
+          <a:bodyPr wrap="none" rtlCol="0">
+            <a:spAutoFit/>
+          </a:bodyPr>
+          <a:lstStyle/>
+          <a:p>
+            <a:r>
+              <a:rPr lang="en-GB" dirty="0">
+                <a:solidFill>
+                  <a:schemeClr val="tx1">
+                    <a:lumMod val="65000"/>
+                    <a:lumOff val="35000"/>
+                  </a:schemeClr>
+                </a:solidFill>
+                <a:effectLst>
+                  <a:outerShdw blurRad="38100" dist="38100" dir="2700000" algn="tl">
+                    <a:srgbClr val="000000">
+                      <a:alpha val="43137"/>
+                    </a:srgbClr>
+                  </a:outerShdw>
+                </a:effectLst>
+              </a:rPr>
+              <a:t>Just some of the formats supported by Alteryx:</a:t>
+            </a:r>
+          </a:p>
+        </p:txBody>
+      </p:sp>
+      <p:sp>
+        <p:nvSpPr>
+          <p:cNvPr id="37" name="TextBox 36"/>
+          <p:cNvSpPr txBox="1"/>
+          <p:nvPr/>
+        </p:nvSpPr>
+        <p:spPr>
+          <a:xfrm>
+            <a:off x="305354" y="3553101"/>
+            <a:ext cx="3987182" cy="369332"/>
+          </a:xfrm>
+          <a:prstGeom prst="rect">
+            <a:avLst/>
+          </a:prstGeom>
+          <a:noFill/>
+        </p:spPr>
+        <p:txBody>
+          <a:bodyPr wrap="none" rtlCol="0">
+            <a:spAutoFit/>
+          </a:bodyPr>
+          <a:lstStyle/>
+          <a:p>
+            <a:r>
+              <a:rPr lang="en-GB" dirty="0">
+                <a:solidFill>
+                  <a:schemeClr val="tx1">
+                    <a:lumMod val="65000"/>
+                    <a:lumOff val="35000"/>
+                  </a:schemeClr>
+                </a:solidFill>
+                <a:effectLst>
+                  <a:outerShdw blurRad="38100" dist="38100" dir="2700000" algn="tl">
+                    <a:srgbClr val="000000">
+                      <a:alpha val="43137"/>
+                    </a:srgbClr>
+                  </a:outerShdw>
+                </a:effectLst>
+              </a:rPr>
+              <a:t>There are seven principle blending tools</a:t>
+            </a:r>
+          </a:p>
+        </p:txBody>
+      </p:sp>
+      <p:pic>
+        <p:nvPicPr>
+          <p:cNvPr id="38" name="Picture 37"/>
+          <p:cNvPicPr>
+            <a:picLocks noChangeAspect="1"/>
+          </p:cNvPicPr>
+          <p:nvPr/>
+        </p:nvPicPr>
+        <p:blipFill>
+          <a:blip r:embed="rId19"/>
+          <a:stretch>
+            <a:fillRect/>
+          </a:stretch>
+        </p:blipFill>
+        <p:spPr>
+          <a:xfrm>
+            <a:off x="79137" y="3922433"/>
+            <a:ext cx="5029200" cy="1466850"/>
+          </a:xfrm>
+          <a:prstGeom prst="rect">
+            <a:avLst/>
+          </a:prstGeom>
+        </p:spPr>
+      </p:pic>
     </p:spTree>
     <p:extLst>
       <p:ext uri="{BB962C8B-B14F-4D97-AF65-F5344CB8AC3E}">
-        <p14:creationId xmlns:p14="http://schemas.microsoft.com/office/powerpoint/2010/main" val="400598427"/>
+        <p14:creationId xmlns:p14="http://schemas.microsoft.com/office/powerpoint/2010/main" val="1938710834"/>
       </p:ext>
     </p:extLst>
   </p:cSld>
   <p:clrMapOvr>
     <a:masterClrMapping/>
   </p:clrMapOvr>
-  <p:timing>
-    <p:tnLst>
-      <p:par>
-        <p:cTn id="1" dur="indefinite" restart="never" nodeType="tmRoot"/>
-      </p:par>
-    </p:tnLst>
-  </p:timing>
 </p:sld>
 </file>
 
-<file path=ppt/slides/slide5.xml><?xml version="1.0" encoding="utf-8"?>
+<file path=ppt/slides/slide8.xml><?xml version="1.0" encoding="utf-8"?>
 <p:sld xmlns:a="http://schemas.openxmlformats.org/drawingml/2006/main" xmlns:r="http://schemas.openxmlformats.org/officeDocument/2006/relationships" xmlns:p="http://schemas.openxmlformats.org/presentationml/2006/main">
   <p:cSld>
     <p:spTree>
@@ -6481,7 +7455,7 @@
         <p:spPr>
           <a:xfrm>
             <a:off x="305354" y="928662"/>
-            <a:ext cx="11599586" cy="1200329"/>
+            <a:ext cx="9166420" cy="646331"/>
           </a:xfrm>
           <a:prstGeom prst="rect">
             <a:avLst/>
@@ -6494,12 +7468,8 @@
           </a:bodyPr>
           <a:lstStyle/>
           <a:p>
-            <a:pPr marL="285750" indent="-285750">
-              <a:buFont typeface="Arial" charset="0"/>
-              <a:buChar char="•"/>
-            </a:pPr>
-            <a:r>
-              <a:rPr lang="en-GB" dirty="0" smtClean="0">
+            <a:r>
+              <a:rPr lang="en-GB" dirty="0">
                 <a:solidFill>
                   <a:schemeClr val="tx1">
                     <a:lumMod val="65000"/>
@@ -6514,10 +7484,12 @@
                   </a:outerShdw>
                 </a:effectLst>
               </a:rPr>
-              <a:t>Data </a:t>
-            </a:r>
-            <a:r>
-              <a:rPr lang="en-GB" dirty="0" smtClean="0">
+              <a:t>Predictive analysis is about forecasting events using a range of statistical and machine learning</a:t>
+            </a:r>
+          </a:p>
+          <a:p>
+            <a:r>
+              <a:rPr lang="en-GB" dirty="0">
                 <a:solidFill>
                   <a:schemeClr val="tx1">
                     <a:lumMod val="65000"/>
@@ -6532,100 +7504,7 @@
                   </a:outerShdw>
                 </a:effectLst>
               </a:rPr>
-              <a:t>Analysts</a:t>
-            </a:r>
-            <a:endParaRPr lang="en-GB" dirty="0">
-              <a:solidFill>
-                <a:schemeClr val="tx1">
-                  <a:lumMod val="65000"/>
-                  <a:lumOff val="35000"/>
-                </a:schemeClr>
-              </a:solidFill>
-              <a:effectLst>
-                <a:outerShdw blurRad="38100" dist="38100" dir="2700000" algn="tl">
-                  <a:srgbClr val="000000">
-                    <a:alpha val="43137"/>
-                  </a:srgbClr>
-                </a:outerShdw>
-              </a:effectLst>
-            </a:endParaRPr>
-          </a:p>
-          <a:p>
-            <a:r>
-              <a:rPr lang="en-GB" dirty="0" smtClean="0">
-                <a:solidFill>
-                  <a:schemeClr val="tx1">
-                    <a:lumMod val="65000"/>
-                    <a:lumOff val="35000"/>
-                  </a:schemeClr>
-                </a:solidFill>
-                <a:effectLst>
-                  <a:outerShdw blurRad="38100" dist="38100" dir="2700000" algn="tl">
-                    <a:srgbClr val="000000">
-                      <a:alpha val="43137"/>
-                    </a:srgbClr>
-                  </a:outerShdw>
-                </a:effectLst>
-              </a:rPr>
-              <a:t>Analysts need to prep and blend data from databases, warehouses, spreadsheets, the cloud and many other sources.  The</a:t>
-            </a:r>
-          </a:p>
-          <a:p>
-            <a:r>
-              <a:rPr lang="en-GB" dirty="0" smtClean="0">
-                <a:solidFill>
-                  <a:schemeClr val="tx1">
-                    <a:lumMod val="65000"/>
-                    <a:lumOff val="35000"/>
-                  </a:schemeClr>
-                </a:solidFill>
-                <a:effectLst>
-                  <a:outerShdw blurRad="38100" dist="38100" dir="2700000" algn="tl">
-                    <a:srgbClr val="000000">
-                      <a:alpha val="43137"/>
-                    </a:srgbClr>
-                  </a:outerShdw>
-                </a:effectLst>
-              </a:rPr>
-              <a:t>mix of </a:t>
-            </a:r>
-            <a:r>
-              <a:rPr lang="en-GB" dirty="0" smtClean="0">
-                <a:solidFill>
-                  <a:schemeClr val="tx1">
-                    <a:lumMod val="65000"/>
-                    <a:lumOff val="35000"/>
-                  </a:schemeClr>
-                </a:solidFill>
-                <a:effectLst>
-                  <a:outerShdw blurRad="38100" dist="38100" dir="2700000" algn="tl">
-                    <a:srgbClr val="000000">
-                      <a:alpha val="43137"/>
-                    </a:srgbClr>
-                  </a:outerShdw>
-                </a:effectLst>
-              </a:rPr>
-              <a:t>data blending, preparation, investigation and predictive modelling tools all under one hat make Alteryx the perfect</a:t>
-            </a:r>
-          </a:p>
-          <a:p>
-            <a:r>
-              <a:rPr lang="en-GB" dirty="0" smtClean="0">
-                <a:solidFill>
-                  <a:schemeClr val="tx1">
-                    <a:lumMod val="65000"/>
-                    <a:lumOff val="35000"/>
-                  </a:schemeClr>
-                </a:solidFill>
-                <a:effectLst>
-                  <a:outerShdw blurRad="38100" dist="38100" dir="2700000" algn="tl">
-                    <a:srgbClr val="000000">
-                      <a:alpha val="43137"/>
-                    </a:srgbClr>
-                  </a:outerShdw>
-                </a:effectLst>
-              </a:rPr>
-              <a:t>companion for any analyst</a:t>
+              <a:t>techniques</a:t>
             </a:r>
           </a:p>
         </p:txBody>
@@ -6748,8 +7627,8 @@
         </p:nvSpPr>
         <p:spPr>
           <a:xfrm>
-            <a:off x="305354" y="2534433"/>
-            <a:ext cx="11014425" cy="923330"/>
+            <a:off x="305354" y="1936718"/>
+            <a:ext cx="10013767" cy="646331"/>
           </a:xfrm>
           <a:prstGeom prst="rect">
             <a:avLst/>
@@ -6762,12 +7641,8 @@
           </a:bodyPr>
           <a:lstStyle/>
           <a:p>
-            <a:pPr marL="285750" indent="-285750">
-              <a:buFont typeface="Arial" charset="0"/>
-              <a:buChar char="•"/>
-            </a:pPr>
-            <a:r>
-              <a:rPr lang="en-GB" dirty="0" smtClean="0">
+            <a:r>
+              <a:rPr lang="en-GB" dirty="0">
                 <a:solidFill>
                   <a:schemeClr val="tx1">
                     <a:lumMod val="65000"/>
@@ -6782,10 +7657,12 @@
                   </a:outerShdw>
                 </a:effectLst>
               </a:rPr>
-              <a:t>BI </a:t>
-            </a:r>
-            <a:r>
-              <a:rPr lang="en-GB" dirty="0" smtClean="0">
+              <a:t>By highlighting and extracting certain traits from our data we can identify trends and use these to predict</a:t>
+            </a:r>
+          </a:p>
+          <a:p>
+            <a:r>
+              <a:rPr lang="en-GB" dirty="0">
                 <a:solidFill>
                   <a:schemeClr val="tx1">
                     <a:lumMod val="65000"/>
@@ -6800,27 +7677,36 @@
                   </a:outerShdw>
                 </a:effectLst>
               </a:rPr>
-              <a:t>Developers</a:t>
-            </a:r>
-            <a:endParaRPr lang="en-GB" dirty="0">
-              <a:solidFill>
-                <a:schemeClr val="tx1">
-                  <a:lumMod val="65000"/>
-                  <a:lumOff val="35000"/>
-                </a:schemeClr>
-              </a:solidFill>
-              <a:effectLst>
-                <a:outerShdw blurRad="38100" dist="38100" dir="2700000" algn="tl">
-                  <a:srgbClr val="000000">
-                    <a:alpha val="43137"/>
-                  </a:srgbClr>
-                </a:outerShdw>
-              </a:effectLst>
-            </a:endParaRPr>
-          </a:p>
-          <a:p>
-            <a:r>
-              <a:rPr lang="en-GB" dirty="0" smtClean="0">
+              <a:t>behaviours which may occur / have occurred in the past, present or future</a:t>
+            </a:r>
+          </a:p>
+        </p:txBody>
+      </p:sp>
+      <p:sp>
+        <p:nvSpPr>
+          <p:cNvPr id="16" name="TextBox 15"/>
+          <p:cNvSpPr txBox="1"/>
+          <p:nvPr/>
+        </p:nvSpPr>
+        <p:spPr>
+          <a:xfrm>
+            <a:off x="68032" y="43717"/>
+            <a:ext cx="2885855" cy="523220"/>
+          </a:xfrm>
+          <a:prstGeom prst="rect">
+            <a:avLst/>
+          </a:prstGeom>
+          <a:noFill/>
+        </p:spPr>
+        <p:txBody>
+          <a:bodyPr wrap="none" rtlCol="0" anchor="ctr">
+            <a:spAutoFit/>
+          </a:bodyPr>
+          <a:lstStyle/>
+          <a:p>
+            <a:pPr algn="ctr"/>
+            <a:r>
+              <a:rPr lang="en-GB" sz="2800" dirty="0">
                 <a:solidFill>
                   <a:schemeClr val="tx1">
                     <a:lumMod val="65000"/>
@@ -6835,10 +7721,35 @@
                   </a:outerShdw>
                 </a:effectLst>
               </a:rPr>
-              <a:t>Again the ability to easily prepare and blend data, coupled </a:t>
-            </a:r>
-            <a:r>
-              <a:rPr lang="en-GB" dirty="0" smtClean="0">
+              <a:t>Predictive Analysis</a:t>
+            </a:r>
+          </a:p>
+        </p:txBody>
+      </p:sp>
+      <p:sp>
+        <p:nvSpPr>
+          <p:cNvPr id="15" name="TextBox 14"/>
+          <p:cNvSpPr txBox="1"/>
+          <p:nvPr/>
+        </p:nvSpPr>
+        <p:spPr>
+          <a:xfrm>
+            <a:off x="305354" y="2944774"/>
+            <a:ext cx="10207218" cy="646331"/>
+          </a:xfrm>
+          <a:prstGeom prst="rect">
+            <a:avLst/>
+          </a:prstGeom>
+          <a:noFill/>
+        </p:spPr>
+        <p:txBody>
+          <a:bodyPr wrap="none" rtlCol="0">
+            <a:spAutoFit/>
+          </a:bodyPr>
+          <a:lstStyle/>
+          <a:p>
+            <a:r>
+              <a:rPr lang="en-GB" dirty="0">
                 <a:solidFill>
                   <a:schemeClr val="tx1">
                     <a:lumMod val="65000"/>
@@ -6853,7 +7764,7 @@
                   </a:outerShdw>
                 </a:effectLst>
               </a:rPr>
-              <a:t>with tools for integrating into more traditional front-end </a:t>
+              <a:t>Alteryx Designer offers over 30 predictive tools based on the R statistical programming language.  Each tool</a:t>
             </a:r>
           </a:p>
           <a:p>
@@ -6873,354 +7784,121 @@
                   </a:outerShdw>
                 </a:effectLst>
               </a:rPr>
-              <a:t>v</a:t>
-            </a:r>
-            <a:r>
-              <a:rPr lang="en-GB" dirty="0" smtClean="0">
-                <a:solidFill>
-                  <a:schemeClr val="tx1">
-                    <a:lumMod val="65000"/>
-                    <a:lumOff val="35000"/>
-                  </a:schemeClr>
-                </a:solidFill>
-                <a:effectLst>
-                  <a:outerShdw blurRad="38100" dist="38100" dir="2700000" algn="tl">
-                    <a:srgbClr val="000000">
-                      <a:alpha val="43137"/>
-                    </a:srgbClr>
-                  </a:outerShdw>
-                </a:effectLst>
-              </a:rPr>
-              <a:t>isualisation packages such as Tableau, Qlik and Power BI make Alteryx an ideal Business Intelligence package.</a:t>
-            </a:r>
-            <a:endParaRPr lang="en-GB" dirty="0" smtClean="0">
-              <a:solidFill>
-                <a:schemeClr val="tx1">
-                  <a:lumMod val="65000"/>
-                  <a:lumOff val="35000"/>
-                </a:schemeClr>
-              </a:solidFill>
-              <a:effectLst>
-                <a:outerShdw blurRad="38100" dist="38100" dir="2700000" algn="tl">
-                  <a:srgbClr val="000000">
-                    <a:alpha val="43137"/>
-                  </a:srgbClr>
-                </a:outerShdw>
-              </a:effectLst>
-            </a:endParaRPr>
-          </a:p>
-        </p:txBody>
-      </p:sp>
-      <p:sp>
-        <p:nvSpPr>
-          <p:cNvPr id="16" name="TextBox 15"/>
-          <p:cNvSpPr txBox="1"/>
+              <a:t>is highly customisable to meet your specific needs</a:t>
+            </a:r>
+          </a:p>
+        </p:txBody>
+      </p:sp>
+      <p:pic>
+        <p:nvPicPr>
+          <p:cNvPr id="3" name="Picture 2"/>
+          <p:cNvPicPr>
+            <a:picLocks noChangeAspect="1"/>
+          </p:cNvPicPr>
           <p:nvPr/>
-        </p:nvSpPr>
+        </p:nvPicPr>
+        <p:blipFill>
+          <a:blip r:embed="rId4"/>
+          <a:stretch>
+            <a:fillRect/>
+          </a:stretch>
+        </p:blipFill>
         <p:spPr>
           <a:xfrm>
-            <a:off x="0" y="0"/>
-            <a:ext cx="4204357" cy="523220"/>
+            <a:off x="447136" y="3601848"/>
+            <a:ext cx="3362325" cy="3057525"/>
           </a:xfrm>
           <a:prstGeom prst="rect">
             <a:avLst/>
           </a:prstGeom>
-          <a:noFill/>
         </p:spPr>
-        <p:txBody>
-          <a:bodyPr wrap="none" rtlCol="0" anchor="ctr">
-            <a:spAutoFit/>
-          </a:bodyPr>
-          <a:lstStyle/>
-          <a:p>
-            <a:pPr algn="ctr"/>
-            <a:r>
-              <a:rPr lang="en-GB" sz="2800" dirty="0" smtClean="0">
-                <a:solidFill>
-                  <a:schemeClr val="tx1">
-                    <a:lumMod val="65000"/>
-                    <a:lumOff val="35000"/>
-                  </a:schemeClr>
-                </a:solidFill>
-                <a:effectLst>
-                  <a:outerShdw blurRad="38100" dist="38100" dir="2700000" algn="tl">
-                    <a:srgbClr val="000000">
-                      <a:alpha val="43137"/>
-                    </a:srgbClr>
-                  </a:outerShdw>
-                </a:effectLst>
-              </a:rPr>
-              <a:t>Who uses Alteryx and why?</a:t>
-            </a:r>
-            <a:endParaRPr lang="en-GB" sz="2800" dirty="0">
-              <a:solidFill>
-                <a:schemeClr val="tx1">
-                  <a:lumMod val="65000"/>
-                  <a:lumOff val="35000"/>
-                </a:schemeClr>
-              </a:solidFill>
-              <a:effectLst>
-                <a:outerShdw blurRad="38100" dist="38100" dir="2700000" algn="tl">
-                  <a:srgbClr val="000000">
-                    <a:alpha val="43137"/>
-                  </a:srgbClr>
-                </a:outerShdw>
-              </a:effectLst>
-            </a:endParaRPr>
-          </a:p>
-        </p:txBody>
-      </p:sp>
-      <p:sp>
-        <p:nvSpPr>
-          <p:cNvPr id="17" name="TextBox 16"/>
-          <p:cNvSpPr txBox="1"/>
+      </p:pic>
+      <p:pic>
+        <p:nvPicPr>
+          <p:cNvPr id="4" name="Picture 3"/>
+          <p:cNvPicPr>
+            <a:picLocks noChangeAspect="1"/>
+          </p:cNvPicPr>
           <p:nvPr/>
-        </p:nvSpPr>
+        </p:nvPicPr>
+        <p:blipFill>
+          <a:blip r:embed="rId5"/>
+          <a:stretch>
+            <a:fillRect/>
+          </a:stretch>
+        </p:blipFill>
         <p:spPr>
           <a:xfrm>
-            <a:off x="305354" y="3858210"/>
-            <a:ext cx="10716395" cy="1200329"/>
+            <a:off x="3809461" y="3601848"/>
+            <a:ext cx="1428750" cy="1666875"/>
           </a:xfrm>
           <a:prstGeom prst="rect">
             <a:avLst/>
           </a:prstGeom>
-          <a:noFill/>
         </p:spPr>
-        <p:txBody>
-          <a:bodyPr wrap="none" rtlCol="0">
-            <a:spAutoFit/>
-          </a:bodyPr>
-          <a:lstStyle/>
-          <a:p>
-            <a:pPr marL="285750" indent="-285750">
-              <a:buFont typeface="Arial" charset="0"/>
-              <a:buChar char="•"/>
-            </a:pPr>
-            <a:r>
-              <a:rPr lang="en-GB" dirty="0" smtClean="0">
-                <a:solidFill>
-                  <a:schemeClr val="tx1">
-                    <a:lumMod val="65000"/>
-                    <a:lumOff val="35000"/>
-                  </a:schemeClr>
-                </a:solidFill>
-                <a:effectLst>
-                  <a:outerShdw blurRad="38100" dist="38100" dir="2700000" algn="tl">
-                    <a:srgbClr val="000000">
-                      <a:alpha val="43137"/>
-                    </a:srgbClr>
-                  </a:outerShdw>
-                </a:effectLst>
-              </a:rPr>
-              <a:t>DBA's</a:t>
-            </a:r>
-          </a:p>
-          <a:p>
-            <a:r>
-              <a:rPr lang="en-GB" dirty="0" smtClean="0">
-                <a:solidFill>
-                  <a:schemeClr val="tx1">
-                    <a:lumMod val="65000"/>
-                    <a:lumOff val="35000"/>
-                  </a:schemeClr>
-                </a:solidFill>
-                <a:effectLst>
-                  <a:outerShdw blurRad="38100" dist="38100" dir="2700000" algn="tl">
-                    <a:srgbClr val="000000">
-                      <a:alpha val="43137"/>
-                    </a:srgbClr>
-                  </a:outerShdw>
-                </a:effectLst>
-              </a:rPr>
-              <a:t>The ability to integrate with multiple data sources and a range of in-database tools makes creating ETL processes</a:t>
-            </a:r>
-          </a:p>
-          <a:p>
-            <a:r>
-              <a:rPr lang="en-GB" dirty="0" smtClean="0">
-                <a:solidFill>
-                  <a:schemeClr val="tx1">
-                    <a:lumMod val="65000"/>
-                    <a:lumOff val="35000"/>
-                  </a:schemeClr>
-                </a:solidFill>
-                <a:effectLst>
-                  <a:outerShdw blurRad="38100" dist="38100" dir="2700000" algn="tl">
-                    <a:srgbClr val="000000">
-                      <a:alpha val="43137"/>
-                    </a:srgbClr>
-                  </a:outerShdw>
-                </a:effectLst>
-              </a:rPr>
-              <a:t>a breeze.  On a Stack Overflow post several users stated they've never gone back to SSIS since acquiring Alteryx</a:t>
-            </a:r>
-          </a:p>
-          <a:p>
-            <a:r>
-              <a:rPr lang="en-GB" dirty="0" smtClean="0">
-                <a:solidFill>
-                  <a:schemeClr val="tx1">
-                    <a:lumMod val="65000"/>
-                    <a:lumOff val="35000"/>
-                  </a:schemeClr>
-                </a:solidFill>
-                <a:effectLst>
-                  <a:outerShdw blurRad="38100" dist="38100" dir="2700000" algn="tl">
-                    <a:srgbClr val="000000">
-                      <a:alpha val="43137"/>
-                    </a:srgbClr>
-                  </a:outerShdw>
-                </a:effectLst>
-              </a:rPr>
-              <a:t>http://</a:t>
-            </a:r>
-            <a:r>
-              <a:rPr lang="en-GB" dirty="0" err="1" smtClean="0">
-                <a:solidFill>
-                  <a:schemeClr val="tx1">
-                    <a:lumMod val="65000"/>
-                    <a:lumOff val="35000"/>
-                  </a:schemeClr>
-                </a:solidFill>
-                <a:effectLst>
-                  <a:outerShdw blurRad="38100" dist="38100" dir="2700000" algn="tl">
-                    <a:srgbClr val="000000">
-                      <a:alpha val="43137"/>
-                    </a:srgbClr>
-                  </a:outerShdw>
-                </a:effectLst>
-              </a:rPr>
-              <a:t>bit.ly</a:t>
-            </a:r>
-            <a:r>
-              <a:rPr lang="en-GB" dirty="0" smtClean="0">
-                <a:solidFill>
-                  <a:schemeClr val="tx1">
-                    <a:lumMod val="65000"/>
-                    <a:lumOff val="35000"/>
-                  </a:schemeClr>
-                </a:solidFill>
-                <a:effectLst>
-                  <a:outerShdw blurRad="38100" dist="38100" dir="2700000" algn="tl">
-                    <a:srgbClr val="000000">
-                      <a:alpha val="43137"/>
-                    </a:srgbClr>
-                  </a:outerShdw>
-                </a:effectLst>
-              </a:rPr>
-              <a:t>/2cPCHHg</a:t>
-            </a:r>
-          </a:p>
-        </p:txBody>
-      </p:sp>
-      <p:sp>
-        <p:nvSpPr>
-          <p:cNvPr id="18" name="TextBox 17"/>
-          <p:cNvSpPr txBox="1"/>
+      </p:pic>
+      <p:pic>
+        <p:nvPicPr>
+          <p:cNvPr id="5" name="Picture 4"/>
+          <p:cNvPicPr>
+            <a:picLocks noChangeAspect="1"/>
+          </p:cNvPicPr>
           <p:nvPr/>
-        </p:nvSpPr>
+        </p:nvPicPr>
+        <p:blipFill>
+          <a:blip r:embed="rId6"/>
+          <a:stretch>
+            <a:fillRect/>
+          </a:stretch>
+        </p:blipFill>
         <p:spPr>
           <a:xfrm>
-            <a:off x="305354" y="5458986"/>
-            <a:ext cx="11291617" cy="923330"/>
+            <a:off x="5238211" y="3997135"/>
+            <a:ext cx="2571750" cy="2266950"/>
           </a:xfrm>
           <a:prstGeom prst="rect">
             <a:avLst/>
           </a:prstGeom>
-          <a:noFill/>
         </p:spPr>
-        <p:txBody>
-          <a:bodyPr wrap="none" rtlCol="0">
-            <a:spAutoFit/>
-          </a:bodyPr>
-          <a:lstStyle/>
-          <a:p>
-            <a:pPr marL="285750" indent="-285750">
-              <a:buFont typeface="Arial" charset="0"/>
-              <a:buChar char="•"/>
-            </a:pPr>
-            <a:r>
-              <a:rPr lang="en-GB" dirty="0" smtClean="0">
-                <a:solidFill>
-                  <a:schemeClr val="tx1">
-                    <a:lumMod val="65000"/>
-                    <a:lumOff val="35000"/>
-                  </a:schemeClr>
-                </a:solidFill>
-                <a:effectLst>
-                  <a:outerShdw blurRad="38100" dist="38100" dir="2700000" algn="tl">
-                    <a:srgbClr val="000000">
-                      <a:alpha val="43137"/>
-                    </a:srgbClr>
-                  </a:outerShdw>
-                </a:effectLst>
-              </a:rPr>
-              <a:t>You!</a:t>
-            </a:r>
-          </a:p>
-          <a:p>
-            <a:r>
-              <a:rPr lang="en-GB" dirty="0" smtClean="0">
-                <a:solidFill>
-                  <a:schemeClr val="tx1">
-                    <a:lumMod val="65000"/>
-                    <a:lumOff val="35000"/>
-                  </a:schemeClr>
-                </a:solidFill>
-                <a:effectLst>
-                  <a:outerShdw blurRad="38100" dist="38100" dir="2700000" algn="tl">
-                    <a:srgbClr val="000000">
-                      <a:alpha val="43137"/>
-                    </a:srgbClr>
-                  </a:outerShdw>
-                </a:effectLst>
-              </a:rPr>
-              <a:t>Who knows their data better than the data-owners?  Alteryx simple and intuitive interface means you can gain insights</a:t>
-            </a:r>
-          </a:p>
-          <a:p>
-            <a:r>
-              <a:rPr lang="en-GB" dirty="0" smtClean="0">
-                <a:solidFill>
-                  <a:schemeClr val="tx1">
-                    <a:lumMod val="65000"/>
-                    <a:lumOff val="35000"/>
-                  </a:schemeClr>
-                </a:solidFill>
-                <a:effectLst>
-                  <a:outerShdw blurRad="38100" dist="38100" dir="2700000" algn="tl">
-                    <a:srgbClr val="000000">
-                      <a:alpha val="43137"/>
-                    </a:srgbClr>
-                  </a:outerShdw>
-                </a:effectLst>
-              </a:rPr>
-              <a:t>whatever your background.</a:t>
-            </a:r>
-          </a:p>
-        </p:txBody>
-      </p:sp>
+      </p:pic>
+      <p:pic>
+        <p:nvPicPr>
+          <p:cNvPr id="6" name="Picture 5"/>
+          <p:cNvPicPr>
+            <a:picLocks noChangeAspect="1"/>
+          </p:cNvPicPr>
+          <p:nvPr/>
+        </p:nvPicPr>
+        <p:blipFill>
+          <a:blip r:embed="rId7"/>
+          <a:stretch>
+            <a:fillRect/>
+          </a:stretch>
+        </p:blipFill>
+        <p:spPr>
+          <a:xfrm>
+            <a:off x="7809961" y="3401823"/>
+            <a:ext cx="2105025" cy="1866900"/>
+          </a:xfrm>
+          <a:prstGeom prst="rect">
+            <a:avLst/>
+          </a:prstGeom>
+        </p:spPr>
+      </p:pic>
     </p:spTree>
     <p:extLst>
       <p:ext uri="{BB962C8B-B14F-4D97-AF65-F5344CB8AC3E}">
-        <p14:creationId xmlns:p14="http://schemas.microsoft.com/office/powerpoint/2010/main" val="135275109"/>
+        <p14:creationId xmlns:p14="http://schemas.microsoft.com/office/powerpoint/2010/main" val="862696307"/>
       </p:ext>
     </p:extLst>
   </p:cSld>
   <p:clrMapOvr>
     <a:masterClrMapping/>
   </p:clrMapOvr>
-  <p:timing>
-    <p:tnLst>
-      <p:par>
-        <p:cTn id="1" dur="indefinite" restart="never" nodeType="tmRoot"/>
-      </p:par>
-    </p:tnLst>
-  </p:timing>
 </p:sld>
 </file>
 
-<file path=ppt/slides/slide6.xml><?xml version="1.0" encoding="utf-8"?>
+<file path=ppt/slides/slide9.xml><?xml version="1.0" encoding="utf-8"?>
 <p:sld xmlns:a="http://schemas.openxmlformats.org/drawingml/2006/main" xmlns:r="http://schemas.openxmlformats.org/officeDocument/2006/relationships" xmlns:p="http://schemas.openxmlformats.org/presentationml/2006/main">
   <p:cSld>
     <p:spTree>
@@ -7246,7 +7924,7 @@
         <p:spPr>
           <a:xfrm>
             <a:off x="305354" y="928662"/>
-            <a:ext cx="7235955" cy="369332"/>
+            <a:ext cx="5769208" cy="369332"/>
           </a:xfrm>
           <a:prstGeom prst="rect">
             <a:avLst/>
@@ -7260,7 +7938,7 @@
           <a:lstStyle/>
           <a:p>
             <a:r>
-              <a:rPr lang="en-GB" dirty="0" smtClean="0">
+              <a:rPr lang="en-GB" dirty="0">
                 <a:solidFill>
                   <a:schemeClr val="tx1">
                     <a:lumMod val="65000"/>
@@ -7275,7 +7953,7 @@
                   </a:outerShdw>
                 </a:effectLst>
               </a:rPr>
-              <a:t>It is often said Analysts spend 80% of their time prepping and cleaning data</a:t>
+              <a:t>Before you can analyse your data you need to understand it</a:t>
             </a:r>
           </a:p>
         </p:txBody>
@@ -7392,14 +8070,14 @@
       </p:grpSp>
       <p:sp>
         <p:nvSpPr>
-          <p:cNvPr id="8" name="TextBox 7"/>
+          <p:cNvPr id="16" name="TextBox 15"/>
           <p:cNvSpPr txBox="1"/>
           <p:nvPr/>
         </p:nvSpPr>
         <p:spPr>
           <a:xfrm>
-            <a:off x="305354" y="1680359"/>
-            <a:ext cx="9761327" cy="646331"/>
+            <a:off x="0" y="35042"/>
+            <a:ext cx="2832891" cy="523220"/>
           </a:xfrm>
           <a:prstGeom prst="rect">
             <a:avLst/>
@@ -7407,13 +8085,14 @@
           <a:noFill/>
         </p:spPr>
         <p:txBody>
-          <a:bodyPr wrap="none" rtlCol="0">
+          <a:bodyPr wrap="none" rtlCol="0" anchor="ctr">
             <a:spAutoFit/>
           </a:bodyPr>
           <a:lstStyle/>
           <a:p>
-            <a:r>
-              <a:rPr lang="en-GB" dirty="0" smtClean="0">
+            <a:pPr algn="ctr"/>
+            <a:r>
+              <a:rPr lang="en-GB" sz="2800" dirty="0">
                 <a:solidFill>
                   <a:schemeClr val="tx1">
                     <a:lumMod val="65000"/>
@@ -7428,12 +8107,35 @@
                   </a:outerShdw>
                 </a:effectLst>
               </a:rPr>
-              <a:t>According to users of Alteryx, Designer cuts data prep by 30% leaving more time for testing hypothesis</a:t>
-            </a:r>
-          </a:p>
-          <a:p>
-            <a:r>
-              <a:rPr lang="en-GB" dirty="0" smtClean="0">
+              <a:t>Statistical Analysis</a:t>
+            </a:r>
+          </a:p>
+        </p:txBody>
+      </p:sp>
+      <p:sp>
+        <p:nvSpPr>
+          <p:cNvPr id="14" name="TextBox 13"/>
+          <p:cNvSpPr txBox="1"/>
+          <p:nvPr/>
+        </p:nvSpPr>
+        <p:spPr>
+          <a:xfrm>
+            <a:off x="305354" y="1668394"/>
+            <a:ext cx="9700989" cy="646331"/>
+          </a:xfrm>
+          <a:prstGeom prst="rect">
+            <a:avLst/>
+          </a:prstGeom>
+          <a:noFill/>
+        </p:spPr>
+        <p:txBody>
+          <a:bodyPr wrap="none" rtlCol="0">
+            <a:spAutoFit/>
+          </a:bodyPr>
+          <a:lstStyle/>
+          <a:p>
+            <a:r>
+              <a:rPr lang="en-GB" dirty="0">
                 <a:solidFill>
                   <a:schemeClr val="tx1">
                     <a:lumMod val="65000"/>
@@ -7448,36 +8150,12 @@
                   </a:outerShdw>
                 </a:effectLst>
               </a:rPr>
-              <a:t>and evaluating models</a:t>
-            </a:r>
-          </a:p>
-        </p:txBody>
-      </p:sp>
-      <p:sp>
-        <p:nvSpPr>
-          <p:cNvPr id="16" name="TextBox 15"/>
-          <p:cNvSpPr txBox="1"/>
-          <p:nvPr/>
-        </p:nvSpPr>
-        <p:spPr>
-          <a:xfrm>
-            <a:off x="0" y="23077"/>
-            <a:ext cx="2661178" cy="523220"/>
-          </a:xfrm>
-          <a:prstGeom prst="rect">
-            <a:avLst/>
-          </a:prstGeom>
-          <a:noFill/>
-        </p:spPr>
-        <p:txBody>
-          <a:bodyPr wrap="none" rtlCol="0" anchor="ctr">
-            <a:spAutoFit/>
-          </a:bodyPr>
-          <a:lstStyle/>
-          <a:p>
-            <a:pPr algn="ctr"/>
-            <a:r>
-              <a:rPr lang="en-GB" sz="2800" dirty="0" smtClean="0">
+              <a:t>Statistical Analysis is about scrutinising and summarising your data to understand its nature and make</a:t>
+            </a:r>
+          </a:p>
+          <a:p>
+            <a:r>
+              <a:rPr lang="en-GB" dirty="0">
                 <a:solidFill>
                   <a:schemeClr val="tx1">
                     <a:lumMod val="65000"/>
@@ -7492,36 +8170,21 @@
                   </a:outerShdw>
                 </a:effectLst>
               </a:rPr>
-              <a:t>Data Preparation</a:t>
-            </a:r>
-            <a:endParaRPr lang="en-GB" sz="2800" dirty="0">
-              <a:solidFill>
-                <a:schemeClr val="tx1">
-                  <a:lumMod val="65000"/>
-                  <a:lumOff val="35000"/>
-                </a:schemeClr>
-              </a:solidFill>
-              <a:effectLst>
-                <a:outerShdw blurRad="38100" dist="38100" dir="2700000" algn="tl">
-                  <a:srgbClr val="000000">
-                    <a:alpha val="43137"/>
-                  </a:srgbClr>
-                </a:outerShdw>
-              </a:effectLst>
-            </a:endParaRPr>
-          </a:p>
-        </p:txBody>
-      </p:sp>
-      <p:sp>
-        <p:nvSpPr>
-          <p:cNvPr id="18" name="TextBox 17"/>
+              <a:t>inferences from your sample about the larger population</a:t>
+            </a:r>
+          </a:p>
+        </p:txBody>
+      </p:sp>
+      <p:sp>
+        <p:nvSpPr>
+          <p:cNvPr id="15" name="TextBox 14"/>
           <p:cNvSpPr txBox="1"/>
           <p:nvPr/>
         </p:nvSpPr>
         <p:spPr>
           <a:xfrm>
-            <a:off x="305353" y="2709055"/>
-            <a:ext cx="8000845" cy="369332"/>
+            <a:off x="305354" y="2685125"/>
+            <a:ext cx="10219336" cy="646331"/>
           </a:xfrm>
           <a:prstGeom prst="rect">
             <a:avLst/>
@@ -7535,7 +8198,7 @@
           <a:lstStyle/>
           <a:p>
             <a:r>
-              <a:rPr lang="en-GB" dirty="0" smtClean="0">
+              <a:rPr lang="en-GB" dirty="0">
                 <a:solidFill>
                   <a:schemeClr val="tx1">
                     <a:lumMod val="65000"/>
@@ -7550,35 +8213,92 @@
                   </a:outerShdw>
                 </a:effectLst>
               </a:rPr>
-              <a:t>The Data Preparation palette offers 20 standard tools with a range of capabilities</a:t>
+              <a:t>Identifying trends in your dataset is the best and easiest way to gain insights about your business and is the</a:t>
+            </a:r>
+          </a:p>
+          <a:p>
+            <a:r>
+              <a:rPr lang="en-GB" dirty="0">
+                <a:solidFill>
+                  <a:schemeClr val="tx1">
+                    <a:lumMod val="65000"/>
+                    <a:lumOff val="35000"/>
+                  </a:schemeClr>
+                </a:solidFill>
+                <a:effectLst>
+                  <a:outerShdw blurRad="38100" dist="38100" dir="2700000" algn="tl">
+                    <a:srgbClr val="000000">
+                      <a:alpha val="43137"/>
+                    </a:srgbClr>
+                  </a:outerShdw>
+                </a:effectLst>
+              </a:rPr>
+              <a:t>first step in building predictive models</a:t>
+            </a:r>
+          </a:p>
+        </p:txBody>
+      </p:sp>
+      <p:sp>
+        <p:nvSpPr>
+          <p:cNvPr id="17" name="TextBox 16"/>
+          <p:cNvSpPr txBox="1"/>
+          <p:nvPr/>
+        </p:nvSpPr>
+        <p:spPr>
+          <a:xfrm>
+            <a:off x="305354" y="3701856"/>
+            <a:ext cx="7244740" cy="369332"/>
+          </a:xfrm>
+          <a:prstGeom prst="rect">
+            <a:avLst/>
+          </a:prstGeom>
+          <a:noFill/>
+        </p:spPr>
+        <p:txBody>
+          <a:bodyPr wrap="none" rtlCol="0">
+            <a:spAutoFit/>
+          </a:bodyPr>
+          <a:lstStyle/>
+          <a:p>
+            <a:r>
+              <a:rPr lang="en-GB" dirty="0">
+                <a:solidFill>
+                  <a:schemeClr val="tx1">
+                    <a:lumMod val="65000"/>
+                    <a:lumOff val="35000"/>
+                  </a:schemeClr>
+                </a:solidFill>
+                <a:effectLst>
+                  <a:outerShdw blurRad="38100" dist="38100" dir="2700000" algn="tl">
+                    <a:srgbClr val="000000">
+                      <a:alpha val="43137"/>
+                    </a:srgbClr>
+                  </a:outerShdw>
+                </a:effectLst>
+              </a:rPr>
+              <a:t>Alteryx offers an array of statistical tools for carrying out data investigations</a:t>
             </a:r>
           </a:p>
         </p:txBody>
       </p:sp>
       <p:pic>
         <p:nvPicPr>
-          <p:cNvPr id="14" name="Picture 13"/>
+          <p:cNvPr id="2" name="Picture 1"/>
           <p:cNvPicPr>
             <a:picLocks noChangeAspect="1"/>
           </p:cNvPicPr>
           <p:nvPr/>
         </p:nvPicPr>
         <p:blipFill>
-          <a:blip r:embed="rId4">
-            <a:extLst>
-              <a:ext uri="{28A0092B-C50C-407E-A947-70E740481C1C}">
-                <a14:useLocalDpi xmlns:a14="http://schemas.microsoft.com/office/drawing/2010/main" val="0"/>
-              </a:ext>
-            </a:extLst>
-          </a:blip>
+          <a:blip r:embed="rId4"/>
           <a:stretch>
             <a:fillRect/>
           </a:stretch>
         </p:blipFill>
         <p:spPr>
           <a:xfrm>
-            <a:off x="130473" y="3458270"/>
-            <a:ext cx="11882112" cy="485771"/>
+            <a:off x="883885" y="4807348"/>
+            <a:ext cx="8543925" cy="628650"/>
           </a:xfrm>
           <a:prstGeom prst="rect">
             <a:avLst/>
@@ -7588,1504 +8308,13 @@
     </p:spTree>
     <p:extLst>
       <p:ext uri="{BB962C8B-B14F-4D97-AF65-F5344CB8AC3E}">
-        <p14:creationId xmlns:p14="http://schemas.microsoft.com/office/powerpoint/2010/main" val="1298574701"/>
+        <p14:creationId xmlns:p14="http://schemas.microsoft.com/office/powerpoint/2010/main" val="628945371"/>
       </p:ext>
     </p:extLst>
   </p:cSld>
   <p:clrMapOvr>
     <a:masterClrMapping/>
   </p:clrMapOvr>
-  <p:timing>
-    <p:tnLst>
-      <p:par>
-        <p:cTn id="1" dur="indefinite" restart="never" nodeType="tmRoot"/>
-      </p:par>
-    </p:tnLst>
-  </p:timing>
-</p:sld>
-</file>
-
-<file path=ppt/slides/slide7.xml><?xml version="1.0" encoding="utf-8"?>
-<p:sld xmlns:a="http://schemas.openxmlformats.org/drawingml/2006/main" xmlns:r="http://schemas.openxmlformats.org/officeDocument/2006/relationships" xmlns:p="http://schemas.openxmlformats.org/presentationml/2006/main">
-  <p:cSld>
-    <p:spTree>
-      <p:nvGrpSpPr>
-        <p:cNvPr id="1" name=""/>
-        <p:cNvGrpSpPr/>
-        <p:nvPr/>
-      </p:nvGrpSpPr>
-      <p:grpSpPr>
-        <a:xfrm>
-          <a:off x="0" y="0"/>
-          <a:ext cx="0" cy="0"/>
-          <a:chOff x="0" y="0"/>
-          <a:chExt cx="0" cy="0"/>
-        </a:xfrm>
-      </p:grpSpPr>
-      <p:sp>
-        <p:nvSpPr>
-          <p:cNvPr id="9" name="TextBox 8"/>
-          <p:cNvSpPr txBox="1"/>
-          <p:nvPr/>
-        </p:nvSpPr>
-        <p:spPr>
-          <a:xfrm>
-            <a:off x="305354" y="928662"/>
-            <a:ext cx="10757047" cy="646331"/>
-          </a:xfrm>
-          <a:prstGeom prst="rect">
-            <a:avLst/>
-          </a:prstGeom>
-          <a:noFill/>
-        </p:spPr>
-        <p:txBody>
-          <a:bodyPr wrap="none" rtlCol="0">
-            <a:spAutoFit/>
-          </a:bodyPr>
-          <a:lstStyle/>
-          <a:p>
-            <a:r>
-              <a:rPr lang="en-GB" dirty="0" smtClean="0">
-                <a:solidFill>
-                  <a:schemeClr val="tx1">
-                    <a:lumMod val="65000"/>
-                    <a:lumOff val="35000"/>
-                  </a:schemeClr>
-                </a:solidFill>
-                <a:effectLst>
-                  <a:outerShdw blurRad="38100" dist="38100" dir="2700000" algn="tl">
-                    <a:srgbClr val="000000">
-                      <a:alpha val="43137"/>
-                    </a:srgbClr>
-                  </a:outerShdw>
-                </a:effectLst>
-              </a:rPr>
-              <a:t>Many of us face the reality that our data is not stored in just one system.  Accessing and blending that data is just</a:t>
-            </a:r>
-          </a:p>
-          <a:p>
-            <a:r>
-              <a:rPr lang="en-GB" dirty="0" smtClean="0">
-                <a:solidFill>
-                  <a:schemeClr val="tx1">
-                    <a:lumMod val="65000"/>
-                    <a:lumOff val="35000"/>
-                  </a:schemeClr>
-                </a:solidFill>
-                <a:effectLst>
-                  <a:outerShdw blurRad="38100" dist="38100" dir="2700000" algn="tl">
-                    <a:srgbClr val="000000">
-                      <a:alpha val="43137"/>
-                    </a:srgbClr>
-                  </a:outerShdw>
-                </a:effectLst>
-              </a:rPr>
-              <a:t>one step in the analytic workflow</a:t>
-            </a:r>
-          </a:p>
-        </p:txBody>
-      </p:sp>
-      <p:grpSp>
-        <p:nvGrpSpPr>
-          <p:cNvPr id="13" name="Group 12"/>
-          <p:cNvGrpSpPr/>
-          <p:nvPr/>
-        </p:nvGrpSpPr>
-        <p:grpSpPr>
-          <a:xfrm>
-            <a:off x="8690753" y="6076841"/>
-            <a:ext cx="3439005" cy="781159"/>
-            <a:chOff x="4167739" y="5299927"/>
-            <a:chExt cx="3439005" cy="781159"/>
-          </a:xfrm>
-        </p:grpSpPr>
-        <p:pic>
-          <p:nvPicPr>
-            <p:cNvPr id="10" name="Picture 9"/>
-            <p:cNvPicPr>
-              <a:picLocks noChangeAspect="1"/>
-            </p:cNvPicPr>
-            <p:nvPr/>
-          </p:nvPicPr>
-          <p:blipFill>
-            <a:blip r:embed="rId2">
-              <a:extLst>
-                <a:ext uri="{28A0092B-C50C-407E-A947-70E740481C1C}">
-                  <a14:useLocalDpi xmlns:a14="http://schemas.microsoft.com/office/drawing/2010/main" val="0"/>
-                </a:ext>
-              </a:extLst>
-            </a:blip>
-            <a:stretch>
-              <a:fillRect/>
-            </a:stretch>
-          </p:blipFill>
-          <p:spPr>
-            <a:xfrm>
-              <a:off x="4167739" y="5299927"/>
-              <a:ext cx="1848108" cy="781159"/>
-            </a:xfrm>
-            <a:prstGeom prst="rect">
-              <a:avLst/>
-            </a:prstGeom>
-          </p:spPr>
-        </p:pic>
-        <p:pic>
-          <p:nvPicPr>
-            <p:cNvPr id="11" name="Picture 10"/>
-            <p:cNvPicPr>
-              <a:picLocks noChangeAspect="1"/>
-            </p:cNvPicPr>
-            <p:nvPr/>
-          </p:nvPicPr>
-          <p:blipFill>
-            <a:blip r:embed="rId3">
-              <a:extLst>
-                <a:ext uri="{28A0092B-C50C-407E-A947-70E740481C1C}">
-                  <a14:useLocalDpi xmlns:a14="http://schemas.microsoft.com/office/drawing/2010/main" val="0"/>
-                </a:ext>
-              </a:extLst>
-            </a:blip>
-            <a:stretch>
-              <a:fillRect/>
-            </a:stretch>
-          </p:blipFill>
-          <p:spPr>
-            <a:xfrm>
-              <a:off x="6015847" y="5390426"/>
-              <a:ext cx="1590897" cy="600159"/>
-            </a:xfrm>
-            <a:prstGeom prst="rect">
-              <a:avLst/>
-            </a:prstGeom>
-          </p:spPr>
-        </p:pic>
-        <p:sp>
-          <p:nvSpPr>
-            <p:cNvPr id="12" name="TextBox 11"/>
-            <p:cNvSpPr txBox="1"/>
-            <p:nvPr/>
-          </p:nvSpPr>
-          <p:spPr>
-            <a:xfrm>
-              <a:off x="5805693" y="5336562"/>
-              <a:ext cx="420308" cy="707886"/>
-            </a:xfrm>
-            <a:prstGeom prst="rect">
-              <a:avLst/>
-            </a:prstGeom>
-            <a:noFill/>
-          </p:spPr>
-          <p:txBody>
-            <a:bodyPr wrap="none" rtlCol="0">
-              <a:spAutoFit/>
-            </a:bodyPr>
-            <a:lstStyle/>
-            <a:p>
-              <a:r>
-                <a:rPr lang="en-GB" sz="4000" dirty="0">
-                  <a:solidFill>
-                    <a:schemeClr val="bg2">
-                      <a:lumMod val="90000"/>
-                    </a:schemeClr>
-                  </a:solidFill>
-                </a:rPr>
-                <a:t>|</a:t>
-              </a:r>
-            </a:p>
-          </p:txBody>
-        </p:sp>
-      </p:grpSp>
-      <p:sp>
-        <p:nvSpPr>
-          <p:cNvPr id="8" name="TextBox 7"/>
-          <p:cNvSpPr txBox="1"/>
-          <p:nvPr/>
-        </p:nvSpPr>
-        <p:spPr>
-          <a:xfrm>
-            <a:off x="305354" y="1827672"/>
-            <a:ext cx="10924081" cy="646331"/>
-          </a:xfrm>
-          <a:prstGeom prst="rect">
-            <a:avLst/>
-          </a:prstGeom>
-          <a:noFill/>
-        </p:spPr>
-        <p:txBody>
-          <a:bodyPr wrap="none" rtlCol="0">
-            <a:spAutoFit/>
-          </a:bodyPr>
-          <a:lstStyle/>
-          <a:p>
-            <a:r>
-              <a:rPr lang="en-GB" dirty="0" smtClean="0">
-                <a:solidFill>
-                  <a:schemeClr val="tx1">
-                    <a:lumMod val="65000"/>
-                    <a:lumOff val="35000"/>
-                  </a:schemeClr>
-                </a:solidFill>
-                <a:effectLst>
-                  <a:outerShdw blurRad="38100" dist="38100" dir="2700000" algn="tl">
-                    <a:srgbClr val="000000">
-                      <a:alpha val="43137"/>
-                    </a:srgbClr>
-                  </a:outerShdw>
-                </a:effectLst>
-              </a:rPr>
-              <a:t>With Alteryx Designer, blending data from multiple sources is easily accomplished, regardless of data structure and</a:t>
-            </a:r>
-          </a:p>
-          <a:p>
-            <a:r>
-              <a:rPr lang="en-GB" dirty="0" smtClean="0">
-                <a:solidFill>
-                  <a:schemeClr val="tx1">
-                    <a:lumMod val="65000"/>
-                    <a:lumOff val="35000"/>
-                  </a:schemeClr>
-                </a:solidFill>
-                <a:effectLst>
-                  <a:outerShdw blurRad="38100" dist="38100" dir="2700000" algn="tl">
-                    <a:srgbClr val="000000">
-                      <a:alpha val="43137"/>
-                    </a:srgbClr>
-                  </a:outerShdw>
-                </a:effectLst>
-              </a:rPr>
-              <a:t>format</a:t>
-            </a:r>
-          </a:p>
-        </p:txBody>
-      </p:sp>
-      <p:sp>
-        <p:nvSpPr>
-          <p:cNvPr id="16" name="TextBox 15"/>
-          <p:cNvSpPr txBox="1"/>
-          <p:nvPr/>
-        </p:nvSpPr>
-        <p:spPr>
-          <a:xfrm>
-            <a:off x="0" y="23077"/>
-            <a:ext cx="2216184" cy="523220"/>
-          </a:xfrm>
-          <a:prstGeom prst="rect">
-            <a:avLst/>
-          </a:prstGeom>
-          <a:noFill/>
-        </p:spPr>
-        <p:txBody>
-          <a:bodyPr wrap="none" rtlCol="0" anchor="ctr">
-            <a:spAutoFit/>
-          </a:bodyPr>
-          <a:lstStyle/>
-          <a:p>
-            <a:pPr algn="ctr"/>
-            <a:r>
-              <a:rPr lang="en-GB" sz="2800" dirty="0" smtClean="0">
-                <a:solidFill>
-                  <a:schemeClr val="tx1">
-                    <a:lumMod val="65000"/>
-                    <a:lumOff val="35000"/>
-                  </a:schemeClr>
-                </a:solidFill>
-                <a:effectLst>
-                  <a:outerShdw blurRad="38100" dist="38100" dir="2700000" algn="tl">
-                    <a:srgbClr val="000000">
-                      <a:alpha val="43137"/>
-                    </a:srgbClr>
-                  </a:outerShdw>
-                </a:effectLst>
-              </a:rPr>
-              <a:t>Data Blending</a:t>
-            </a:r>
-            <a:endParaRPr lang="en-GB" sz="2800" dirty="0">
-              <a:solidFill>
-                <a:schemeClr val="tx1">
-                  <a:lumMod val="65000"/>
-                  <a:lumOff val="35000"/>
-                </a:schemeClr>
-              </a:solidFill>
-              <a:effectLst>
-                <a:outerShdw blurRad="38100" dist="38100" dir="2700000" algn="tl">
-                  <a:srgbClr val="000000">
-                    <a:alpha val="43137"/>
-                  </a:srgbClr>
-                </a:outerShdw>
-              </a:effectLst>
-            </a:endParaRPr>
-          </a:p>
-        </p:txBody>
-      </p:sp>
-      <p:grpSp>
-        <p:nvGrpSpPr>
-          <p:cNvPr id="15" name="Group 14"/>
-          <p:cNvGrpSpPr/>
-          <p:nvPr/>
-        </p:nvGrpSpPr>
-        <p:grpSpPr>
-          <a:xfrm>
-            <a:off x="2199938" y="2584173"/>
-            <a:ext cx="6489932" cy="3807372"/>
-            <a:chOff x="103484" y="1191833"/>
-            <a:chExt cx="6489932" cy="3807372"/>
-          </a:xfrm>
-        </p:grpSpPr>
-        <p:grpSp>
-          <p:nvGrpSpPr>
-            <p:cNvPr id="17" name="Group 16"/>
-            <p:cNvGrpSpPr/>
-            <p:nvPr/>
-          </p:nvGrpSpPr>
-          <p:grpSpPr>
-            <a:xfrm>
-              <a:off x="941037" y="1294497"/>
-              <a:ext cx="5652379" cy="3704708"/>
-              <a:chOff x="223976" y="546863"/>
-              <a:chExt cx="5652379" cy="3704708"/>
-            </a:xfrm>
-          </p:grpSpPr>
-          <p:grpSp>
-            <p:nvGrpSpPr>
-              <p:cNvPr id="19" name="Group 18"/>
-              <p:cNvGrpSpPr/>
-              <p:nvPr/>
-            </p:nvGrpSpPr>
-            <p:grpSpPr>
-              <a:xfrm>
-                <a:off x="223976" y="798305"/>
-                <a:ext cx="5652379" cy="3453266"/>
-                <a:chOff x="223976" y="798305"/>
-                <a:chExt cx="5652379" cy="3453266"/>
-              </a:xfrm>
-            </p:grpSpPr>
-            <p:grpSp>
-              <p:nvGrpSpPr>
-                <p:cNvPr id="21" name="Group 20"/>
-                <p:cNvGrpSpPr/>
-                <p:nvPr/>
-              </p:nvGrpSpPr>
-              <p:grpSpPr>
-                <a:xfrm>
-                  <a:off x="223976" y="798305"/>
-                  <a:ext cx="5652379" cy="3270806"/>
-                  <a:chOff x="112657" y="623376"/>
-                  <a:chExt cx="5652379" cy="3270806"/>
-                </a:xfrm>
-              </p:grpSpPr>
-              <p:pic>
-                <p:nvPicPr>
-                  <p:cNvPr id="23" name="Picture 22"/>
-                  <p:cNvPicPr>
-                    <a:picLocks noChangeAspect="1"/>
-                  </p:cNvPicPr>
-                  <p:nvPr/>
-                </p:nvPicPr>
-                <p:blipFill>
-                  <a:blip r:embed="rId4">
-                    <a:extLst>
-                      <a:ext uri="{28A0092B-C50C-407E-A947-70E740481C1C}">
-                        <a14:useLocalDpi xmlns:a14="http://schemas.microsoft.com/office/drawing/2010/main" val="0"/>
-                      </a:ext>
-                    </a:extLst>
-                  </a:blip>
-                  <a:stretch>
-                    <a:fillRect/>
-                  </a:stretch>
-                </p:blipFill>
-                <p:spPr>
-                  <a:xfrm>
-                    <a:off x="341485" y="640481"/>
-                    <a:ext cx="601483" cy="527920"/>
-                  </a:xfrm>
-                  <a:prstGeom prst="rect">
-                    <a:avLst/>
-                  </a:prstGeom>
-                </p:spPr>
-              </p:pic>
-              <p:pic>
-                <p:nvPicPr>
-                  <p:cNvPr id="24" name="Picture 23"/>
-                  <p:cNvPicPr>
-                    <a:picLocks noChangeAspect="1"/>
-                  </p:cNvPicPr>
-                  <p:nvPr/>
-                </p:nvPicPr>
-                <p:blipFill>
-                  <a:blip r:embed="rId5">
-                    <a:extLst>
-                      <a:ext uri="{28A0092B-C50C-407E-A947-70E740481C1C}">
-                        <a14:useLocalDpi xmlns:a14="http://schemas.microsoft.com/office/drawing/2010/main" val="0"/>
-                      </a:ext>
-                    </a:extLst>
-                  </a:blip>
-                  <a:stretch>
-                    <a:fillRect/>
-                  </a:stretch>
-                </p:blipFill>
-                <p:spPr>
-                  <a:xfrm>
-                    <a:off x="188411" y="1606299"/>
-                    <a:ext cx="368126" cy="429892"/>
-                  </a:xfrm>
-                  <a:prstGeom prst="rect">
-                    <a:avLst/>
-                  </a:prstGeom>
-                </p:spPr>
-              </p:pic>
-              <p:pic>
-                <p:nvPicPr>
-                  <p:cNvPr id="25" name="Picture 24"/>
-                  <p:cNvPicPr>
-                    <a:picLocks noChangeAspect="1"/>
-                  </p:cNvPicPr>
-                  <p:nvPr/>
-                </p:nvPicPr>
-                <p:blipFill>
-                  <a:blip r:embed="rId6">
-                    <a:extLst>
-                      <a:ext uri="{28A0092B-C50C-407E-A947-70E740481C1C}">
-                        <a14:useLocalDpi xmlns:a14="http://schemas.microsoft.com/office/drawing/2010/main" val="0"/>
-                      </a:ext>
-                    </a:extLst>
-                  </a:blip>
-                  <a:stretch>
-                    <a:fillRect/>
-                  </a:stretch>
-                </p:blipFill>
-                <p:spPr>
-                  <a:xfrm>
-                    <a:off x="1337771" y="623376"/>
-                    <a:ext cx="791855" cy="764070"/>
-                  </a:xfrm>
-                  <a:prstGeom prst="rect">
-                    <a:avLst/>
-                  </a:prstGeom>
-                </p:spPr>
-              </p:pic>
-              <p:pic>
-                <p:nvPicPr>
-                  <p:cNvPr id="26" name="Picture 25"/>
-                  <p:cNvPicPr>
-                    <a:picLocks noChangeAspect="1"/>
-                  </p:cNvPicPr>
-                  <p:nvPr/>
-                </p:nvPicPr>
-                <p:blipFill>
-                  <a:blip r:embed="rId7">
-                    <a:extLst>
-                      <a:ext uri="{28A0092B-C50C-407E-A947-70E740481C1C}">
-                        <a14:useLocalDpi xmlns:a14="http://schemas.microsoft.com/office/drawing/2010/main" val="0"/>
-                      </a:ext>
-                    </a:extLst>
-                  </a:blip>
-                  <a:stretch>
-                    <a:fillRect/>
-                  </a:stretch>
-                </p:blipFill>
-                <p:spPr>
-                  <a:xfrm>
-                    <a:off x="4165196" y="1097157"/>
-                    <a:ext cx="1599840" cy="1125311"/>
-                  </a:xfrm>
-                  <a:prstGeom prst="rect">
-                    <a:avLst/>
-                  </a:prstGeom>
-                </p:spPr>
-              </p:pic>
-              <p:pic>
-                <p:nvPicPr>
-                  <p:cNvPr id="27" name="Picture 26"/>
-                  <p:cNvPicPr>
-                    <a:picLocks noChangeAspect="1"/>
-                  </p:cNvPicPr>
-                  <p:nvPr/>
-                </p:nvPicPr>
-                <p:blipFill>
-                  <a:blip r:embed="rId8">
-                    <a:extLst>
-                      <a:ext uri="{28A0092B-C50C-407E-A947-70E740481C1C}">
-                        <a14:useLocalDpi xmlns:a14="http://schemas.microsoft.com/office/drawing/2010/main" val="0"/>
-                      </a:ext>
-                    </a:extLst>
-                  </a:blip>
-                  <a:stretch>
-                    <a:fillRect/>
-                  </a:stretch>
-                </p:blipFill>
-                <p:spPr>
-                  <a:xfrm>
-                    <a:off x="648627" y="1387446"/>
-                    <a:ext cx="3348460" cy="959843"/>
-                  </a:xfrm>
-                  <a:prstGeom prst="rect">
-                    <a:avLst/>
-                  </a:prstGeom>
-                </p:spPr>
-              </p:pic>
-              <p:pic>
-                <p:nvPicPr>
-                  <p:cNvPr id="28" name="Picture 27"/>
-                  <p:cNvPicPr>
-                    <a:picLocks noChangeAspect="1"/>
-                  </p:cNvPicPr>
-                  <p:nvPr/>
-                </p:nvPicPr>
-                <p:blipFill>
-                  <a:blip r:embed="rId9">
-                    <a:extLst>
-                      <a:ext uri="{28A0092B-C50C-407E-A947-70E740481C1C}">
-                        <a14:useLocalDpi xmlns:a14="http://schemas.microsoft.com/office/drawing/2010/main" val="0"/>
-                      </a:ext>
-                    </a:extLst>
-                  </a:blip>
-                  <a:stretch>
-                    <a:fillRect/>
-                  </a:stretch>
-                </p:blipFill>
-                <p:spPr>
-                  <a:xfrm>
-                    <a:off x="3460782" y="801176"/>
-                    <a:ext cx="634939" cy="631332"/>
-                  </a:xfrm>
-                  <a:prstGeom prst="rect">
-                    <a:avLst/>
-                  </a:prstGeom>
-                </p:spPr>
-              </p:pic>
-              <p:pic>
-                <p:nvPicPr>
-                  <p:cNvPr id="29" name="Picture 28"/>
-                  <p:cNvPicPr>
-                    <a:picLocks noChangeAspect="1"/>
-                  </p:cNvPicPr>
-                  <p:nvPr/>
-                </p:nvPicPr>
-                <p:blipFill>
-                  <a:blip r:embed="rId10">
-                    <a:extLst>
-                      <a:ext uri="{28A0092B-C50C-407E-A947-70E740481C1C}">
-                        <a14:useLocalDpi xmlns:a14="http://schemas.microsoft.com/office/drawing/2010/main" val="0"/>
-                      </a:ext>
-                    </a:extLst>
-                  </a:blip>
-                  <a:stretch>
-                    <a:fillRect/>
-                  </a:stretch>
-                </p:blipFill>
-                <p:spPr>
-                  <a:xfrm>
-                    <a:off x="2463577" y="686417"/>
-                    <a:ext cx="947625" cy="919882"/>
-                  </a:xfrm>
-                  <a:prstGeom prst="rect">
-                    <a:avLst/>
-                  </a:prstGeom>
-                </p:spPr>
-              </p:pic>
-              <p:pic>
-                <p:nvPicPr>
-                  <p:cNvPr id="30" name="Picture 29"/>
-                  <p:cNvPicPr>
-                    <a:picLocks noChangeAspect="1"/>
-                  </p:cNvPicPr>
-                  <p:nvPr/>
-                </p:nvPicPr>
-                <p:blipFill>
-                  <a:blip r:embed="rId11">
-                    <a:extLst>
-                      <a:ext uri="{28A0092B-C50C-407E-A947-70E740481C1C}">
-                        <a14:useLocalDpi xmlns:a14="http://schemas.microsoft.com/office/drawing/2010/main" val="0"/>
-                      </a:ext>
-                    </a:extLst>
-                  </a:blip>
-                  <a:stretch>
-                    <a:fillRect/>
-                  </a:stretch>
-                </p:blipFill>
-                <p:spPr>
-                  <a:xfrm>
-                    <a:off x="2555667" y="2274912"/>
-                    <a:ext cx="905115" cy="835901"/>
-                  </a:xfrm>
-                  <a:prstGeom prst="rect">
-                    <a:avLst/>
-                  </a:prstGeom>
-                </p:spPr>
-              </p:pic>
-              <p:pic>
-                <p:nvPicPr>
-                  <p:cNvPr id="31" name="Picture 30"/>
-                  <p:cNvPicPr>
-                    <a:picLocks noChangeAspect="1"/>
-                  </p:cNvPicPr>
-                  <p:nvPr/>
-                </p:nvPicPr>
-                <p:blipFill>
-                  <a:blip r:embed="rId12">
-                    <a:extLst>
-                      <a:ext uri="{28A0092B-C50C-407E-A947-70E740481C1C}">
-                        <a14:useLocalDpi xmlns:a14="http://schemas.microsoft.com/office/drawing/2010/main" val="0"/>
-                      </a:ext>
-                    </a:extLst>
-                  </a:blip>
-                  <a:stretch>
-                    <a:fillRect/>
-                  </a:stretch>
-                </p:blipFill>
-                <p:spPr>
-                  <a:xfrm>
-                    <a:off x="3137841" y="2982883"/>
-                    <a:ext cx="1800476" cy="457264"/>
-                  </a:xfrm>
-                  <a:prstGeom prst="rect">
-                    <a:avLst/>
-                  </a:prstGeom>
-                </p:spPr>
-              </p:pic>
-              <p:pic>
-                <p:nvPicPr>
-                  <p:cNvPr id="32" name="Picture 31"/>
-                  <p:cNvPicPr>
-                    <a:picLocks noChangeAspect="1"/>
-                  </p:cNvPicPr>
-                  <p:nvPr/>
-                </p:nvPicPr>
-                <p:blipFill>
-                  <a:blip r:embed="rId13">
-                    <a:extLst>
-                      <a:ext uri="{28A0092B-C50C-407E-A947-70E740481C1C}">
-                        <a14:useLocalDpi xmlns:a14="http://schemas.microsoft.com/office/drawing/2010/main" val="0"/>
-                      </a:ext>
-                    </a:extLst>
-                  </a:blip>
-                  <a:stretch>
-                    <a:fillRect/>
-                  </a:stretch>
-                </p:blipFill>
-                <p:spPr>
-                  <a:xfrm>
-                    <a:off x="112657" y="2237808"/>
-                    <a:ext cx="1148684" cy="873550"/>
-                  </a:xfrm>
-                  <a:prstGeom prst="rect">
-                    <a:avLst/>
-                  </a:prstGeom>
-                </p:spPr>
-              </p:pic>
-              <p:pic>
-                <p:nvPicPr>
-                  <p:cNvPr id="33" name="Picture 32"/>
-                  <p:cNvPicPr>
-                    <a:picLocks noChangeAspect="1"/>
-                  </p:cNvPicPr>
-                  <p:nvPr/>
-                </p:nvPicPr>
-                <p:blipFill>
-                  <a:blip r:embed="rId14">
-                    <a:extLst>
-                      <a:ext uri="{28A0092B-C50C-407E-A947-70E740481C1C}">
-                        <a14:useLocalDpi xmlns:a14="http://schemas.microsoft.com/office/drawing/2010/main" val="0"/>
-                      </a:ext>
-                    </a:extLst>
-                  </a:blip>
-                  <a:stretch>
-                    <a:fillRect/>
-                  </a:stretch>
-                </p:blipFill>
-                <p:spPr>
-                  <a:xfrm>
-                    <a:off x="262393" y="3099415"/>
-                    <a:ext cx="2875448" cy="794767"/>
-                  </a:xfrm>
-                  <a:prstGeom prst="rect">
-                    <a:avLst/>
-                  </a:prstGeom>
-                </p:spPr>
-              </p:pic>
-              <p:pic>
-                <p:nvPicPr>
-                  <p:cNvPr id="34" name="Picture 33"/>
-                  <p:cNvPicPr>
-                    <a:picLocks noChangeAspect="1"/>
-                  </p:cNvPicPr>
-                  <p:nvPr/>
-                </p:nvPicPr>
-                <p:blipFill>
-                  <a:blip r:embed="rId15">
-                    <a:extLst>
-                      <a:ext uri="{28A0092B-C50C-407E-A947-70E740481C1C}">
-                        <a14:useLocalDpi xmlns:a14="http://schemas.microsoft.com/office/drawing/2010/main" val="0"/>
-                      </a:ext>
-                    </a:extLst>
-                  </a:blip>
-                  <a:stretch>
-                    <a:fillRect/>
-                  </a:stretch>
-                </p:blipFill>
-                <p:spPr>
-                  <a:xfrm>
-                    <a:off x="3538747" y="2171919"/>
-                    <a:ext cx="1690353" cy="890862"/>
-                  </a:xfrm>
-                  <a:prstGeom prst="rect">
-                    <a:avLst/>
-                  </a:prstGeom>
-                </p:spPr>
-              </p:pic>
-              <p:pic>
-                <p:nvPicPr>
-                  <p:cNvPr id="35" name="Picture 34"/>
-                  <p:cNvPicPr>
-                    <a:picLocks noChangeAspect="1"/>
-                  </p:cNvPicPr>
-                  <p:nvPr/>
-                </p:nvPicPr>
-                <p:blipFill>
-                  <a:blip r:embed="rId16">
-                    <a:extLst>
-                      <a:ext uri="{28A0092B-C50C-407E-A947-70E740481C1C}">
-                        <a14:useLocalDpi xmlns:a14="http://schemas.microsoft.com/office/drawing/2010/main" val="0"/>
-                      </a:ext>
-                    </a:extLst>
-                  </a:blip>
-                  <a:stretch>
-                    <a:fillRect/>
-                  </a:stretch>
-                </p:blipFill>
-                <p:spPr>
-                  <a:xfrm>
-                    <a:off x="1452723" y="2347289"/>
-                    <a:ext cx="1010854" cy="842378"/>
-                  </a:xfrm>
-                  <a:prstGeom prst="rect">
-                    <a:avLst/>
-                  </a:prstGeom>
-                </p:spPr>
-              </p:pic>
-            </p:grpSp>
-            <p:pic>
-              <p:nvPicPr>
-                <p:cNvPr id="22" name="Picture 21"/>
-                <p:cNvPicPr>
-                  <a:picLocks noChangeAspect="1"/>
-                </p:cNvPicPr>
-                <p:nvPr/>
-              </p:nvPicPr>
-              <p:blipFill>
-                <a:blip r:embed="rId17">
-                  <a:extLst>
-                    <a:ext uri="{28A0092B-C50C-407E-A947-70E740481C1C}">
-                      <a14:useLocalDpi xmlns:a14="http://schemas.microsoft.com/office/drawing/2010/main" val="0"/>
-                    </a:ext>
-                  </a:extLst>
-                </a:blip>
-                <a:stretch>
-                  <a:fillRect/>
-                </a:stretch>
-              </p:blipFill>
-              <p:spPr>
-                <a:xfrm>
-                  <a:off x="3180907" y="3591100"/>
-                  <a:ext cx="1082740" cy="660471"/>
-                </a:xfrm>
-                <a:prstGeom prst="rect">
-                  <a:avLst/>
-                </a:prstGeom>
-              </p:spPr>
-            </p:pic>
-          </p:grpSp>
-          <p:pic>
-            <p:nvPicPr>
-              <p:cNvPr id="20" name="Picture 19"/>
-              <p:cNvPicPr>
-                <a:picLocks noChangeAspect="1"/>
-              </p:cNvPicPr>
-              <p:nvPr/>
-            </p:nvPicPr>
-            <p:blipFill>
-              <a:blip r:embed="rId18">
-                <a:extLst>
-                  <a:ext uri="{28A0092B-C50C-407E-A947-70E740481C1C}">
-                    <a14:useLocalDpi xmlns:a14="http://schemas.microsoft.com/office/drawing/2010/main" val="0"/>
-                  </a:ext>
-                </a:extLst>
-              </a:blip>
-              <a:stretch>
-                <a:fillRect/>
-              </a:stretch>
-            </p:blipFill>
-            <p:spPr>
-              <a:xfrm>
-                <a:off x="4319898" y="546863"/>
-                <a:ext cx="819362" cy="725223"/>
-              </a:xfrm>
-              <a:prstGeom prst="rect">
-                <a:avLst/>
-              </a:prstGeom>
-            </p:spPr>
-          </p:pic>
-        </p:grpSp>
-        <p:sp>
-          <p:nvSpPr>
-            <p:cNvPr id="18" name="TextBox 17"/>
-            <p:cNvSpPr txBox="1"/>
-            <p:nvPr/>
-          </p:nvSpPr>
-          <p:spPr>
-            <a:xfrm>
-              <a:off x="103484" y="1191833"/>
-              <a:ext cx="5030673" cy="369332"/>
-            </a:xfrm>
-            <a:prstGeom prst="rect">
-              <a:avLst/>
-            </a:prstGeom>
-            <a:noFill/>
-          </p:spPr>
-          <p:txBody>
-            <a:bodyPr wrap="none" rtlCol="0">
-              <a:spAutoFit/>
-            </a:bodyPr>
-            <a:lstStyle/>
-            <a:p>
-              <a:r>
-                <a:rPr lang="en-GB" i="1" dirty="0"/>
-                <a:t>Just some of the data sources supported by Alteryx:</a:t>
-              </a:r>
-            </a:p>
-          </p:txBody>
-        </p:sp>
-      </p:grpSp>
-    </p:spTree>
-    <p:extLst>
-      <p:ext uri="{BB962C8B-B14F-4D97-AF65-F5344CB8AC3E}">
-        <p14:creationId xmlns:p14="http://schemas.microsoft.com/office/powerpoint/2010/main" val="1938710834"/>
-      </p:ext>
-    </p:extLst>
-  </p:cSld>
-  <p:clrMapOvr>
-    <a:masterClrMapping/>
-  </p:clrMapOvr>
-  <p:timing>
-    <p:tnLst>
-      <p:par>
-        <p:cTn id="1" dur="indefinite" restart="never" nodeType="tmRoot"/>
-      </p:par>
-    </p:tnLst>
-  </p:timing>
-</p:sld>
-</file>
-
-<file path=ppt/slides/slide8.xml><?xml version="1.0" encoding="utf-8"?>
-<p:sld xmlns:a="http://schemas.openxmlformats.org/drawingml/2006/main" xmlns:r="http://schemas.openxmlformats.org/officeDocument/2006/relationships" xmlns:p="http://schemas.openxmlformats.org/presentationml/2006/main">
-  <p:cSld>
-    <p:spTree>
-      <p:nvGrpSpPr>
-        <p:cNvPr id="1" name=""/>
-        <p:cNvGrpSpPr/>
-        <p:nvPr/>
-      </p:nvGrpSpPr>
-      <p:grpSpPr>
-        <a:xfrm>
-          <a:off x="0" y="0"/>
-          <a:ext cx="0" cy="0"/>
-          <a:chOff x="0" y="0"/>
-          <a:chExt cx="0" cy="0"/>
-        </a:xfrm>
-      </p:grpSpPr>
-      <p:sp>
-        <p:nvSpPr>
-          <p:cNvPr id="9" name="TextBox 8"/>
-          <p:cNvSpPr txBox="1"/>
-          <p:nvPr/>
-        </p:nvSpPr>
-        <p:spPr>
-          <a:xfrm>
-            <a:off x="305354" y="928662"/>
-            <a:ext cx="3987182" cy="369332"/>
-          </a:xfrm>
-          <a:prstGeom prst="rect">
-            <a:avLst/>
-          </a:prstGeom>
-          <a:noFill/>
-        </p:spPr>
-        <p:txBody>
-          <a:bodyPr wrap="none" rtlCol="0">
-            <a:spAutoFit/>
-          </a:bodyPr>
-          <a:lstStyle/>
-          <a:p>
-            <a:r>
-              <a:rPr lang="en-GB" dirty="0" smtClean="0">
-                <a:solidFill>
-                  <a:schemeClr val="tx1">
-                    <a:lumMod val="65000"/>
-                    <a:lumOff val="35000"/>
-                  </a:schemeClr>
-                </a:solidFill>
-                <a:effectLst>
-                  <a:outerShdw blurRad="38100" dist="38100" dir="2700000" algn="tl">
-                    <a:srgbClr val="000000">
-                      <a:alpha val="43137"/>
-                    </a:srgbClr>
-                  </a:outerShdw>
-                </a:effectLst>
-              </a:rPr>
-              <a:t>There are seven principle blending tools</a:t>
-            </a:r>
-          </a:p>
-        </p:txBody>
-      </p:sp>
-      <p:grpSp>
-        <p:nvGrpSpPr>
-          <p:cNvPr id="13" name="Group 12"/>
-          <p:cNvGrpSpPr/>
-          <p:nvPr/>
-        </p:nvGrpSpPr>
-        <p:grpSpPr>
-          <a:xfrm>
-            <a:off x="8690753" y="6076841"/>
-            <a:ext cx="3439005" cy="781159"/>
-            <a:chOff x="4167739" y="5299927"/>
-            <a:chExt cx="3439005" cy="781159"/>
-          </a:xfrm>
-        </p:grpSpPr>
-        <p:pic>
-          <p:nvPicPr>
-            <p:cNvPr id="10" name="Picture 9"/>
-            <p:cNvPicPr>
-              <a:picLocks noChangeAspect="1"/>
-            </p:cNvPicPr>
-            <p:nvPr/>
-          </p:nvPicPr>
-          <p:blipFill>
-            <a:blip r:embed="rId2">
-              <a:extLst>
-                <a:ext uri="{28A0092B-C50C-407E-A947-70E740481C1C}">
-                  <a14:useLocalDpi xmlns:a14="http://schemas.microsoft.com/office/drawing/2010/main" val="0"/>
-                </a:ext>
-              </a:extLst>
-            </a:blip>
-            <a:stretch>
-              <a:fillRect/>
-            </a:stretch>
-          </p:blipFill>
-          <p:spPr>
-            <a:xfrm>
-              <a:off x="4167739" y="5299927"/>
-              <a:ext cx="1848108" cy="781159"/>
-            </a:xfrm>
-            <a:prstGeom prst="rect">
-              <a:avLst/>
-            </a:prstGeom>
-          </p:spPr>
-        </p:pic>
-        <p:pic>
-          <p:nvPicPr>
-            <p:cNvPr id="11" name="Picture 10"/>
-            <p:cNvPicPr>
-              <a:picLocks noChangeAspect="1"/>
-            </p:cNvPicPr>
-            <p:nvPr/>
-          </p:nvPicPr>
-          <p:blipFill>
-            <a:blip r:embed="rId3">
-              <a:extLst>
-                <a:ext uri="{28A0092B-C50C-407E-A947-70E740481C1C}">
-                  <a14:useLocalDpi xmlns:a14="http://schemas.microsoft.com/office/drawing/2010/main" val="0"/>
-                </a:ext>
-              </a:extLst>
-            </a:blip>
-            <a:stretch>
-              <a:fillRect/>
-            </a:stretch>
-          </p:blipFill>
-          <p:spPr>
-            <a:xfrm>
-              <a:off x="6015847" y="5390426"/>
-              <a:ext cx="1590897" cy="600159"/>
-            </a:xfrm>
-            <a:prstGeom prst="rect">
-              <a:avLst/>
-            </a:prstGeom>
-          </p:spPr>
-        </p:pic>
-        <p:sp>
-          <p:nvSpPr>
-            <p:cNvPr id="12" name="TextBox 11"/>
-            <p:cNvSpPr txBox="1"/>
-            <p:nvPr/>
-          </p:nvSpPr>
-          <p:spPr>
-            <a:xfrm>
-              <a:off x="5805693" y="5336562"/>
-              <a:ext cx="420308" cy="707886"/>
-            </a:xfrm>
-            <a:prstGeom prst="rect">
-              <a:avLst/>
-            </a:prstGeom>
-            <a:noFill/>
-          </p:spPr>
-          <p:txBody>
-            <a:bodyPr wrap="none" rtlCol="0">
-              <a:spAutoFit/>
-            </a:bodyPr>
-            <a:lstStyle/>
-            <a:p>
-              <a:r>
-                <a:rPr lang="en-GB" sz="4000" dirty="0">
-                  <a:solidFill>
-                    <a:schemeClr val="bg2">
-                      <a:lumMod val="90000"/>
-                    </a:schemeClr>
-                  </a:solidFill>
-                </a:rPr>
-                <a:t>|</a:t>
-              </a:r>
-            </a:p>
-          </p:txBody>
-        </p:sp>
-      </p:grpSp>
-      <p:sp>
-        <p:nvSpPr>
-          <p:cNvPr id="16" name="TextBox 15"/>
-          <p:cNvSpPr txBox="1"/>
-          <p:nvPr/>
-        </p:nvSpPr>
-        <p:spPr>
-          <a:xfrm>
-            <a:off x="0" y="23077"/>
-            <a:ext cx="2216184" cy="523220"/>
-          </a:xfrm>
-          <a:prstGeom prst="rect">
-            <a:avLst/>
-          </a:prstGeom>
-          <a:noFill/>
-        </p:spPr>
-        <p:txBody>
-          <a:bodyPr wrap="none" rtlCol="0" anchor="ctr">
-            <a:spAutoFit/>
-          </a:bodyPr>
-          <a:lstStyle/>
-          <a:p>
-            <a:pPr algn="ctr"/>
-            <a:r>
-              <a:rPr lang="en-GB" sz="2800" dirty="0" smtClean="0">
-                <a:solidFill>
-                  <a:schemeClr val="tx1">
-                    <a:lumMod val="65000"/>
-                    <a:lumOff val="35000"/>
-                  </a:schemeClr>
-                </a:solidFill>
-                <a:effectLst>
-                  <a:outerShdw blurRad="38100" dist="38100" dir="2700000" algn="tl">
-                    <a:srgbClr val="000000">
-                      <a:alpha val="43137"/>
-                    </a:srgbClr>
-                  </a:outerShdw>
-                </a:effectLst>
-              </a:rPr>
-              <a:t>Data Blending</a:t>
-            </a:r>
-            <a:endParaRPr lang="en-GB" sz="2800" dirty="0">
-              <a:solidFill>
-                <a:schemeClr val="tx1">
-                  <a:lumMod val="65000"/>
-                  <a:lumOff val="35000"/>
-                </a:schemeClr>
-              </a:solidFill>
-              <a:effectLst>
-                <a:outerShdw blurRad="38100" dist="38100" dir="2700000" algn="tl">
-                  <a:srgbClr val="000000">
-                    <a:alpha val="43137"/>
-                  </a:srgbClr>
-                </a:outerShdw>
-              </a:effectLst>
-            </a:endParaRPr>
-          </a:p>
-        </p:txBody>
-      </p:sp>
-      <p:pic>
-        <p:nvPicPr>
-          <p:cNvPr id="8" name="Picture 7"/>
-          <p:cNvPicPr>
-            <a:picLocks noChangeAspect="1"/>
-          </p:cNvPicPr>
-          <p:nvPr/>
-        </p:nvPicPr>
-        <p:blipFill>
-          <a:blip r:embed="rId4">
-            <a:extLst>
-              <a:ext uri="{28A0092B-C50C-407E-A947-70E740481C1C}">
-                <a14:useLocalDpi xmlns:a14="http://schemas.microsoft.com/office/drawing/2010/main" val="0"/>
-              </a:ext>
-            </a:extLst>
-          </a:blip>
-          <a:stretch>
-            <a:fillRect/>
-          </a:stretch>
-        </p:blipFill>
-        <p:spPr>
-          <a:xfrm>
-            <a:off x="305354" y="1680359"/>
-            <a:ext cx="4067625" cy="496052"/>
-          </a:xfrm>
-          <a:prstGeom prst="rect">
-            <a:avLst/>
-          </a:prstGeom>
-        </p:spPr>
-      </p:pic>
-      <p:sp>
-        <p:nvSpPr>
-          <p:cNvPr id="14" name="TextBox 13"/>
-          <p:cNvSpPr txBox="1"/>
-          <p:nvPr/>
-        </p:nvSpPr>
-        <p:spPr>
-          <a:xfrm>
-            <a:off x="305354" y="2558776"/>
-            <a:ext cx="5700022" cy="369332"/>
-          </a:xfrm>
-          <a:prstGeom prst="rect">
-            <a:avLst/>
-          </a:prstGeom>
-          <a:noFill/>
-        </p:spPr>
-        <p:txBody>
-          <a:bodyPr wrap="none" rtlCol="0">
-            <a:spAutoFit/>
-          </a:bodyPr>
-          <a:lstStyle/>
-          <a:p>
-            <a:r>
-              <a:rPr lang="en-GB" i="1" dirty="0" smtClean="0">
-                <a:solidFill>
-                  <a:schemeClr val="accent1"/>
-                </a:solidFill>
-                <a:effectLst>
-                  <a:outerShdw blurRad="38100" dist="38100" dir="2700000" algn="tl">
-                    <a:srgbClr val="000000">
-                      <a:alpha val="43137"/>
-                    </a:srgbClr>
-                  </a:outerShdw>
-                </a:effectLst>
-              </a:rPr>
-              <a:t>Explain demo including where data came from plus a link</a:t>
-            </a:r>
-            <a:r>
-              <a:rPr lang="is-IS" i="1" dirty="0" smtClean="0">
-                <a:solidFill>
-                  <a:schemeClr val="accent1"/>
-                </a:solidFill>
-                <a:effectLst>
-                  <a:outerShdw blurRad="38100" dist="38100" dir="2700000" algn="tl">
-                    <a:srgbClr val="000000">
-                      <a:alpha val="43137"/>
-                    </a:srgbClr>
-                  </a:outerShdw>
-                </a:effectLst>
-              </a:rPr>
-              <a:t>…</a:t>
-            </a:r>
-            <a:endParaRPr lang="en-GB" i="1" dirty="0" smtClean="0">
-              <a:solidFill>
-                <a:schemeClr val="accent1"/>
-              </a:solidFill>
-              <a:effectLst>
-                <a:outerShdw blurRad="38100" dist="38100" dir="2700000" algn="tl">
-                  <a:srgbClr val="000000">
-                    <a:alpha val="43137"/>
-                  </a:srgbClr>
-                </a:outerShdw>
-              </a:effectLst>
-            </a:endParaRPr>
-          </a:p>
-        </p:txBody>
-      </p:sp>
-    </p:spTree>
-    <p:extLst>
-      <p:ext uri="{BB962C8B-B14F-4D97-AF65-F5344CB8AC3E}">
-        <p14:creationId xmlns:p14="http://schemas.microsoft.com/office/powerpoint/2010/main" val="1504085962"/>
-      </p:ext>
-    </p:extLst>
-  </p:cSld>
-  <p:clrMapOvr>
-    <a:masterClrMapping/>
-  </p:clrMapOvr>
-  <p:timing>
-    <p:tnLst>
-      <p:par>
-        <p:cTn id="1" dur="indefinite" restart="never" nodeType="tmRoot"/>
-      </p:par>
-    </p:tnLst>
-  </p:timing>
-</p:sld>
-</file>
-
-<file path=ppt/slides/slide9.xml><?xml version="1.0" encoding="utf-8"?>
-<p:sld xmlns:a="http://schemas.openxmlformats.org/drawingml/2006/main" xmlns:r="http://schemas.openxmlformats.org/officeDocument/2006/relationships" xmlns:p="http://schemas.openxmlformats.org/presentationml/2006/main">
-  <p:cSld>
-    <p:spTree>
-      <p:nvGrpSpPr>
-        <p:cNvPr id="1" name=""/>
-        <p:cNvGrpSpPr/>
-        <p:nvPr/>
-      </p:nvGrpSpPr>
-      <p:grpSpPr>
-        <a:xfrm>
-          <a:off x="0" y="0"/>
-          <a:ext cx="0" cy="0"/>
-          <a:chOff x="0" y="0"/>
-          <a:chExt cx="0" cy="0"/>
-        </a:xfrm>
-      </p:grpSpPr>
-      <p:grpSp>
-        <p:nvGrpSpPr>
-          <p:cNvPr id="13" name="Group 12"/>
-          <p:cNvGrpSpPr/>
-          <p:nvPr/>
-        </p:nvGrpSpPr>
-        <p:grpSpPr>
-          <a:xfrm>
-            <a:off x="8690753" y="6076841"/>
-            <a:ext cx="3439005" cy="781159"/>
-            <a:chOff x="4167739" y="5299927"/>
-            <a:chExt cx="3439005" cy="781159"/>
-          </a:xfrm>
-        </p:grpSpPr>
-        <p:pic>
-          <p:nvPicPr>
-            <p:cNvPr id="10" name="Picture 9"/>
-            <p:cNvPicPr>
-              <a:picLocks noChangeAspect="1"/>
-            </p:cNvPicPr>
-            <p:nvPr/>
-          </p:nvPicPr>
-          <p:blipFill>
-            <a:blip r:embed="rId2">
-              <a:extLst>
-                <a:ext uri="{28A0092B-C50C-407E-A947-70E740481C1C}">
-                  <a14:useLocalDpi xmlns:a14="http://schemas.microsoft.com/office/drawing/2010/main" val="0"/>
-                </a:ext>
-              </a:extLst>
-            </a:blip>
-            <a:stretch>
-              <a:fillRect/>
-            </a:stretch>
-          </p:blipFill>
-          <p:spPr>
-            <a:xfrm>
-              <a:off x="4167739" y="5299927"/>
-              <a:ext cx="1848108" cy="781159"/>
-            </a:xfrm>
-            <a:prstGeom prst="rect">
-              <a:avLst/>
-            </a:prstGeom>
-          </p:spPr>
-        </p:pic>
-        <p:pic>
-          <p:nvPicPr>
-            <p:cNvPr id="11" name="Picture 10"/>
-            <p:cNvPicPr>
-              <a:picLocks noChangeAspect="1"/>
-            </p:cNvPicPr>
-            <p:nvPr/>
-          </p:nvPicPr>
-          <p:blipFill>
-            <a:blip r:embed="rId3">
-              <a:extLst>
-                <a:ext uri="{28A0092B-C50C-407E-A947-70E740481C1C}">
-                  <a14:useLocalDpi xmlns:a14="http://schemas.microsoft.com/office/drawing/2010/main" val="0"/>
-                </a:ext>
-              </a:extLst>
-            </a:blip>
-            <a:stretch>
-              <a:fillRect/>
-            </a:stretch>
-          </p:blipFill>
-          <p:spPr>
-            <a:xfrm>
-              <a:off x="6015847" y="5390426"/>
-              <a:ext cx="1590897" cy="600159"/>
-            </a:xfrm>
-            <a:prstGeom prst="rect">
-              <a:avLst/>
-            </a:prstGeom>
-          </p:spPr>
-        </p:pic>
-        <p:sp>
-          <p:nvSpPr>
-            <p:cNvPr id="12" name="TextBox 11"/>
-            <p:cNvSpPr txBox="1"/>
-            <p:nvPr/>
-          </p:nvSpPr>
-          <p:spPr>
-            <a:xfrm>
-              <a:off x="5805693" y="5336562"/>
-              <a:ext cx="420308" cy="707886"/>
-            </a:xfrm>
-            <a:prstGeom prst="rect">
-              <a:avLst/>
-            </a:prstGeom>
-            <a:noFill/>
-          </p:spPr>
-          <p:txBody>
-            <a:bodyPr wrap="none" rtlCol="0">
-              <a:spAutoFit/>
-            </a:bodyPr>
-            <a:lstStyle/>
-            <a:p>
-              <a:r>
-                <a:rPr lang="en-GB" sz="4000" dirty="0">
-                  <a:solidFill>
-                    <a:schemeClr val="bg2">
-                      <a:lumMod val="90000"/>
-                    </a:schemeClr>
-                  </a:solidFill>
-                </a:rPr>
-                <a:t>|</a:t>
-              </a:r>
-            </a:p>
-          </p:txBody>
-        </p:sp>
-      </p:grpSp>
-      <p:sp>
-        <p:nvSpPr>
-          <p:cNvPr id="14" name="TextBox 13"/>
-          <p:cNvSpPr txBox="1"/>
-          <p:nvPr/>
-        </p:nvSpPr>
-        <p:spPr>
-          <a:xfrm>
-            <a:off x="4480497" y="2175406"/>
-            <a:ext cx="2537874" cy="1169551"/>
-          </a:xfrm>
-          <a:prstGeom prst="rect">
-            <a:avLst/>
-          </a:prstGeom>
-          <a:noFill/>
-        </p:spPr>
-        <p:txBody>
-          <a:bodyPr wrap="none" rtlCol="0">
-            <a:spAutoFit/>
-          </a:bodyPr>
-          <a:lstStyle/>
-          <a:p>
-            <a:r>
-              <a:rPr lang="en-GB" sz="7000" dirty="0" smtClean="0">
-                <a:solidFill>
-                  <a:schemeClr val="tx1">
-                    <a:lumMod val="65000"/>
-                    <a:lumOff val="35000"/>
-                  </a:schemeClr>
-                </a:solidFill>
-                <a:effectLst>
-                  <a:outerShdw blurRad="38100" dist="38100" dir="2700000" algn="tl">
-                    <a:srgbClr val="000000">
-                      <a:alpha val="43137"/>
-                    </a:srgbClr>
-                  </a:outerShdw>
-                </a:effectLst>
-              </a:rPr>
-              <a:t>DEMO</a:t>
-            </a:r>
-          </a:p>
-        </p:txBody>
-      </p:sp>
-      <p:sp>
-        <p:nvSpPr>
-          <p:cNvPr id="15" name="TextBox 14"/>
-          <p:cNvSpPr txBox="1"/>
-          <p:nvPr/>
-        </p:nvSpPr>
-        <p:spPr>
-          <a:xfrm>
-            <a:off x="3417417" y="3683097"/>
-            <a:ext cx="4664034" cy="369332"/>
-          </a:xfrm>
-          <a:prstGeom prst="rect">
-            <a:avLst/>
-          </a:prstGeom>
-          <a:noFill/>
-        </p:spPr>
-        <p:txBody>
-          <a:bodyPr wrap="none" rtlCol="0">
-            <a:spAutoFit/>
-          </a:bodyPr>
-          <a:lstStyle/>
-          <a:p>
-            <a:pPr algn="ctr"/>
-            <a:r>
-              <a:rPr lang="en-GB" dirty="0" smtClean="0">
-                <a:solidFill>
-                  <a:schemeClr val="tx1">
-                    <a:lumMod val="65000"/>
-                    <a:lumOff val="35000"/>
-                  </a:schemeClr>
-                </a:solidFill>
-                <a:effectLst>
-                  <a:outerShdw blurRad="38100" dist="38100" dir="2700000" algn="tl">
-                    <a:srgbClr val="000000">
-                      <a:alpha val="43137"/>
-                    </a:srgbClr>
-                  </a:outerShdw>
-                </a:effectLst>
-              </a:rPr>
-              <a:t>Example workflow can be found on GitHub at </a:t>
-            </a:r>
-            <a:r>
-              <a:rPr lang="is-IS" dirty="0" smtClean="0">
-                <a:solidFill>
-                  <a:schemeClr val="tx1">
-                    <a:lumMod val="65000"/>
-                    <a:lumOff val="35000"/>
-                  </a:schemeClr>
-                </a:solidFill>
-                <a:effectLst>
-                  <a:outerShdw blurRad="38100" dist="38100" dir="2700000" algn="tl">
-                    <a:srgbClr val="000000">
-                      <a:alpha val="43137"/>
-                    </a:srgbClr>
-                  </a:outerShdw>
-                </a:effectLst>
-              </a:rPr>
-              <a:t>…</a:t>
-            </a:r>
-            <a:endParaRPr lang="en-GB" dirty="0" smtClean="0">
-              <a:solidFill>
-                <a:schemeClr val="tx1">
-                  <a:lumMod val="65000"/>
-                  <a:lumOff val="35000"/>
-                </a:schemeClr>
-              </a:solidFill>
-              <a:effectLst>
-                <a:outerShdw blurRad="38100" dist="38100" dir="2700000" algn="tl">
-                  <a:srgbClr val="000000">
-                    <a:alpha val="43137"/>
-                  </a:srgbClr>
-                </a:outerShdw>
-              </a:effectLst>
-            </a:endParaRPr>
-          </a:p>
-        </p:txBody>
-      </p:sp>
-    </p:spTree>
-    <p:extLst>
-      <p:ext uri="{BB962C8B-B14F-4D97-AF65-F5344CB8AC3E}">
-        <p14:creationId xmlns:p14="http://schemas.microsoft.com/office/powerpoint/2010/main" val="1913264470"/>
-      </p:ext>
-    </p:extLst>
-  </p:cSld>
-  <p:clrMapOvr>
-    <a:masterClrMapping/>
-  </p:clrMapOvr>
-  <p:timing>
-    <p:tnLst>
-      <p:par>
-        <p:cTn id="1" dur="indefinite" restart="never" nodeType="tmRoot"/>
-      </p:par>
-    </p:tnLst>
-  </p:timing>
 </p:sld>
 </file>
 

--- a/sqlRelayCardiff2016.pptx
+++ b/sqlRelayCardiff2016.pptx
@@ -3659,7 +3659,43 @@
                   </a:outerShdw>
                 </a:effectLst>
               </a:rPr>
-              <a:t>You live North West or your office and only plan to search within a 2-mile radius.  You're hoping to find a good</a:t>
+              <a:t>You live North </a:t>
+            </a:r>
+            <a:r>
+              <a:rPr lang="en-GB" kern="0">
+                <a:solidFill>
+                  <a:schemeClr val="tx1">
+                    <a:lumMod val="65000"/>
+                    <a:lumOff val="35000"/>
+                  </a:schemeClr>
+                </a:solidFill>
+                <a:effectLst>
+                  <a:outerShdw blurRad="38100" dist="38100" dir="2700000" algn="tl">
+                    <a:srgbClr val="000000">
+                      <a:alpha val="43137"/>
+                    </a:srgbClr>
+                  </a:outerShdw>
+                </a:effectLst>
+              </a:rPr>
+              <a:t>West of </a:t>
+            </a:r>
+            <a:r>
+              <a:rPr lang="en-GB" kern="0" dirty="0">
+                <a:solidFill>
+                  <a:schemeClr val="tx1">
+                    <a:lumMod val="65000"/>
+                    <a:lumOff val="35000"/>
+                  </a:schemeClr>
+                </a:solidFill>
+                <a:effectLst>
+                  <a:outerShdw blurRad="38100" dist="38100" dir="2700000" algn="tl">
+                    <a:srgbClr val="000000">
+                      <a:alpha val="43137"/>
+                    </a:srgbClr>
+                  </a:outerShdw>
+                </a:effectLst>
+              </a:rPr>
+              <a:t>your office and only plan to search within a 2-mile radius.  You're hoping to find a good</a:t>
             </a:r>
           </a:p>
           <a:p>
